--- a/tut3/tut3.pptx
+++ b/tut3/tut3.pptx
@@ -4,25 +4,32 @@
   <p:sldMasterIdLst>
     <p:sldMasterId id="2147483648" r:id="rId1"/>
   </p:sldMasterIdLst>
+  <p:notesMasterIdLst>
+    <p:notesMasterId r:id="rId24"/>
+  </p:notesMasterIdLst>
   <p:sldIdLst>
     <p:sldId id="256" r:id="rId2"/>
     <p:sldId id="258" r:id="rId3"/>
     <p:sldId id="259" r:id="rId4"/>
     <p:sldId id="260" r:id="rId5"/>
-    <p:sldId id="262" r:id="rId6"/>
-    <p:sldId id="261" r:id="rId7"/>
-    <p:sldId id="263" r:id="rId8"/>
-    <p:sldId id="264" r:id="rId9"/>
-    <p:sldId id="265" r:id="rId10"/>
-    <p:sldId id="266" r:id="rId11"/>
-    <p:sldId id="267" r:id="rId12"/>
-    <p:sldId id="268" r:id="rId13"/>
-    <p:sldId id="269" r:id="rId14"/>
-    <p:sldId id="270" r:id="rId15"/>
-    <p:sldId id="271" r:id="rId16"/>
-    <p:sldId id="272" r:id="rId17"/>
-    <p:sldId id="273" r:id="rId18"/>
-    <p:sldId id="274" r:id="rId19"/>
+    <p:sldId id="263" r:id="rId6"/>
+    <p:sldId id="264" r:id="rId7"/>
+    <p:sldId id="265" r:id="rId8"/>
+    <p:sldId id="266" r:id="rId9"/>
+    <p:sldId id="267" r:id="rId10"/>
+    <p:sldId id="268" r:id="rId11"/>
+    <p:sldId id="269" r:id="rId12"/>
+    <p:sldId id="270" r:id="rId13"/>
+    <p:sldId id="271" r:id="rId14"/>
+    <p:sldId id="272" r:id="rId15"/>
+    <p:sldId id="273" r:id="rId16"/>
+    <p:sldId id="274" r:id="rId17"/>
+    <p:sldId id="278" r:id="rId18"/>
+    <p:sldId id="279" r:id="rId19"/>
+    <p:sldId id="280" r:id="rId20"/>
+    <p:sldId id="275" r:id="rId21"/>
+    <p:sldId id="276" r:id="rId22"/>
+    <p:sldId id="277" r:id="rId23"/>
   </p:sldIdLst>
   <p:sldSz cx="12192000" cy="6858000"/>
   <p:notesSz cx="6858000" cy="9144000"/>
@@ -129,6 +136,1010 @@
 </p:presentation>
 </file>
 
+<file path=ppt/notesMasters/notesMaster1.xml><?xml version="1.0" encoding="utf-8"?>
+<p:notesMaster xmlns:a="http://schemas.openxmlformats.org/drawingml/2006/main" xmlns:r="http://schemas.openxmlformats.org/officeDocument/2006/relationships" xmlns:p="http://schemas.openxmlformats.org/presentationml/2006/main">
+  <p:cSld>
+    <p:bg>
+      <p:bgRef idx="1001">
+        <a:schemeClr val="bg1"/>
+      </p:bgRef>
+    </p:bg>
+    <p:spTree>
+      <p:nvGrpSpPr>
+        <p:cNvPr id="1" name=""/>
+        <p:cNvGrpSpPr/>
+        <p:nvPr/>
+      </p:nvGrpSpPr>
+      <p:grpSpPr>
+        <a:xfrm>
+          <a:off x="0" y="0"/>
+          <a:ext cx="0" cy="0"/>
+          <a:chOff x="0" y="0"/>
+          <a:chExt cx="0" cy="0"/>
+        </a:xfrm>
+      </p:grpSpPr>
+      <p:sp>
+        <p:nvSpPr>
+          <p:cNvPr id="2" name="Header Placeholder 1"/>
+          <p:cNvSpPr>
+            <a:spLocks noGrp="1"/>
+          </p:cNvSpPr>
+          <p:nvPr>
+            <p:ph type="hdr" sz="quarter"/>
+          </p:nvPr>
+        </p:nvSpPr>
+        <p:spPr>
+          <a:xfrm>
+            <a:off x="0" y="0"/>
+            <a:ext cx="2971800" cy="458788"/>
+          </a:xfrm>
+          <a:prstGeom prst="rect">
+            <a:avLst/>
+          </a:prstGeom>
+        </p:spPr>
+        <p:txBody>
+          <a:bodyPr vert="horz" lIns="91440" tIns="45720" rIns="91440" bIns="45720" rtlCol="0"/>
+          <a:lstStyle>
+            <a:lvl1pPr algn="l">
+              <a:defRPr sz="1200"/>
+            </a:lvl1pPr>
+          </a:lstStyle>
+          <a:p>
+            <a:endParaRPr lang="en-US"/>
+          </a:p>
+        </p:txBody>
+      </p:sp>
+      <p:sp>
+        <p:nvSpPr>
+          <p:cNvPr id="3" name="Date Placeholder 2"/>
+          <p:cNvSpPr>
+            <a:spLocks noGrp="1"/>
+          </p:cNvSpPr>
+          <p:nvPr>
+            <p:ph type="dt" idx="1"/>
+          </p:nvPr>
+        </p:nvSpPr>
+        <p:spPr>
+          <a:xfrm>
+            <a:off x="3884613" y="0"/>
+            <a:ext cx="2971800" cy="458788"/>
+          </a:xfrm>
+          <a:prstGeom prst="rect">
+            <a:avLst/>
+          </a:prstGeom>
+        </p:spPr>
+        <p:txBody>
+          <a:bodyPr vert="horz" lIns="91440" tIns="45720" rIns="91440" bIns="45720" rtlCol="0"/>
+          <a:lstStyle>
+            <a:lvl1pPr algn="r">
+              <a:defRPr sz="1200"/>
+            </a:lvl1pPr>
+          </a:lstStyle>
+          <a:p>
+            <a:fld id="{9DEF5D54-5023-446F-985E-34C8F08173A0}" type="datetimeFigureOut">
+              <a:rPr lang="en-US" smtClean="0"/>
+              <a:t>10/9/2019</a:t>
+            </a:fld>
+            <a:endParaRPr lang="en-US"/>
+          </a:p>
+        </p:txBody>
+      </p:sp>
+      <p:sp>
+        <p:nvSpPr>
+          <p:cNvPr id="4" name="Slide Image Placeholder 3"/>
+          <p:cNvSpPr>
+            <a:spLocks noGrp="1" noRot="1" noChangeAspect="1"/>
+          </p:cNvSpPr>
+          <p:nvPr>
+            <p:ph type="sldImg" idx="2"/>
+          </p:nvPr>
+        </p:nvSpPr>
+        <p:spPr>
+          <a:xfrm>
+            <a:off x="685800" y="1143000"/>
+            <a:ext cx="5486400" cy="3086100"/>
+          </a:xfrm>
+          <a:prstGeom prst="rect">
+            <a:avLst/>
+          </a:prstGeom>
+          <a:noFill/>
+          <a:ln w="12700">
+            <a:solidFill>
+              <a:prstClr val="black"/>
+            </a:solidFill>
+          </a:ln>
+        </p:spPr>
+        <p:txBody>
+          <a:bodyPr vert="horz" lIns="91440" tIns="45720" rIns="91440" bIns="45720" rtlCol="0" anchor="ctr"/>
+          <a:lstStyle/>
+          <a:p>
+            <a:endParaRPr lang="en-US"/>
+          </a:p>
+        </p:txBody>
+      </p:sp>
+      <p:sp>
+        <p:nvSpPr>
+          <p:cNvPr id="5" name="Notes Placeholder 4"/>
+          <p:cNvSpPr>
+            <a:spLocks noGrp="1"/>
+          </p:cNvSpPr>
+          <p:nvPr>
+            <p:ph type="body" sz="quarter" idx="3"/>
+          </p:nvPr>
+        </p:nvSpPr>
+        <p:spPr>
+          <a:xfrm>
+            <a:off x="685800" y="4400550"/>
+            <a:ext cx="5486400" cy="3600450"/>
+          </a:xfrm>
+          <a:prstGeom prst="rect">
+            <a:avLst/>
+          </a:prstGeom>
+        </p:spPr>
+        <p:txBody>
+          <a:bodyPr vert="horz" lIns="91440" tIns="45720" rIns="91440" bIns="45720" rtlCol="0"/>
+          <a:lstStyle/>
+          <a:p>
+            <a:pPr lvl="0"/>
+            <a:r>
+              <a:rPr lang="en-US" smtClean="0"/>
+              <a:t>Edit Master text styles</a:t>
+            </a:r>
+          </a:p>
+          <a:p>
+            <a:pPr lvl="1"/>
+            <a:r>
+              <a:rPr lang="en-US" smtClean="0"/>
+              <a:t>Second level</a:t>
+            </a:r>
+          </a:p>
+          <a:p>
+            <a:pPr lvl="2"/>
+            <a:r>
+              <a:rPr lang="en-US" smtClean="0"/>
+              <a:t>Third level</a:t>
+            </a:r>
+          </a:p>
+          <a:p>
+            <a:pPr lvl="3"/>
+            <a:r>
+              <a:rPr lang="en-US" smtClean="0"/>
+              <a:t>Fourth level</a:t>
+            </a:r>
+          </a:p>
+          <a:p>
+            <a:pPr lvl="4"/>
+            <a:r>
+              <a:rPr lang="en-US" smtClean="0"/>
+              <a:t>Fifth level</a:t>
+            </a:r>
+            <a:endParaRPr lang="en-US"/>
+          </a:p>
+        </p:txBody>
+      </p:sp>
+      <p:sp>
+        <p:nvSpPr>
+          <p:cNvPr id="6" name="Footer Placeholder 5"/>
+          <p:cNvSpPr>
+            <a:spLocks noGrp="1"/>
+          </p:cNvSpPr>
+          <p:nvPr>
+            <p:ph type="ftr" sz="quarter" idx="4"/>
+          </p:nvPr>
+        </p:nvSpPr>
+        <p:spPr>
+          <a:xfrm>
+            <a:off x="0" y="8685213"/>
+            <a:ext cx="2971800" cy="458787"/>
+          </a:xfrm>
+          <a:prstGeom prst="rect">
+            <a:avLst/>
+          </a:prstGeom>
+        </p:spPr>
+        <p:txBody>
+          <a:bodyPr vert="horz" lIns="91440" tIns="45720" rIns="91440" bIns="45720" rtlCol="0" anchor="b"/>
+          <a:lstStyle>
+            <a:lvl1pPr algn="l">
+              <a:defRPr sz="1200"/>
+            </a:lvl1pPr>
+          </a:lstStyle>
+          <a:p>
+            <a:endParaRPr lang="en-US"/>
+          </a:p>
+        </p:txBody>
+      </p:sp>
+      <p:sp>
+        <p:nvSpPr>
+          <p:cNvPr id="7" name="Slide Number Placeholder 6"/>
+          <p:cNvSpPr>
+            <a:spLocks noGrp="1"/>
+          </p:cNvSpPr>
+          <p:nvPr>
+            <p:ph type="sldNum" sz="quarter" idx="5"/>
+          </p:nvPr>
+        </p:nvSpPr>
+        <p:spPr>
+          <a:xfrm>
+            <a:off x="3884613" y="8685213"/>
+            <a:ext cx="2971800" cy="458787"/>
+          </a:xfrm>
+          <a:prstGeom prst="rect">
+            <a:avLst/>
+          </a:prstGeom>
+        </p:spPr>
+        <p:txBody>
+          <a:bodyPr vert="horz" lIns="91440" tIns="45720" rIns="91440" bIns="45720" rtlCol="0" anchor="b"/>
+          <a:lstStyle>
+            <a:lvl1pPr algn="r">
+              <a:defRPr sz="1200"/>
+            </a:lvl1pPr>
+          </a:lstStyle>
+          <a:p>
+            <a:fld id="{065CF3E6-B832-49B7-B857-356245937BFB}" type="slidenum">
+              <a:rPr lang="en-US" smtClean="0"/>
+              <a:t>‹#›</a:t>
+            </a:fld>
+            <a:endParaRPr lang="en-US"/>
+          </a:p>
+        </p:txBody>
+      </p:sp>
+    </p:spTree>
+    <p:extLst>
+      <p:ext uri="{BB962C8B-B14F-4D97-AF65-F5344CB8AC3E}">
+        <p14:creationId xmlns:p14="http://schemas.microsoft.com/office/powerpoint/2010/main" val="548712609"/>
+      </p:ext>
+    </p:extLst>
+  </p:cSld>
+  <p:clrMap bg1="lt1" tx1="dk1" bg2="lt2" tx2="dk2" accent1="accent1" accent2="accent2" accent3="accent3" accent4="accent4" accent5="accent5" accent6="accent6" hlink="hlink" folHlink="folHlink"/>
+  <p:notesStyle>
+    <a:lvl1pPr marL="0" algn="l" defTabSz="914400" rtl="0" eaLnBrk="1" latinLnBrk="0" hangingPunct="1">
+      <a:defRPr sz="1200" kern="1200">
+        <a:solidFill>
+          <a:schemeClr val="tx1"/>
+        </a:solidFill>
+        <a:latin typeface="+mn-lt"/>
+        <a:ea typeface="+mn-ea"/>
+        <a:cs typeface="+mn-cs"/>
+      </a:defRPr>
+    </a:lvl1pPr>
+    <a:lvl2pPr marL="457200" algn="l" defTabSz="914400" rtl="0" eaLnBrk="1" latinLnBrk="0" hangingPunct="1">
+      <a:defRPr sz="1200" kern="1200">
+        <a:solidFill>
+          <a:schemeClr val="tx1"/>
+        </a:solidFill>
+        <a:latin typeface="+mn-lt"/>
+        <a:ea typeface="+mn-ea"/>
+        <a:cs typeface="+mn-cs"/>
+      </a:defRPr>
+    </a:lvl2pPr>
+    <a:lvl3pPr marL="914400" algn="l" defTabSz="914400" rtl="0" eaLnBrk="1" latinLnBrk="0" hangingPunct="1">
+      <a:defRPr sz="1200" kern="1200">
+        <a:solidFill>
+          <a:schemeClr val="tx1"/>
+        </a:solidFill>
+        <a:latin typeface="+mn-lt"/>
+        <a:ea typeface="+mn-ea"/>
+        <a:cs typeface="+mn-cs"/>
+      </a:defRPr>
+    </a:lvl3pPr>
+    <a:lvl4pPr marL="1371600" algn="l" defTabSz="914400" rtl="0" eaLnBrk="1" latinLnBrk="0" hangingPunct="1">
+      <a:defRPr sz="1200" kern="1200">
+        <a:solidFill>
+          <a:schemeClr val="tx1"/>
+        </a:solidFill>
+        <a:latin typeface="+mn-lt"/>
+        <a:ea typeface="+mn-ea"/>
+        <a:cs typeface="+mn-cs"/>
+      </a:defRPr>
+    </a:lvl4pPr>
+    <a:lvl5pPr marL="1828800" algn="l" defTabSz="914400" rtl="0" eaLnBrk="1" latinLnBrk="0" hangingPunct="1">
+      <a:defRPr sz="1200" kern="1200">
+        <a:solidFill>
+          <a:schemeClr val="tx1"/>
+        </a:solidFill>
+        <a:latin typeface="+mn-lt"/>
+        <a:ea typeface="+mn-ea"/>
+        <a:cs typeface="+mn-cs"/>
+      </a:defRPr>
+    </a:lvl5pPr>
+    <a:lvl6pPr marL="2286000" algn="l" defTabSz="914400" rtl="0" eaLnBrk="1" latinLnBrk="0" hangingPunct="1">
+      <a:defRPr sz="1200" kern="1200">
+        <a:solidFill>
+          <a:schemeClr val="tx1"/>
+        </a:solidFill>
+        <a:latin typeface="+mn-lt"/>
+        <a:ea typeface="+mn-ea"/>
+        <a:cs typeface="+mn-cs"/>
+      </a:defRPr>
+    </a:lvl6pPr>
+    <a:lvl7pPr marL="2743200" algn="l" defTabSz="914400" rtl="0" eaLnBrk="1" latinLnBrk="0" hangingPunct="1">
+      <a:defRPr sz="1200" kern="1200">
+        <a:solidFill>
+          <a:schemeClr val="tx1"/>
+        </a:solidFill>
+        <a:latin typeface="+mn-lt"/>
+        <a:ea typeface="+mn-ea"/>
+        <a:cs typeface="+mn-cs"/>
+      </a:defRPr>
+    </a:lvl7pPr>
+    <a:lvl8pPr marL="3200400" algn="l" defTabSz="914400" rtl="0" eaLnBrk="1" latinLnBrk="0" hangingPunct="1">
+      <a:defRPr sz="1200" kern="1200">
+        <a:solidFill>
+          <a:schemeClr val="tx1"/>
+        </a:solidFill>
+        <a:latin typeface="+mn-lt"/>
+        <a:ea typeface="+mn-ea"/>
+        <a:cs typeface="+mn-cs"/>
+      </a:defRPr>
+    </a:lvl8pPr>
+    <a:lvl9pPr marL="3657600" algn="l" defTabSz="914400" rtl="0" eaLnBrk="1" latinLnBrk="0" hangingPunct="1">
+      <a:defRPr sz="1200" kern="1200">
+        <a:solidFill>
+          <a:schemeClr val="tx1"/>
+        </a:solidFill>
+        <a:latin typeface="+mn-lt"/>
+        <a:ea typeface="+mn-ea"/>
+        <a:cs typeface="+mn-cs"/>
+      </a:defRPr>
+    </a:lvl9pPr>
+  </p:notesStyle>
+</p:notesMaster>
+</file>
+
+<file path=ppt/notesSlides/notesSlide1.xml><?xml version="1.0" encoding="utf-8"?>
+<p:notes xmlns:a="http://schemas.openxmlformats.org/drawingml/2006/main" xmlns:r="http://schemas.openxmlformats.org/officeDocument/2006/relationships" xmlns:p="http://schemas.openxmlformats.org/presentationml/2006/main" showMasterSp="0" showMasterPhAnim="0">
+  <p:cSld>
+    <p:spTree>
+      <p:nvGrpSpPr>
+        <p:cNvPr id="1" name="Shape 170"/>
+        <p:cNvGrpSpPr/>
+        <p:nvPr/>
+      </p:nvGrpSpPr>
+      <p:grpSpPr>
+        <a:xfrm>
+          <a:off x="0" y="0"/>
+          <a:ext cx="0" cy="0"/>
+          <a:chOff x="0" y="0"/>
+          <a:chExt cx="0" cy="0"/>
+        </a:xfrm>
+      </p:grpSpPr>
+      <p:sp>
+        <p:nvSpPr>
+          <p:cNvPr id="171" name="Google Shape;171;g634f5b2e5a_0_104:notes"/>
+          <p:cNvSpPr>
+            <a:spLocks noGrp="1" noRot="1" noChangeAspect="1"/>
+          </p:cNvSpPr>
+          <p:nvPr>
+            <p:ph type="sldImg" idx="2"/>
+          </p:nvPr>
+        </p:nvSpPr>
+        <p:spPr>
+          <a:xfrm>
+            <a:off x="381300" y="685800"/>
+            <a:ext cx="6096000" cy="3429000"/>
+          </a:xfrm>
+          <a:custGeom>
+            <a:avLst/>
+            <a:gdLst/>
+            <a:ahLst/>
+            <a:cxnLst/>
+            <a:rect l="l" t="t" r="r" b="b"/>
+            <a:pathLst>
+              <a:path w="120000" h="120000" extrusionOk="0">
+                <a:moveTo>
+                  <a:pt x="0" y="0"/>
+                </a:moveTo>
+                <a:lnTo>
+                  <a:pt x="120000" y="0"/>
+                </a:lnTo>
+                <a:lnTo>
+                  <a:pt x="120000" y="120000"/>
+                </a:lnTo>
+                <a:lnTo>
+                  <a:pt x="0" y="120000"/>
+                </a:lnTo>
+                <a:close/>
+              </a:path>
+            </a:pathLst>
+          </a:custGeom>
+        </p:spPr>
+      </p:sp>
+      <p:sp>
+        <p:nvSpPr>
+          <p:cNvPr id="172" name="Google Shape;172;g634f5b2e5a_0_104:notes"/>
+          <p:cNvSpPr txBox="1">
+            <a:spLocks noGrp="1"/>
+          </p:cNvSpPr>
+          <p:nvPr>
+            <p:ph type="body" idx="1"/>
+          </p:nvPr>
+        </p:nvSpPr>
+        <p:spPr>
+          <a:xfrm>
+            <a:off x="685800" y="4343400"/>
+            <a:ext cx="5486400" cy="4114800"/>
+          </a:xfrm>
+          <a:prstGeom prst="rect">
+            <a:avLst/>
+          </a:prstGeom>
+        </p:spPr>
+        <p:txBody>
+          <a:bodyPr spcFirstLastPara="1" wrap="square" lIns="91425" tIns="91425" rIns="91425" bIns="91425" anchor="t" anchorCtr="0">
+            <a:noAutofit/>
+          </a:bodyPr>
+          <a:lstStyle/>
+          <a:p>
+            <a:pPr marL="0" lvl="0" indent="0" algn="l" rtl="0">
+              <a:spcBef>
+                <a:spcPts val="0"/>
+              </a:spcBef>
+              <a:spcAft>
+                <a:spcPts val="0"/>
+              </a:spcAft>
+              <a:buNone/>
+            </a:pPr>
+            <a:endParaRPr/>
+          </a:p>
+        </p:txBody>
+      </p:sp>
+    </p:spTree>
+    <p:extLst>
+      <p:ext uri="{BB962C8B-B14F-4D97-AF65-F5344CB8AC3E}">
+        <p14:creationId xmlns:p14="http://schemas.microsoft.com/office/powerpoint/2010/main" val="115233226"/>
+      </p:ext>
+    </p:extLst>
+  </p:cSld>
+  <p:clrMapOvr>
+    <a:masterClrMapping/>
+  </p:clrMapOvr>
+</p:notes>
+</file>
+
+<file path=ppt/notesSlides/notesSlide2.xml><?xml version="1.0" encoding="utf-8"?>
+<p:notes xmlns:a="http://schemas.openxmlformats.org/drawingml/2006/main" xmlns:r="http://schemas.openxmlformats.org/officeDocument/2006/relationships" xmlns:p="http://schemas.openxmlformats.org/presentationml/2006/main" showMasterSp="0" showMasterPhAnim="0">
+  <p:cSld>
+    <p:spTree>
+      <p:nvGrpSpPr>
+        <p:cNvPr id="1" name="Shape 178"/>
+        <p:cNvGrpSpPr/>
+        <p:nvPr/>
+      </p:nvGrpSpPr>
+      <p:grpSpPr>
+        <a:xfrm>
+          <a:off x="0" y="0"/>
+          <a:ext cx="0" cy="0"/>
+          <a:chOff x="0" y="0"/>
+          <a:chExt cx="0" cy="0"/>
+        </a:xfrm>
+      </p:grpSpPr>
+      <p:sp>
+        <p:nvSpPr>
+          <p:cNvPr id="179" name="Google Shape;179;g64cbc13da7_0_0:notes"/>
+          <p:cNvSpPr>
+            <a:spLocks noGrp="1" noRot="1" noChangeAspect="1"/>
+          </p:cNvSpPr>
+          <p:nvPr>
+            <p:ph type="sldImg" idx="2"/>
+          </p:nvPr>
+        </p:nvSpPr>
+        <p:spPr>
+          <a:xfrm>
+            <a:off x="381300" y="685800"/>
+            <a:ext cx="6096000" cy="3429000"/>
+          </a:xfrm>
+          <a:custGeom>
+            <a:avLst/>
+            <a:gdLst/>
+            <a:ahLst/>
+            <a:cxnLst/>
+            <a:rect l="l" t="t" r="r" b="b"/>
+            <a:pathLst>
+              <a:path w="120000" h="120000" extrusionOk="0">
+                <a:moveTo>
+                  <a:pt x="0" y="0"/>
+                </a:moveTo>
+                <a:lnTo>
+                  <a:pt x="120000" y="0"/>
+                </a:lnTo>
+                <a:lnTo>
+                  <a:pt x="120000" y="120000"/>
+                </a:lnTo>
+                <a:lnTo>
+                  <a:pt x="0" y="120000"/>
+                </a:lnTo>
+                <a:close/>
+              </a:path>
+            </a:pathLst>
+          </a:custGeom>
+        </p:spPr>
+      </p:sp>
+      <p:sp>
+        <p:nvSpPr>
+          <p:cNvPr id="180" name="Google Shape;180;g64cbc13da7_0_0:notes"/>
+          <p:cNvSpPr txBox="1">
+            <a:spLocks noGrp="1"/>
+          </p:cNvSpPr>
+          <p:nvPr>
+            <p:ph type="body" idx="1"/>
+          </p:nvPr>
+        </p:nvSpPr>
+        <p:spPr>
+          <a:xfrm>
+            <a:off x="685800" y="4343400"/>
+            <a:ext cx="5486400" cy="4114800"/>
+          </a:xfrm>
+          <a:prstGeom prst="rect">
+            <a:avLst/>
+          </a:prstGeom>
+        </p:spPr>
+        <p:txBody>
+          <a:bodyPr spcFirstLastPara="1" wrap="square" lIns="91425" tIns="91425" rIns="91425" bIns="91425" anchor="t" anchorCtr="0">
+            <a:noAutofit/>
+          </a:bodyPr>
+          <a:lstStyle/>
+          <a:p>
+            <a:pPr marL="0" lvl="0" indent="0" algn="l" rtl="0">
+              <a:spcBef>
+                <a:spcPts val="0"/>
+              </a:spcBef>
+              <a:spcAft>
+                <a:spcPts val="0"/>
+              </a:spcAft>
+              <a:buNone/>
+            </a:pPr>
+            <a:endParaRPr/>
+          </a:p>
+        </p:txBody>
+      </p:sp>
+    </p:spTree>
+    <p:extLst>
+      <p:ext uri="{BB962C8B-B14F-4D97-AF65-F5344CB8AC3E}">
+        <p14:creationId xmlns:p14="http://schemas.microsoft.com/office/powerpoint/2010/main" val="2411930053"/>
+      </p:ext>
+    </p:extLst>
+  </p:cSld>
+  <p:clrMapOvr>
+    <a:masterClrMapping/>
+  </p:clrMapOvr>
+</p:notes>
+</file>
+
+<file path=ppt/notesSlides/notesSlide3.xml><?xml version="1.0" encoding="utf-8"?>
+<p:notes xmlns:a="http://schemas.openxmlformats.org/drawingml/2006/main" xmlns:r="http://schemas.openxmlformats.org/officeDocument/2006/relationships" xmlns:p="http://schemas.openxmlformats.org/presentationml/2006/main" showMasterSp="0" showMasterPhAnim="0">
+  <p:cSld>
+    <p:spTree>
+      <p:nvGrpSpPr>
+        <p:cNvPr id="1" name="Shape 186"/>
+        <p:cNvGrpSpPr/>
+        <p:nvPr/>
+      </p:nvGrpSpPr>
+      <p:grpSpPr>
+        <a:xfrm>
+          <a:off x="0" y="0"/>
+          <a:ext cx="0" cy="0"/>
+          <a:chOff x="0" y="0"/>
+          <a:chExt cx="0" cy="0"/>
+        </a:xfrm>
+      </p:grpSpPr>
+      <p:sp>
+        <p:nvSpPr>
+          <p:cNvPr id="187" name="Google Shape;187;g634f5b2e5a_0_154:notes"/>
+          <p:cNvSpPr>
+            <a:spLocks noGrp="1" noRot="1" noChangeAspect="1"/>
+          </p:cNvSpPr>
+          <p:nvPr>
+            <p:ph type="sldImg" idx="2"/>
+          </p:nvPr>
+        </p:nvSpPr>
+        <p:spPr>
+          <a:xfrm>
+            <a:off x="381300" y="685800"/>
+            <a:ext cx="6096000" cy="3429000"/>
+          </a:xfrm>
+          <a:custGeom>
+            <a:avLst/>
+            <a:gdLst/>
+            <a:ahLst/>
+            <a:cxnLst/>
+            <a:rect l="l" t="t" r="r" b="b"/>
+            <a:pathLst>
+              <a:path w="120000" h="120000" extrusionOk="0">
+                <a:moveTo>
+                  <a:pt x="0" y="0"/>
+                </a:moveTo>
+                <a:lnTo>
+                  <a:pt x="120000" y="0"/>
+                </a:lnTo>
+                <a:lnTo>
+                  <a:pt x="120000" y="120000"/>
+                </a:lnTo>
+                <a:lnTo>
+                  <a:pt x="0" y="120000"/>
+                </a:lnTo>
+                <a:close/>
+              </a:path>
+            </a:pathLst>
+          </a:custGeom>
+        </p:spPr>
+      </p:sp>
+      <p:sp>
+        <p:nvSpPr>
+          <p:cNvPr id="188" name="Google Shape;188;g634f5b2e5a_0_154:notes"/>
+          <p:cNvSpPr txBox="1">
+            <a:spLocks noGrp="1"/>
+          </p:cNvSpPr>
+          <p:nvPr>
+            <p:ph type="body" idx="1"/>
+          </p:nvPr>
+        </p:nvSpPr>
+        <p:spPr>
+          <a:xfrm>
+            <a:off x="685800" y="4343400"/>
+            <a:ext cx="5486400" cy="4114800"/>
+          </a:xfrm>
+          <a:prstGeom prst="rect">
+            <a:avLst/>
+          </a:prstGeom>
+        </p:spPr>
+        <p:txBody>
+          <a:bodyPr spcFirstLastPara="1" wrap="square" lIns="91425" tIns="91425" rIns="91425" bIns="91425" anchor="t" anchorCtr="0">
+            <a:noAutofit/>
+          </a:bodyPr>
+          <a:lstStyle/>
+          <a:p>
+            <a:pPr marL="0" lvl="0" indent="0" algn="l" rtl="0">
+              <a:spcBef>
+                <a:spcPts val="0"/>
+              </a:spcBef>
+              <a:spcAft>
+                <a:spcPts val="0"/>
+              </a:spcAft>
+              <a:buNone/>
+            </a:pPr>
+            <a:endParaRPr/>
+          </a:p>
+        </p:txBody>
+      </p:sp>
+    </p:spTree>
+    <p:extLst>
+      <p:ext uri="{BB962C8B-B14F-4D97-AF65-F5344CB8AC3E}">
+        <p14:creationId xmlns:p14="http://schemas.microsoft.com/office/powerpoint/2010/main" val="1040103327"/>
+      </p:ext>
+    </p:extLst>
+  </p:cSld>
+  <p:clrMapOvr>
+    <a:masterClrMapping/>
+  </p:clrMapOvr>
+</p:notes>
+</file>
+
+<file path=ppt/notesSlides/notesSlide4.xml><?xml version="1.0" encoding="utf-8"?>
+<p:notes xmlns:a="http://schemas.openxmlformats.org/drawingml/2006/main" xmlns:r="http://schemas.openxmlformats.org/officeDocument/2006/relationships" xmlns:p="http://schemas.openxmlformats.org/presentationml/2006/main" showMasterSp="0" showMasterPhAnim="0">
+  <p:cSld>
+    <p:spTree>
+      <p:nvGrpSpPr>
+        <p:cNvPr id="1" name="Shape 192"/>
+        <p:cNvGrpSpPr/>
+        <p:nvPr/>
+      </p:nvGrpSpPr>
+      <p:grpSpPr>
+        <a:xfrm>
+          <a:off x="0" y="0"/>
+          <a:ext cx="0" cy="0"/>
+          <a:chOff x="0" y="0"/>
+          <a:chExt cx="0" cy="0"/>
+        </a:xfrm>
+      </p:grpSpPr>
+      <p:sp>
+        <p:nvSpPr>
+          <p:cNvPr id="193" name="Google Shape;193;g634f5b2e5a_0_191:notes"/>
+          <p:cNvSpPr>
+            <a:spLocks noGrp="1" noRot="1" noChangeAspect="1"/>
+          </p:cNvSpPr>
+          <p:nvPr>
+            <p:ph type="sldImg" idx="2"/>
+          </p:nvPr>
+        </p:nvSpPr>
+        <p:spPr>
+          <a:xfrm>
+            <a:off x="381300" y="685800"/>
+            <a:ext cx="6096000" cy="3429000"/>
+          </a:xfrm>
+          <a:custGeom>
+            <a:avLst/>
+            <a:gdLst/>
+            <a:ahLst/>
+            <a:cxnLst/>
+            <a:rect l="l" t="t" r="r" b="b"/>
+            <a:pathLst>
+              <a:path w="120000" h="120000" extrusionOk="0">
+                <a:moveTo>
+                  <a:pt x="0" y="0"/>
+                </a:moveTo>
+                <a:lnTo>
+                  <a:pt x="120000" y="0"/>
+                </a:lnTo>
+                <a:lnTo>
+                  <a:pt x="120000" y="120000"/>
+                </a:lnTo>
+                <a:lnTo>
+                  <a:pt x="0" y="120000"/>
+                </a:lnTo>
+                <a:close/>
+              </a:path>
+            </a:pathLst>
+          </a:custGeom>
+        </p:spPr>
+      </p:sp>
+      <p:sp>
+        <p:nvSpPr>
+          <p:cNvPr id="194" name="Google Shape;194;g634f5b2e5a_0_191:notes"/>
+          <p:cNvSpPr txBox="1">
+            <a:spLocks noGrp="1"/>
+          </p:cNvSpPr>
+          <p:nvPr>
+            <p:ph type="body" idx="1"/>
+          </p:nvPr>
+        </p:nvSpPr>
+        <p:spPr>
+          <a:xfrm>
+            <a:off x="685800" y="4343400"/>
+            <a:ext cx="5486400" cy="4114800"/>
+          </a:xfrm>
+          <a:prstGeom prst="rect">
+            <a:avLst/>
+          </a:prstGeom>
+        </p:spPr>
+        <p:txBody>
+          <a:bodyPr spcFirstLastPara="1" wrap="square" lIns="91425" tIns="91425" rIns="91425" bIns="91425" anchor="t" anchorCtr="0">
+            <a:noAutofit/>
+          </a:bodyPr>
+          <a:lstStyle/>
+          <a:p>
+            <a:pPr marL="0" lvl="0" indent="0" algn="l" rtl="0">
+              <a:spcBef>
+                <a:spcPts val="0"/>
+              </a:spcBef>
+              <a:spcAft>
+                <a:spcPts val="0"/>
+              </a:spcAft>
+              <a:buNone/>
+            </a:pPr>
+            <a:endParaRPr/>
+          </a:p>
+        </p:txBody>
+      </p:sp>
+    </p:spTree>
+    <p:extLst>
+      <p:ext uri="{BB962C8B-B14F-4D97-AF65-F5344CB8AC3E}">
+        <p14:creationId xmlns:p14="http://schemas.microsoft.com/office/powerpoint/2010/main" val="2351105121"/>
+      </p:ext>
+    </p:extLst>
+  </p:cSld>
+  <p:clrMapOvr>
+    <a:masterClrMapping/>
+  </p:clrMapOvr>
+</p:notes>
+</file>
+
+<file path=ppt/notesSlides/notesSlide5.xml><?xml version="1.0" encoding="utf-8"?>
+<p:notes xmlns:a="http://schemas.openxmlformats.org/drawingml/2006/main" xmlns:r="http://schemas.openxmlformats.org/officeDocument/2006/relationships" xmlns:p="http://schemas.openxmlformats.org/presentationml/2006/main" showMasterSp="0" showMasterPhAnim="0">
+  <p:cSld>
+    <p:spTree>
+      <p:nvGrpSpPr>
+        <p:cNvPr id="1" name="Shape 200"/>
+        <p:cNvGrpSpPr/>
+        <p:nvPr/>
+      </p:nvGrpSpPr>
+      <p:grpSpPr>
+        <a:xfrm>
+          <a:off x="0" y="0"/>
+          <a:ext cx="0" cy="0"/>
+          <a:chOff x="0" y="0"/>
+          <a:chExt cx="0" cy="0"/>
+        </a:xfrm>
+      </p:grpSpPr>
+      <p:sp>
+        <p:nvSpPr>
+          <p:cNvPr id="201" name="Google Shape;201;g634f5b2e5a_0_204:notes"/>
+          <p:cNvSpPr>
+            <a:spLocks noGrp="1" noRot="1" noChangeAspect="1"/>
+          </p:cNvSpPr>
+          <p:nvPr>
+            <p:ph type="sldImg" idx="2"/>
+          </p:nvPr>
+        </p:nvSpPr>
+        <p:spPr>
+          <a:xfrm>
+            <a:off x="381300" y="685800"/>
+            <a:ext cx="6096000" cy="3429000"/>
+          </a:xfrm>
+          <a:custGeom>
+            <a:avLst/>
+            <a:gdLst/>
+            <a:ahLst/>
+            <a:cxnLst/>
+            <a:rect l="l" t="t" r="r" b="b"/>
+            <a:pathLst>
+              <a:path w="120000" h="120000" extrusionOk="0">
+                <a:moveTo>
+                  <a:pt x="0" y="0"/>
+                </a:moveTo>
+                <a:lnTo>
+                  <a:pt x="120000" y="0"/>
+                </a:lnTo>
+                <a:lnTo>
+                  <a:pt x="120000" y="120000"/>
+                </a:lnTo>
+                <a:lnTo>
+                  <a:pt x="0" y="120000"/>
+                </a:lnTo>
+                <a:close/>
+              </a:path>
+            </a:pathLst>
+          </a:custGeom>
+        </p:spPr>
+      </p:sp>
+      <p:sp>
+        <p:nvSpPr>
+          <p:cNvPr id="202" name="Google Shape;202;g634f5b2e5a_0_204:notes"/>
+          <p:cNvSpPr txBox="1">
+            <a:spLocks noGrp="1"/>
+          </p:cNvSpPr>
+          <p:nvPr>
+            <p:ph type="body" idx="1"/>
+          </p:nvPr>
+        </p:nvSpPr>
+        <p:spPr>
+          <a:xfrm>
+            <a:off x="685800" y="4343400"/>
+            <a:ext cx="5486400" cy="4114800"/>
+          </a:xfrm>
+          <a:prstGeom prst="rect">
+            <a:avLst/>
+          </a:prstGeom>
+        </p:spPr>
+        <p:txBody>
+          <a:bodyPr spcFirstLastPara="1" wrap="square" lIns="91425" tIns="91425" rIns="91425" bIns="91425" anchor="t" anchorCtr="0">
+            <a:noAutofit/>
+          </a:bodyPr>
+          <a:lstStyle/>
+          <a:p>
+            <a:pPr marL="0" lvl="0" indent="0" algn="l" rtl="0">
+              <a:spcBef>
+                <a:spcPts val="0"/>
+              </a:spcBef>
+              <a:spcAft>
+                <a:spcPts val="0"/>
+              </a:spcAft>
+              <a:buNone/>
+            </a:pPr>
+            <a:endParaRPr/>
+          </a:p>
+        </p:txBody>
+      </p:sp>
+    </p:spTree>
+    <p:extLst>
+      <p:ext uri="{BB962C8B-B14F-4D97-AF65-F5344CB8AC3E}">
+        <p14:creationId xmlns:p14="http://schemas.microsoft.com/office/powerpoint/2010/main" val="43181407"/>
+      </p:ext>
+    </p:extLst>
+  </p:cSld>
+  <p:clrMapOvr>
+    <a:masterClrMapping/>
+  </p:clrMapOvr>
+</p:notes>
+</file>
+
+<file path=ppt/notesSlides/notesSlide6.xml><?xml version="1.0" encoding="utf-8"?>
+<p:notes xmlns:a="http://schemas.openxmlformats.org/drawingml/2006/main" xmlns:r="http://schemas.openxmlformats.org/officeDocument/2006/relationships" xmlns:p="http://schemas.openxmlformats.org/presentationml/2006/main" showMasterSp="0" showMasterPhAnim="0">
+  <p:cSld>
+    <p:spTree>
+      <p:nvGrpSpPr>
+        <p:cNvPr id="1" name="Shape 208"/>
+        <p:cNvGrpSpPr/>
+        <p:nvPr/>
+      </p:nvGrpSpPr>
+      <p:grpSpPr>
+        <a:xfrm>
+          <a:off x="0" y="0"/>
+          <a:ext cx="0" cy="0"/>
+          <a:chOff x="0" y="0"/>
+          <a:chExt cx="0" cy="0"/>
+        </a:xfrm>
+      </p:grpSpPr>
+      <p:sp>
+        <p:nvSpPr>
+          <p:cNvPr id="209" name="Google Shape;209;g634f5b2e5a_0_212:notes"/>
+          <p:cNvSpPr>
+            <a:spLocks noGrp="1" noRot="1" noChangeAspect="1"/>
+          </p:cNvSpPr>
+          <p:nvPr>
+            <p:ph type="sldImg" idx="2"/>
+          </p:nvPr>
+        </p:nvSpPr>
+        <p:spPr>
+          <a:xfrm>
+            <a:off x="381300" y="685800"/>
+            <a:ext cx="6096000" cy="3429000"/>
+          </a:xfrm>
+          <a:custGeom>
+            <a:avLst/>
+            <a:gdLst/>
+            <a:ahLst/>
+            <a:cxnLst/>
+            <a:rect l="l" t="t" r="r" b="b"/>
+            <a:pathLst>
+              <a:path w="120000" h="120000" extrusionOk="0">
+                <a:moveTo>
+                  <a:pt x="0" y="0"/>
+                </a:moveTo>
+                <a:lnTo>
+                  <a:pt x="120000" y="0"/>
+                </a:lnTo>
+                <a:lnTo>
+                  <a:pt x="120000" y="120000"/>
+                </a:lnTo>
+                <a:lnTo>
+                  <a:pt x="0" y="120000"/>
+                </a:lnTo>
+                <a:close/>
+              </a:path>
+            </a:pathLst>
+          </a:custGeom>
+        </p:spPr>
+      </p:sp>
+      <p:sp>
+        <p:nvSpPr>
+          <p:cNvPr id="210" name="Google Shape;210;g634f5b2e5a_0_212:notes"/>
+          <p:cNvSpPr txBox="1">
+            <a:spLocks noGrp="1"/>
+          </p:cNvSpPr>
+          <p:nvPr>
+            <p:ph type="body" idx="1"/>
+          </p:nvPr>
+        </p:nvSpPr>
+        <p:spPr>
+          <a:xfrm>
+            <a:off x="685800" y="4343400"/>
+            <a:ext cx="5486400" cy="4114800"/>
+          </a:xfrm>
+          <a:prstGeom prst="rect">
+            <a:avLst/>
+          </a:prstGeom>
+        </p:spPr>
+        <p:txBody>
+          <a:bodyPr spcFirstLastPara="1" wrap="square" lIns="91425" tIns="91425" rIns="91425" bIns="91425" anchor="t" anchorCtr="0">
+            <a:noAutofit/>
+          </a:bodyPr>
+          <a:lstStyle/>
+          <a:p>
+            <a:pPr marL="0" lvl="0" indent="0" algn="l" rtl="0">
+              <a:spcBef>
+                <a:spcPts val="0"/>
+              </a:spcBef>
+              <a:spcAft>
+                <a:spcPts val="0"/>
+              </a:spcAft>
+              <a:buNone/>
+            </a:pPr>
+            <a:endParaRPr/>
+          </a:p>
+        </p:txBody>
+      </p:sp>
+    </p:spTree>
+    <p:extLst>
+      <p:ext uri="{BB962C8B-B14F-4D97-AF65-F5344CB8AC3E}">
+        <p14:creationId xmlns:p14="http://schemas.microsoft.com/office/powerpoint/2010/main" val="114433754"/>
+      </p:ext>
+    </p:extLst>
+  </p:cSld>
+  <p:clrMapOvr>
+    <a:masterClrMapping/>
+  </p:clrMapOvr>
+</p:notes>
+</file>
+
 <file path=ppt/slideLayouts/slideLayout1.xml><?xml version="1.0" encoding="utf-8"?>
 <p:sldLayout xmlns:a="http://schemas.openxmlformats.org/drawingml/2006/main" xmlns:r="http://schemas.openxmlformats.org/officeDocument/2006/relationships" xmlns:p="http://schemas.openxmlformats.org/presentationml/2006/main" type="title" preserve="1">
   <p:cSld name="Title Slide">
@@ -276,7 +1287,7 @@
           <a:p>
             <a:fld id="{C1D21132-F3EC-1E4B-8318-128FB27F836B}" type="datetimeFigureOut">
               <a:rPr lang="en-US" smtClean="0"/>
-              <a:t>10/8/2019</a:t>
+              <a:t>10/9/2019</a:t>
             </a:fld>
             <a:endParaRPr lang="en-US"/>
           </a:p>
@@ -474,7 +1485,7 @@
           <a:p>
             <a:fld id="{C1D21132-F3EC-1E4B-8318-128FB27F836B}" type="datetimeFigureOut">
               <a:rPr lang="en-US" smtClean="0"/>
-              <a:t>10/8/2019</a:t>
+              <a:t>10/9/2019</a:t>
             </a:fld>
             <a:endParaRPr lang="en-US"/>
           </a:p>
@@ -682,7 +1693,7 @@
           <a:p>
             <a:fld id="{C1D21132-F3EC-1E4B-8318-128FB27F836B}" type="datetimeFigureOut">
               <a:rPr lang="en-US" smtClean="0"/>
-              <a:t>10/8/2019</a:t>
+              <a:t>10/9/2019</a:t>
             </a:fld>
             <a:endParaRPr lang="en-US"/>
           </a:p>
@@ -746,6 +1757,365 @@
     <p:extLst>
       <p:ext uri="{BB962C8B-B14F-4D97-AF65-F5344CB8AC3E}">
         <p14:creationId xmlns:p14="http://schemas.microsoft.com/office/powerpoint/2010/main" val="1390411917"/>
+      </p:ext>
+    </p:extLst>
+  </p:cSld>
+  <p:clrMapOvr>
+    <a:masterClrMapping/>
+  </p:clrMapOvr>
+</p:sldLayout>
+</file>
+
+<file path=ppt/slideLayouts/slideLayout12.xml><?xml version="1.0" encoding="utf-8"?>
+<p:sldLayout xmlns:a="http://schemas.openxmlformats.org/drawingml/2006/main" xmlns:r="http://schemas.openxmlformats.org/officeDocument/2006/relationships" xmlns:p="http://schemas.openxmlformats.org/presentationml/2006/main" matchingName="Title and body" type="tx">
+  <p:cSld name="Title and body">
+    <p:spTree>
+      <p:nvGrpSpPr>
+        <p:cNvPr id="1" name="Shape 16"/>
+        <p:cNvGrpSpPr/>
+        <p:nvPr/>
+      </p:nvGrpSpPr>
+      <p:grpSpPr>
+        <a:xfrm>
+          <a:off x="0" y="0"/>
+          <a:ext cx="0" cy="0"/>
+          <a:chOff x="0" y="0"/>
+          <a:chExt cx="0" cy="0"/>
+        </a:xfrm>
+      </p:grpSpPr>
+      <p:sp>
+        <p:nvSpPr>
+          <p:cNvPr id="17" name="Google Shape;17;p4"/>
+          <p:cNvSpPr txBox="1">
+            <a:spLocks noGrp="1"/>
+          </p:cNvSpPr>
+          <p:nvPr>
+            <p:ph type="title"/>
+          </p:nvPr>
+        </p:nvSpPr>
+        <p:spPr>
+          <a:xfrm>
+            <a:off x="415600" y="593367"/>
+            <a:ext cx="11360800" cy="763600"/>
+          </a:xfrm>
+          <a:prstGeom prst="rect">
+            <a:avLst/>
+          </a:prstGeom>
+        </p:spPr>
+        <p:txBody>
+          <a:bodyPr spcFirstLastPara="1" wrap="square" lIns="91425" tIns="91425" rIns="91425" bIns="91425" anchor="t" anchorCtr="0">
+            <a:noAutofit/>
+          </a:bodyPr>
+          <a:lstStyle>
+            <a:lvl1pPr lvl="0">
+              <a:spcBef>
+                <a:spcPts val="0"/>
+              </a:spcBef>
+              <a:spcAft>
+                <a:spcPts val="0"/>
+              </a:spcAft>
+              <a:buSzPts val="2800"/>
+              <a:buNone/>
+              <a:defRPr/>
+            </a:lvl1pPr>
+            <a:lvl2pPr lvl="1">
+              <a:spcBef>
+                <a:spcPts val="0"/>
+              </a:spcBef>
+              <a:spcAft>
+                <a:spcPts val="0"/>
+              </a:spcAft>
+              <a:buSzPts val="2800"/>
+              <a:buNone/>
+              <a:defRPr/>
+            </a:lvl2pPr>
+            <a:lvl3pPr lvl="2">
+              <a:spcBef>
+                <a:spcPts val="0"/>
+              </a:spcBef>
+              <a:spcAft>
+                <a:spcPts val="0"/>
+              </a:spcAft>
+              <a:buSzPts val="2800"/>
+              <a:buNone/>
+              <a:defRPr/>
+            </a:lvl3pPr>
+            <a:lvl4pPr lvl="3">
+              <a:spcBef>
+                <a:spcPts val="0"/>
+              </a:spcBef>
+              <a:spcAft>
+                <a:spcPts val="0"/>
+              </a:spcAft>
+              <a:buSzPts val="2800"/>
+              <a:buNone/>
+              <a:defRPr/>
+            </a:lvl4pPr>
+            <a:lvl5pPr lvl="4">
+              <a:spcBef>
+                <a:spcPts val="0"/>
+              </a:spcBef>
+              <a:spcAft>
+                <a:spcPts val="0"/>
+              </a:spcAft>
+              <a:buSzPts val="2800"/>
+              <a:buNone/>
+              <a:defRPr/>
+            </a:lvl5pPr>
+            <a:lvl6pPr lvl="5">
+              <a:spcBef>
+                <a:spcPts val="0"/>
+              </a:spcBef>
+              <a:spcAft>
+                <a:spcPts val="0"/>
+              </a:spcAft>
+              <a:buSzPts val="2800"/>
+              <a:buNone/>
+              <a:defRPr/>
+            </a:lvl6pPr>
+            <a:lvl7pPr lvl="6">
+              <a:spcBef>
+                <a:spcPts val="0"/>
+              </a:spcBef>
+              <a:spcAft>
+                <a:spcPts val="0"/>
+              </a:spcAft>
+              <a:buSzPts val="2800"/>
+              <a:buNone/>
+              <a:defRPr/>
+            </a:lvl7pPr>
+            <a:lvl8pPr lvl="7">
+              <a:spcBef>
+                <a:spcPts val="0"/>
+              </a:spcBef>
+              <a:spcAft>
+                <a:spcPts val="0"/>
+              </a:spcAft>
+              <a:buSzPts val="2800"/>
+              <a:buNone/>
+              <a:defRPr/>
+            </a:lvl8pPr>
+            <a:lvl9pPr lvl="8">
+              <a:spcBef>
+                <a:spcPts val="0"/>
+              </a:spcBef>
+              <a:spcAft>
+                <a:spcPts val="0"/>
+              </a:spcAft>
+              <a:buSzPts val="2800"/>
+              <a:buNone/>
+              <a:defRPr/>
+            </a:lvl9pPr>
+          </a:lstStyle>
+          <a:p>
+            <a:endParaRPr/>
+          </a:p>
+        </p:txBody>
+      </p:sp>
+      <p:sp>
+        <p:nvSpPr>
+          <p:cNvPr id="18" name="Google Shape;18;p4"/>
+          <p:cNvSpPr txBox="1">
+            <a:spLocks noGrp="1"/>
+          </p:cNvSpPr>
+          <p:nvPr>
+            <p:ph type="body" idx="1"/>
+          </p:nvPr>
+        </p:nvSpPr>
+        <p:spPr>
+          <a:xfrm>
+            <a:off x="415600" y="1536633"/>
+            <a:ext cx="11360800" cy="4555200"/>
+          </a:xfrm>
+          <a:prstGeom prst="rect">
+            <a:avLst/>
+          </a:prstGeom>
+        </p:spPr>
+        <p:txBody>
+          <a:bodyPr spcFirstLastPara="1" wrap="square" lIns="91425" tIns="91425" rIns="91425" bIns="91425" anchor="t" anchorCtr="0">
+            <a:noAutofit/>
+          </a:bodyPr>
+          <a:lstStyle>
+            <a:lvl1pPr marL="609585" lvl="0" indent="-457189">
+              <a:spcBef>
+                <a:spcPts val="0"/>
+              </a:spcBef>
+              <a:spcAft>
+                <a:spcPts val="0"/>
+              </a:spcAft>
+              <a:buSzPts val="1800"/>
+              <a:buChar char="●"/>
+              <a:defRPr/>
+            </a:lvl1pPr>
+            <a:lvl2pPr marL="1219170" lvl="1" indent="-423323">
+              <a:spcBef>
+                <a:spcPts val="2133"/>
+              </a:spcBef>
+              <a:spcAft>
+                <a:spcPts val="0"/>
+              </a:spcAft>
+              <a:buSzPts val="1400"/>
+              <a:buChar char="○"/>
+              <a:defRPr/>
+            </a:lvl2pPr>
+            <a:lvl3pPr marL="1828754" lvl="2" indent="-423323">
+              <a:spcBef>
+                <a:spcPts val="2133"/>
+              </a:spcBef>
+              <a:spcAft>
+                <a:spcPts val="0"/>
+              </a:spcAft>
+              <a:buSzPts val="1400"/>
+              <a:buChar char="■"/>
+              <a:defRPr/>
+            </a:lvl3pPr>
+            <a:lvl4pPr marL="2438339" lvl="3" indent="-423323">
+              <a:spcBef>
+                <a:spcPts val="2133"/>
+              </a:spcBef>
+              <a:spcAft>
+                <a:spcPts val="0"/>
+              </a:spcAft>
+              <a:buSzPts val="1400"/>
+              <a:buChar char="●"/>
+              <a:defRPr/>
+            </a:lvl4pPr>
+            <a:lvl5pPr marL="3047924" lvl="4" indent="-423323">
+              <a:spcBef>
+                <a:spcPts val="2133"/>
+              </a:spcBef>
+              <a:spcAft>
+                <a:spcPts val="0"/>
+              </a:spcAft>
+              <a:buSzPts val="1400"/>
+              <a:buChar char="○"/>
+              <a:defRPr/>
+            </a:lvl5pPr>
+            <a:lvl6pPr marL="3657509" lvl="5" indent="-423323">
+              <a:spcBef>
+                <a:spcPts val="2133"/>
+              </a:spcBef>
+              <a:spcAft>
+                <a:spcPts val="0"/>
+              </a:spcAft>
+              <a:buSzPts val="1400"/>
+              <a:buChar char="■"/>
+              <a:defRPr/>
+            </a:lvl6pPr>
+            <a:lvl7pPr marL="4267093" lvl="6" indent="-423323">
+              <a:spcBef>
+                <a:spcPts val="2133"/>
+              </a:spcBef>
+              <a:spcAft>
+                <a:spcPts val="0"/>
+              </a:spcAft>
+              <a:buSzPts val="1400"/>
+              <a:buChar char="●"/>
+              <a:defRPr/>
+            </a:lvl7pPr>
+            <a:lvl8pPr marL="4876678" lvl="7" indent="-423323">
+              <a:spcBef>
+                <a:spcPts val="2133"/>
+              </a:spcBef>
+              <a:spcAft>
+                <a:spcPts val="0"/>
+              </a:spcAft>
+              <a:buSzPts val="1400"/>
+              <a:buChar char="○"/>
+              <a:defRPr/>
+            </a:lvl8pPr>
+            <a:lvl9pPr marL="5486263" lvl="8" indent="-423323">
+              <a:spcBef>
+                <a:spcPts val="2133"/>
+              </a:spcBef>
+              <a:spcAft>
+                <a:spcPts val="2133"/>
+              </a:spcAft>
+              <a:buSzPts val="1400"/>
+              <a:buChar char="■"/>
+              <a:defRPr/>
+            </a:lvl9pPr>
+          </a:lstStyle>
+          <a:p>
+            <a:endParaRPr/>
+          </a:p>
+        </p:txBody>
+      </p:sp>
+      <p:sp>
+        <p:nvSpPr>
+          <p:cNvPr id="19" name="Google Shape;19;p4"/>
+          <p:cNvSpPr txBox="1">
+            <a:spLocks noGrp="1"/>
+          </p:cNvSpPr>
+          <p:nvPr>
+            <p:ph type="sldNum" idx="12"/>
+          </p:nvPr>
+        </p:nvSpPr>
+        <p:spPr>
+          <a:xfrm>
+            <a:off x="11296611" y="6217623"/>
+            <a:ext cx="731600" cy="524800"/>
+          </a:xfrm>
+          <a:prstGeom prst="rect">
+            <a:avLst/>
+          </a:prstGeom>
+        </p:spPr>
+        <p:txBody>
+          <a:bodyPr spcFirstLastPara="1" wrap="square" lIns="91425" tIns="91425" rIns="91425" bIns="91425" anchor="ctr" anchorCtr="0">
+            <a:noAutofit/>
+          </a:bodyPr>
+          <a:lstStyle>
+            <a:lvl1pPr lvl="0">
+              <a:buNone/>
+              <a:defRPr/>
+            </a:lvl1pPr>
+            <a:lvl2pPr lvl="1">
+              <a:buNone/>
+              <a:defRPr/>
+            </a:lvl2pPr>
+            <a:lvl3pPr lvl="2">
+              <a:buNone/>
+              <a:defRPr/>
+            </a:lvl3pPr>
+            <a:lvl4pPr lvl="3">
+              <a:buNone/>
+              <a:defRPr/>
+            </a:lvl4pPr>
+            <a:lvl5pPr lvl="4">
+              <a:buNone/>
+              <a:defRPr/>
+            </a:lvl5pPr>
+            <a:lvl6pPr lvl="5">
+              <a:buNone/>
+              <a:defRPr/>
+            </a:lvl6pPr>
+            <a:lvl7pPr lvl="6">
+              <a:buNone/>
+              <a:defRPr/>
+            </a:lvl7pPr>
+            <a:lvl8pPr lvl="7">
+              <a:buNone/>
+              <a:defRPr/>
+            </a:lvl8pPr>
+            <a:lvl9pPr lvl="8">
+              <a:buNone/>
+              <a:defRPr/>
+            </a:lvl9pPr>
+          </a:lstStyle>
+          <a:p>
+            <a:fld id="{00000000-1234-1234-1234-123412341234}" type="slidenum">
+              <a:rPr lang="en-US" altLang="zh-CN" smtClean="0"/>
+              <a:pPr/>
+              <a:t>‹#›</a:t>
+            </a:fld>
+            <a:endParaRPr lang="zh-CN" altLang="en-US"/>
+          </a:p>
+        </p:txBody>
+      </p:sp>
+    </p:spTree>
+    <p:extLst>
+      <p:ext uri="{BB962C8B-B14F-4D97-AF65-F5344CB8AC3E}">
+        <p14:creationId xmlns:p14="http://schemas.microsoft.com/office/powerpoint/2010/main" val="1679361871"/>
       </p:ext>
     </p:extLst>
   </p:cSld>
@@ -880,7 +2250,7 @@
           <a:p>
             <a:fld id="{C1D21132-F3EC-1E4B-8318-128FB27F836B}" type="datetimeFigureOut">
               <a:rPr lang="en-US" smtClean="0"/>
-              <a:t>10/8/2019</a:t>
+              <a:t>10/9/2019</a:t>
             </a:fld>
             <a:endParaRPr lang="en-US"/>
           </a:p>
@@ -1155,7 +2525,7 @@
           <a:p>
             <a:fld id="{C1D21132-F3EC-1E4B-8318-128FB27F836B}" type="datetimeFigureOut">
               <a:rPr lang="en-US" smtClean="0"/>
-              <a:t>10/8/2019</a:t>
+              <a:t>10/9/2019</a:t>
             </a:fld>
             <a:endParaRPr lang="en-US"/>
           </a:p>
@@ -1420,7 +2790,7 @@
           <a:p>
             <a:fld id="{C1D21132-F3EC-1E4B-8318-128FB27F836B}" type="datetimeFigureOut">
               <a:rPr lang="en-US" smtClean="0"/>
-              <a:t>10/8/2019</a:t>
+              <a:t>10/9/2019</a:t>
             </a:fld>
             <a:endParaRPr lang="en-US"/>
           </a:p>
@@ -1832,7 +3202,7 @@
           <a:p>
             <a:fld id="{C1D21132-F3EC-1E4B-8318-128FB27F836B}" type="datetimeFigureOut">
               <a:rPr lang="en-US" smtClean="0"/>
-              <a:t>10/8/2019</a:t>
+              <a:t>10/9/2019</a:t>
             </a:fld>
             <a:endParaRPr lang="en-US"/>
           </a:p>
@@ -1973,7 +3343,7 @@
           <a:p>
             <a:fld id="{C1D21132-F3EC-1E4B-8318-128FB27F836B}" type="datetimeFigureOut">
               <a:rPr lang="en-US" smtClean="0"/>
-              <a:t>10/8/2019</a:t>
+              <a:t>10/9/2019</a:t>
             </a:fld>
             <a:endParaRPr lang="en-US"/>
           </a:p>
@@ -2086,7 +3456,7 @@
           <a:p>
             <a:fld id="{C1D21132-F3EC-1E4B-8318-128FB27F836B}" type="datetimeFigureOut">
               <a:rPr lang="en-US" smtClean="0"/>
-              <a:t>10/8/2019</a:t>
+              <a:t>10/9/2019</a:t>
             </a:fld>
             <a:endParaRPr lang="en-US"/>
           </a:p>
@@ -2397,7 +3767,7 @@
           <a:p>
             <a:fld id="{C1D21132-F3EC-1E4B-8318-128FB27F836B}" type="datetimeFigureOut">
               <a:rPr lang="en-US" smtClean="0"/>
-              <a:t>10/8/2019</a:t>
+              <a:t>10/9/2019</a:t>
             </a:fld>
             <a:endParaRPr lang="en-US"/>
           </a:p>
@@ -2685,7 +4055,7 @@
           <a:p>
             <a:fld id="{C1D21132-F3EC-1E4B-8318-128FB27F836B}" type="datetimeFigureOut">
               <a:rPr lang="en-US" smtClean="0"/>
-              <a:t>10/8/2019</a:t>
+              <a:t>10/9/2019</a:t>
             </a:fld>
             <a:endParaRPr lang="en-US"/>
           </a:p>
@@ -2926,7 +4296,7 @@
           <a:p>
             <a:fld id="{C1D21132-F3EC-1E4B-8318-128FB27F836B}" type="datetimeFigureOut">
               <a:rPr lang="en-US" smtClean="0"/>
-              <a:t>10/8/2019</a:t>
+              <a:t>10/9/2019</a:t>
             </a:fld>
             <a:endParaRPr lang="en-US"/>
           </a:p>
@@ -3042,6 +4412,7 @@
     <p:sldLayoutId id="2147483657" r:id="rId9"/>
     <p:sldLayoutId id="2147483658" r:id="rId10"/>
     <p:sldLayoutId id="2147483659" r:id="rId11"/>
+    <p:sldLayoutId id="2147483660" r:id="rId12"/>
   </p:sldLayoutIdLst>
   <p:txStyles>
     <p:titleStyle>
@@ -3468,7 +4839,7 @@
           <p:cNvPr id="2" name="Title 1">
             <a:extLst>
               <a:ext uri="{FF2B5EF4-FFF2-40B4-BE49-F238E27FC236}">
-                <a16:creationId xmlns:a16="http://schemas.microsoft.com/office/drawing/2014/main" id="{CA0507DF-5E4D-7A40-B00D-9780A54951CC}"/>
+                <a16:creationId xmlns:a16="http://schemas.microsoft.com/office/drawing/2014/main" id="{7CC119C9-5295-3343-9625-96EAF5F0954A}"/>
               </a:ext>
             </a:extLst>
           </p:cNvPr>
@@ -3485,34 +4856,9 @@
           <a:lstStyle/>
           <a:p>
             <a:r>
-              <a:rPr lang="en-US" altLang="zh-CN" dirty="0"/>
-              <a:t>Load</a:t>
-            </a:r>
-            <a:r>
-              <a:rPr lang="zh-CN" altLang="en-US" dirty="0"/>
-              <a:t> </a:t>
-            </a:r>
-            <a:r>
-              <a:rPr lang="en-US" altLang="zh-CN" dirty="0"/>
-              <a:t>data</a:t>
-            </a:r>
-            <a:r>
-              <a:rPr lang="zh-CN" altLang="en-US" dirty="0"/>
-              <a:t> </a:t>
-            </a:r>
-            <a:r>
-              <a:rPr lang="en-US" altLang="zh-CN" dirty="0"/>
-              <a:t>with</a:t>
-            </a:r>
-            <a:r>
-              <a:rPr lang="zh-CN" altLang="en-US" dirty="0"/>
-              <a:t> </a:t>
-            </a:r>
-            <a:r>
-              <a:rPr lang="en-US" altLang="zh-CN" dirty="0"/>
-              <a:t>pandas</a:t>
-            </a:r>
-            <a:endParaRPr lang="en-US" dirty="0"/>
+              <a:rPr lang="en-US" dirty="0"/>
+              <a:t>Preprocess data with Pandas (2)</a:t>
+            </a:r>
           </a:p>
         </p:txBody>
       </p:sp>
@@ -3521,7 +4867,7 @@
           <p:cNvPr id="5" name="Picture 4">
             <a:extLst>
               <a:ext uri="{FF2B5EF4-FFF2-40B4-BE49-F238E27FC236}">
-                <a16:creationId xmlns:a16="http://schemas.microsoft.com/office/drawing/2014/main" id="{F51DFC8E-AF60-1C43-895F-757FBF9A5078}"/>
+                <a16:creationId xmlns:a16="http://schemas.microsoft.com/office/drawing/2014/main" id="{DD2530A4-FB63-6E48-AD77-BD800D30106B}"/>
               </a:ext>
             </a:extLst>
           </p:cNvPr>
@@ -3538,8 +4884,8 @@
         </p:blipFill>
         <p:spPr>
           <a:xfrm>
-            <a:off x="710189" y="2241203"/>
-            <a:ext cx="10771622" cy="2630055"/>
+            <a:off x="150091" y="1422516"/>
+            <a:ext cx="6654800" cy="5143500"/>
           </a:xfrm>
           <a:prstGeom prst="rect">
             <a:avLst/>
@@ -3551,7 +4897,7 @@
           <p:cNvPr id="6" name="TextBox 5">
             <a:extLst>
               <a:ext uri="{FF2B5EF4-FFF2-40B4-BE49-F238E27FC236}">
-                <a16:creationId xmlns:a16="http://schemas.microsoft.com/office/drawing/2014/main" id="{523791D9-A0F7-F842-A901-E9E1CD729281}"/>
+                <a16:creationId xmlns:a16="http://schemas.microsoft.com/office/drawing/2014/main" id="{2C997F47-CAA0-754B-8D4E-310C4356F7DD}"/>
               </a:ext>
             </a:extLst>
           </p:cNvPr>
@@ -3560,8 +4906,8 @@
         </p:nvSpPr>
         <p:spPr>
           <a:xfrm>
-            <a:off x="5336771" y="1853738"/>
-            <a:ext cx="3607724" cy="369332"/>
+            <a:off x="7897091" y="1773816"/>
+            <a:ext cx="3961938" cy="369332"/>
           </a:xfrm>
           <a:prstGeom prst="rect">
             <a:avLst/>
@@ -3575,59 +4921,88 @@
           <a:lstStyle/>
           <a:p>
             <a:r>
-              <a:rPr lang="en-US" altLang="zh-CN" dirty="0"/>
-              <a:t>Load</a:t>
-            </a:r>
-            <a:r>
-              <a:rPr lang="zh-CN" altLang="en-US" dirty="0"/>
-              <a:t> </a:t>
-            </a:r>
-            <a:r>
-              <a:rPr lang="en-US" altLang="zh-CN" dirty="0"/>
-              <a:t>the</a:t>
-            </a:r>
-            <a:r>
-              <a:rPr lang="zh-CN" altLang="en-US" dirty="0"/>
-              <a:t> </a:t>
-            </a:r>
-            <a:r>
-              <a:rPr lang="en-US" altLang="zh-CN" dirty="0"/>
-              <a:t>train</a:t>
-            </a:r>
-            <a:r>
-              <a:rPr lang="zh-CN" altLang="en-US" dirty="0"/>
-              <a:t> </a:t>
-            </a:r>
-            <a:r>
-              <a:rPr lang="en-US" altLang="zh-CN" dirty="0"/>
-              <a:t>and</a:t>
-            </a:r>
-            <a:r>
-              <a:rPr lang="zh-CN" altLang="en-US" dirty="0"/>
-              <a:t> </a:t>
-            </a:r>
-            <a:r>
-              <a:rPr lang="en-US" altLang="zh-CN" dirty="0"/>
-              <a:t>test</a:t>
-            </a:r>
-            <a:r>
-              <a:rPr lang="zh-CN" altLang="en-US" dirty="0"/>
-              <a:t> </a:t>
-            </a:r>
-            <a:r>
-              <a:rPr lang="en-US" altLang="zh-CN" dirty="0"/>
-              <a:t>data</a:t>
-            </a:r>
-            <a:endParaRPr lang="en-US" dirty="0"/>
-          </a:p>
-        </p:txBody>
-      </p:sp>
-      <p:sp>
-        <p:nvSpPr>
-          <p:cNvPr id="7" name="Down Arrow 6">
-            <a:extLst>
-              <a:ext uri="{FF2B5EF4-FFF2-40B4-BE49-F238E27FC236}">
-                <a16:creationId xmlns:a16="http://schemas.microsoft.com/office/drawing/2014/main" id="{1708DBA4-AA5E-8B4F-9C85-FE6638D56A39}"/>
+              <a:rPr lang="en-US" dirty="0"/>
+              <a:t>Define a function to clean the data</a:t>
+            </a:r>
+          </a:p>
+        </p:txBody>
+      </p:sp>
+      <p:sp>
+        <p:nvSpPr>
+          <p:cNvPr id="7" name="TextBox 6">
+            <a:extLst>
+              <a:ext uri="{FF2B5EF4-FFF2-40B4-BE49-F238E27FC236}">
+                <a16:creationId xmlns:a16="http://schemas.microsoft.com/office/drawing/2014/main" id="{21B304DF-E6A5-F142-A4DE-7AFFE360A375}"/>
+              </a:ext>
+            </a:extLst>
+          </p:cNvPr>
+          <p:cNvSpPr txBox="1"/>
+          <p:nvPr/>
+        </p:nvSpPr>
+        <p:spPr>
+          <a:xfrm>
+            <a:off x="7897091" y="2715926"/>
+            <a:ext cx="3961938" cy="369332"/>
+          </a:xfrm>
+          <a:prstGeom prst="rect">
+            <a:avLst/>
+          </a:prstGeom>
+          <a:noFill/>
+        </p:spPr>
+        <p:txBody>
+          <a:bodyPr wrap="square" rtlCol="0">
+            <a:spAutoFit/>
+          </a:bodyPr>
+          <a:lstStyle/>
+          <a:p>
+            <a:r>
+              <a:rPr lang="en-US" dirty="0"/>
+              <a:t>Clean all the title feature</a:t>
+            </a:r>
+          </a:p>
+        </p:txBody>
+      </p:sp>
+      <p:sp>
+        <p:nvSpPr>
+          <p:cNvPr id="8" name="TextBox 7">
+            <a:extLst>
+              <a:ext uri="{FF2B5EF4-FFF2-40B4-BE49-F238E27FC236}">
+                <a16:creationId xmlns:a16="http://schemas.microsoft.com/office/drawing/2014/main" id="{A603915F-4F07-A34F-B022-5A459C0B6B24}"/>
+              </a:ext>
+            </a:extLst>
+          </p:cNvPr>
+          <p:cNvSpPr txBox="1"/>
+          <p:nvPr/>
+        </p:nvSpPr>
+        <p:spPr>
+          <a:xfrm>
+            <a:off x="7897091" y="4564122"/>
+            <a:ext cx="3961938" cy="369332"/>
+          </a:xfrm>
+          <a:prstGeom prst="rect">
+            <a:avLst/>
+          </a:prstGeom>
+          <a:noFill/>
+        </p:spPr>
+        <p:txBody>
+          <a:bodyPr wrap="square" rtlCol="0">
+            <a:spAutoFit/>
+          </a:bodyPr>
+          <a:lstStyle/>
+          <a:p>
+            <a:r>
+              <a:rPr lang="en-US" dirty="0"/>
+              <a:t>Replace all the feature with number</a:t>
+            </a:r>
+          </a:p>
+        </p:txBody>
+      </p:sp>
+      <p:sp>
+        <p:nvSpPr>
+          <p:cNvPr id="9" name="Right Arrow 8">
+            <a:extLst>
+              <a:ext uri="{FF2B5EF4-FFF2-40B4-BE49-F238E27FC236}">
+                <a16:creationId xmlns:a16="http://schemas.microsoft.com/office/drawing/2014/main" id="{B3DDDAC9-0416-E24A-9DD9-8373482EDA2C}"/>
               </a:ext>
             </a:extLst>
           </p:cNvPr>
@@ -3635,11 +5010,11 @@
           <p:nvPr/>
         </p:nvSpPr>
         <p:spPr>
-          <a:xfrm rot="3496435">
-            <a:off x="4736524" y="1796472"/>
-            <a:ext cx="290946" cy="889462"/>
-          </a:xfrm>
-          <a:prstGeom prst="downArrow">
+          <a:xfrm rot="10800000">
+            <a:off x="6417425" y="1870364"/>
+            <a:ext cx="1205346" cy="207818"/>
+          </a:xfrm>
+          <a:prstGeom prst="rightArrow">
             <a:avLst/>
           </a:prstGeom>
         </p:spPr>
@@ -3670,86 +5045,10 @@
       </p:sp>
       <p:sp>
         <p:nvSpPr>
-          <p:cNvPr id="8" name="TextBox 7">
-            <a:extLst>
-              <a:ext uri="{FF2B5EF4-FFF2-40B4-BE49-F238E27FC236}">
-                <a16:creationId xmlns:a16="http://schemas.microsoft.com/office/drawing/2014/main" id="{5E7DB372-01AC-AF40-8952-6E9AFB8272E6}"/>
-              </a:ext>
-            </a:extLst>
-          </p:cNvPr>
-          <p:cNvSpPr txBox="1"/>
-          <p:nvPr/>
-        </p:nvSpPr>
-        <p:spPr>
-          <a:xfrm>
-            <a:off x="6262255" y="3109512"/>
-            <a:ext cx="3607724" cy="369332"/>
-          </a:xfrm>
-          <a:prstGeom prst="rect">
-            <a:avLst/>
-          </a:prstGeom>
-          <a:noFill/>
-        </p:spPr>
-        <p:txBody>
-          <a:bodyPr wrap="square" rtlCol="0">
-            <a:spAutoFit/>
-          </a:bodyPr>
-          <a:lstStyle/>
-          <a:p>
-            <a:r>
-              <a:rPr lang="en-US" altLang="zh-CN" dirty="0"/>
-              <a:t>Show</a:t>
-            </a:r>
-            <a:r>
-              <a:rPr lang="zh-CN" altLang="en-US" dirty="0"/>
-              <a:t> </a:t>
-            </a:r>
-            <a:r>
-              <a:rPr lang="en-US" altLang="zh-CN" dirty="0"/>
-              <a:t>the</a:t>
-            </a:r>
-            <a:r>
-              <a:rPr lang="zh-CN" altLang="en-US" dirty="0"/>
-              <a:t> </a:t>
-            </a:r>
-            <a:r>
-              <a:rPr lang="en-US" altLang="zh-CN" dirty="0"/>
-              <a:t>first</a:t>
-            </a:r>
-            <a:r>
-              <a:rPr lang="zh-CN" altLang="en-US" dirty="0"/>
-              <a:t> </a:t>
-            </a:r>
-            <a:r>
-              <a:rPr lang="en-US" altLang="zh-CN" dirty="0"/>
-              <a:t>three</a:t>
-            </a:r>
-            <a:r>
-              <a:rPr lang="zh-CN" altLang="en-US" dirty="0"/>
-              <a:t> </a:t>
-            </a:r>
-            <a:r>
-              <a:rPr lang="en-US" altLang="zh-CN" dirty="0"/>
-              <a:t>data</a:t>
-            </a:r>
-            <a:r>
-              <a:rPr lang="zh-CN" altLang="en-US" dirty="0"/>
-              <a:t> </a:t>
-            </a:r>
-            <a:r>
-              <a:rPr lang="en-US" altLang="zh-CN" dirty="0"/>
-              <a:t>example</a:t>
-            </a:r>
-            <a:endParaRPr lang="en-US" dirty="0"/>
-          </a:p>
-        </p:txBody>
-      </p:sp>
-      <p:sp>
-        <p:nvSpPr>
-          <p:cNvPr id="9" name="Right Arrow 8">
-            <a:extLst>
-              <a:ext uri="{FF2B5EF4-FFF2-40B4-BE49-F238E27FC236}">
-                <a16:creationId xmlns:a16="http://schemas.microsoft.com/office/drawing/2014/main" id="{5FCA941C-03D1-884C-B6E2-86055F501445}"/>
+          <p:cNvPr id="10" name="Right Arrow 9">
+            <a:extLst>
+              <a:ext uri="{FF2B5EF4-FFF2-40B4-BE49-F238E27FC236}">
+                <a16:creationId xmlns:a16="http://schemas.microsoft.com/office/drawing/2014/main" id="{7BA9786F-7CFB-6246-B575-D35B3102021E}"/>
               </a:ext>
             </a:extLst>
           </p:cNvPr>
@@ -3758,8 +5057,8 @@
         </p:nvSpPr>
         <p:spPr>
           <a:xfrm rot="10800000">
-            <a:off x="5336771" y="3156261"/>
-            <a:ext cx="939338" cy="310443"/>
+            <a:off x="6417425" y="2815678"/>
+            <a:ext cx="1205346" cy="207818"/>
           </a:xfrm>
           <a:prstGeom prst="rightArrow">
             <a:avLst/>
@@ -3786,14 +5085,60 @@
           <a:lstStyle/>
           <a:p>
             <a:pPr algn="ctr"/>
-            <a:endParaRPr lang="en-US" dirty="0"/>
+            <a:endParaRPr lang="en-US"/>
+          </a:p>
+        </p:txBody>
+      </p:sp>
+      <p:sp>
+        <p:nvSpPr>
+          <p:cNvPr id="11" name="Right Arrow 10">
+            <a:extLst>
+              <a:ext uri="{FF2B5EF4-FFF2-40B4-BE49-F238E27FC236}">
+                <a16:creationId xmlns:a16="http://schemas.microsoft.com/office/drawing/2014/main" id="{418DF954-8D72-014A-9010-B43A781789BA}"/>
+              </a:ext>
+            </a:extLst>
+          </p:cNvPr>
+          <p:cNvSpPr/>
+          <p:nvPr/>
+        </p:nvSpPr>
+        <p:spPr>
+          <a:xfrm rot="10800000">
+            <a:off x="6417425" y="4644879"/>
+            <a:ext cx="1205346" cy="207818"/>
+          </a:xfrm>
+          <a:prstGeom prst="rightArrow">
+            <a:avLst/>
+          </a:prstGeom>
+        </p:spPr>
+        <p:style>
+          <a:lnRef idx="2">
+            <a:schemeClr val="accent1">
+              <a:shade val="50000"/>
+            </a:schemeClr>
+          </a:lnRef>
+          <a:fillRef idx="1">
+            <a:schemeClr val="accent1"/>
+          </a:fillRef>
+          <a:effectRef idx="0">
+            <a:schemeClr val="accent1"/>
+          </a:effectRef>
+          <a:fontRef idx="minor">
+            <a:schemeClr val="lt1"/>
+          </a:fontRef>
+        </p:style>
+        <p:txBody>
+          <a:bodyPr rtlCol="0" anchor="ctr"/>
+          <a:lstStyle/>
+          <a:p>
+            <a:pPr algn="ctr"/>
+            <a:endParaRPr lang="en-US"/>
           </a:p>
         </p:txBody>
       </p:sp>
     </p:spTree>
     <p:extLst>
       <p:ext uri="{BB962C8B-B14F-4D97-AF65-F5344CB8AC3E}">
-        <p14:creationId xmlns:p14="http://schemas.microsoft.com/office/powerpoint/2010/main" val="2536841417"/>
+        <p14:creationId xmlns:p14="http://schemas.microsoft.com/office/powerpoint/2010/main" val="648883056"/>
       </p:ext>
     </p:extLst>
   </p:cSld>
@@ -3825,7 +5170,7 @@
           <p:cNvPr id="2" name="Title 1">
             <a:extLst>
               <a:ext uri="{FF2B5EF4-FFF2-40B4-BE49-F238E27FC236}">
-                <a16:creationId xmlns:a16="http://schemas.microsoft.com/office/drawing/2014/main" id="{7CC119C9-5295-3343-9625-96EAF5F0954A}"/>
+                <a16:creationId xmlns:a16="http://schemas.microsoft.com/office/drawing/2014/main" id="{D742447C-060D-C242-9DF7-0884CE805391}"/>
               </a:ext>
             </a:extLst>
           </p:cNvPr>
@@ -3843,47 +5188,116 @@
           <a:p>
             <a:r>
               <a:rPr lang="en-US" dirty="0"/>
-              <a:t>Preprocess data with Pandas (1)</a:t>
-            </a:r>
-          </a:p>
-        </p:txBody>
-      </p:sp>
-      <p:pic>
-        <p:nvPicPr>
-          <p:cNvPr id="5" name="Picture 4">
-            <a:extLst>
-              <a:ext uri="{FF2B5EF4-FFF2-40B4-BE49-F238E27FC236}">
-                <a16:creationId xmlns:a16="http://schemas.microsoft.com/office/drawing/2014/main" id="{835A2DA3-D1F6-3D43-9C8D-12CCAF146C03}"/>
-              </a:ext>
-            </a:extLst>
-          </p:cNvPr>
-          <p:cNvPicPr>
-            <a:picLocks noChangeAspect="1"/>
-          </p:cNvPicPr>
-          <p:nvPr/>
-        </p:nvPicPr>
-        <p:blipFill>
-          <a:blip r:embed="rId2"/>
-          <a:stretch>
-            <a:fillRect/>
-          </a:stretch>
-        </p:blipFill>
-        <p:spPr>
-          <a:xfrm>
-            <a:off x="0" y="1511300"/>
-            <a:ext cx="8941392" cy="4847936"/>
-          </a:xfrm>
-          <a:prstGeom prst="rect">
-            <a:avLst/>
-          </a:prstGeom>
-        </p:spPr>
-      </p:pic>
-      <p:sp>
-        <p:nvSpPr>
-          <p:cNvPr id="6" name="TextBox 5">
-            <a:extLst>
-              <a:ext uri="{FF2B5EF4-FFF2-40B4-BE49-F238E27FC236}">
-                <a16:creationId xmlns:a16="http://schemas.microsoft.com/office/drawing/2014/main" id="{3CB7C565-DA3D-EA44-B92E-F00EFF8ADEF3}"/>
+              <a:t>Introduction to </a:t>
+            </a:r>
+            <a:r>
+              <a:rPr lang="en-US" dirty="0" err="1"/>
+              <a:t>scikit</a:t>
+            </a:r>
+            <a:r>
+              <a:rPr lang="en-US" dirty="0"/>
+              <a:t>-learn (</a:t>
+            </a:r>
+            <a:r>
+              <a:rPr lang="en-US" dirty="0" err="1"/>
+              <a:t>sklearn</a:t>
+            </a:r>
+            <a:r>
+              <a:rPr lang="en-US" dirty="0"/>
+              <a:t>)</a:t>
+            </a:r>
+          </a:p>
+        </p:txBody>
+      </p:sp>
+      <p:sp>
+        <p:nvSpPr>
+          <p:cNvPr id="3" name="Content Placeholder 2">
+            <a:extLst>
+              <a:ext uri="{FF2B5EF4-FFF2-40B4-BE49-F238E27FC236}">
+                <a16:creationId xmlns:a16="http://schemas.microsoft.com/office/drawing/2014/main" id="{86173D8B-4915-C649-B476-2F80425215A9}"/>
+              </a:ext>
+            </a:extLst>
+          </p:cNvPr>
+          <p:cNvSpPr>
+            <a:spLocks noGrp="1"/>
+          </p:cNvSpPr>
+          <p:nvPr>
+            <p:ph idx="1"/>
+          </p:nvPr>
+        </p:nvSpPr>
+        <p:spPr>
+          <a:xfrm>
+            <a:off x="838200" y="2319251"/>
+            <a:ext cx="10515600" cy="2884516"/>
+          </a:xfrm>
+        </p:spPr>
+        <p:txBody>
+          <a:bodyPr/>
+          <a:lstStyle/>
+          <a:p>
+            <a:r>
+              <a:rPr lang="en-US" dirty="0"/>
+              <a:t>Algorithms for supervised and unsupervised learning</a:t>
+            </a:r>
+          </a:p>
+          <a:p>
+            <a:r>
+              <a:rPr lang="en-US" dirty="0"/>
+              <a:t>Built on </a:t>
+            </a:r>
+            <a:r>
+              <a:rPr lang="en-US" dirty="0" err="1"/>
+              <a:t>Scipy</a:t>
+            </a:r>
+            <a:r>
+              <a:rPr lang="en-US" dirty="0"/>
+              <a:t> and </a:t>
+            </a:r>
+            <a:r>
+              <a:rPr lang="en-US" dirty="0" err="1"/>
+              <a:t>Numpy</a:t>
+            </a:r>
+            <a:endParaRPr lang="en-US" dirty="0"/>
+          </a:p>
+          <a:p>
+            <a:r>
+              <a:rPr lang="en-US" dirty="0"/>
+              <a:t>Standard Python API interface</a:t>
+            </a:r>
+          </a:p>
+          <a:p>
+            <a:r>
+              <a:rPr lang="en-US" dirty="0"/>
+              <a:t>Sits on top of c libraries, LAPACK, </a:t>
+            </a:r>
+            <a:r>
+              <a:rPr lang="en-US" dirty="0" err="1"/>
+              <a:t>LibSVM</a:t>
+            </a:r>
+            <a:r>
+              <a:rPr lang="en-US" dirty="0"/>
+              <a:t>, and </a:t>
+            </a:r>
+            <a:r>
+              <a:rPr lang="en-US" dirty="0" err="1"/>
+              <a:t>Cython</a:t>
+            </a:r>
+            <a:endParaRPr lang="en-US" dirty="0"/>
+          </a:p>
+          <a:p>
+            <a:r>
+              <a:rPr lang="en-US" dirty="0"/>
+              <a:t>Open Source</a:t>
+            </a:r>
+          </a:p>
+        </p:txBody>
+      </p:sp>
+      <p:sp>
+        <p:nvSpPr>
+          <p:cNvPr id="4" name="TextBox 3">
+            <a:extLst>
+              <a:ext uri="{FF2B5EF4-FFF2-40B4-BE49-F238E27FC236}">
+                <a16:creationId xmlns:a16="http://schemas.microsoft.com/office/drawing/2014/main" id="{1A3D2406-E1AB-B54A-8541-F589F2BC8293}"/>
               </a:ext>
             </a:extLst>
           </p:cNvPr>
@@ -3892,8 +5306,8 @@
         </p:nvSpPr>
         <p:spPr>
           <a:xfrm>
-            <a:off x="9227127" y="1527525"/>
-            <a:ext cx="2410691" cy="646331"/>
+            <a:off x="906087" y="1770611"/>
+            <a:ext cx="10183091" cy="369332"/>
           </a:xfrm>
           <a:prstGeom prst="rect">
             <a:avLst/>
@@ -3908,17 +5322,41 @@
           <a:p>
             <a:r>
               <a:rPr lang="en-US" dirty="0"/>
-              <a:t>Put the train and test data together</a:t>
-            </a:r>
-          </a:p>
-        </p:txBody>
-      </p:sp>
-      <p:sp>
-        <p:nvSpPr>
-          <p:cNvPr id="7" name="TextBox 6">
-            <a:extLst>
-              <a:ext uri="{FF2B5EF4-FFF2-40B4-BE49-F238E27FC236}">
-                <a16:creationId xmlns:a16="http://schemas.microsoft.com/office/drawing/2014/main" id="{056A47A2-E40B-CC4A-B42D-A6C455C77925}"/>
+              <a:t>Extensions to </a:t>
+            </a:r>
+            <a:r>
+              <a:rPr lang="en-US" dirty="0" err="1"/>
+              <a:t>Scipy</a:t>
+            </a:r>
+            <a:r>
+              <a:rPr lang="en-US" dirty="0"/>
+              <a:t> (Scientific Python) are called </a:t>
+            </a:r>
+            <a:r>
+              <a:rPr lang="en-US" dirty="0" err="1"/>
+              <a:t>Scikits</a:t>
+            </a:r>
+            <a:r>
+              <a:rPr lang="en-US" dirty="0"/>
+              <a:t>. </a:t>
+            </a:r>
+            <a:r>
+              <a:rPr lang="en-US" dirty="0" err="1"/>
+              <a:t>Scikie</a:t>
+            </a:r>
+            <a:r>
+              <a:rPr lang="en-US" dirty="0"/>
+              <a:t>-learn provides machine learning algorithm.</a:t>
+            </a:r>
+          </a:p>
+        </p:txBody>
+      </p:sp>
+      <p:sp>
+        <p:nvSpPr>
+          <p:cNvPr id="5" name="TextBox 4">
+            <a:extLst>
+              <a:ext uri="{FF2B5EF4-FFF2-40B4-BE49-F238E27FC236}">
+                <a16:creationId xmlns:a16="http://schemas.microsoft.com/office/drawing/2014/main" id="{81F22BFF-A8B4-B14A-AA52-A0BBD0D34035}"/>
               </a:ext>
             </a:extLst>
           </p:cNvPr>
@@ -3927,8 +5365,8 @@
         </p:nvSpPr>
         <p:spPr>
           <a:xfrm>
-            <a:off x="9227127" y="2394066"/>
-            <a:ext cx="2665615" cy="646331"/>
+            <a:off x="1521229" y="5383075"/>
+            <a:ext cx="7822276" cy="369332"/>
           </a:xfrm>
           <a:prstGeom prst="rect">
             <a:avLst/>
@@ -3943,321 +5381,22 @@
           <a:p>
             <a:r>
               <a:rPr lang="en-US" dirty="0"/>
-              <a:t>Convert “family size” feature to integer </a:t>
-            </a:r>
-          </a:p>
-        </p:txBody>
-      </p:sp>
-      <p:sp>
-        <p:nvSpPr>
-          <p:cNvPr id="8" name="TextBox 7">
-            <a:extLst>
-              <a:ext uri="{FF2B5EF4-FFF2-40B4-BE49-F238E27FC236}">
-                <a16:creationId xmlns:a16="http://schemas.microsoft.com/office/drawing/2014/main" id="{D47E9C9F-7945-C841-9FB6-1057EB134311}"/>
-              </a:ext>
-            </a:extLst>
-          </p:cNvPr>
-          <p:cNvSpPr txBox="1"/>
-          <p:nvPr/>
-        </p:nvSpPr>
-        <p:spPr>
-          <a:xfrm>
-            <a:off x="9227127" y="3288937"/>
-            <a:ext cx="2144683" cy="646331"/>
-          </a:xfrm>
-          <a:prstGeom prst="rect">
-            <a:avLst/>
-          </a:prstGeom>
-          <a:noFill/>
-        </p:spPr>
-        <p:txBody>
-          <a:bodyPr wrap="square" rtlCol="0">
-            <a:spAutoFit/>
-          </a:bodyPr>
-          <a:lstStyle/>
-          <a:p>
-            <a:r>
-              <a:rPr lang="en-US" dirty="0"/>
-              <a:t>Create a new feature “</a:t>
-            </a:r>
-            <a:r>
-              <a:rPr lang="en-US" dirty="0" err="1"/>
-              <a:t>IsAlone</a:t>
-            </a:r>
-            <a:r>
-              <a:rPr lang="en-US" dirty="0"/>
-              <a:t>”</a:t>
-            </a:r>
-          </a:p>
-        </p:txBody>
-      </p:sp>
-      <p:sp>
-        <p:nvSpPr>
-          <p:cNvPr id="9" name="Down Arrow 8">
-            <a:extLst>
-              <a:ext uri="{FF2B5EF4-FFF2-40B4-BE49-F238E27FC236}">
-                <a16:creationId xmlns:a16="http://schemas.microsoft.com/office/drawing/2014/main" id="{F87E2F25-2BA2-C149-A9A0-FF2499B806CD}"/>
-              </a:ext>
-            </a:extLst>
-          </p:cNvPr>
-          <p:cNvSpPr/>
-          <p:nvPr/>
-        </p:nvSpPr>
-        <p:spPr>
-          <a:xfrm rot="4502141">
-            <a:off x="7544441" y="749903"/>
-            <a:ext cx="310869" cy="3078636"/>
-          </a:xfrm>
-          <a:prstGeom prst="downArrow">
-            <a:avLst/>
-          </a:prstGeom>
-        </p:spPr>
-        <p:style>
-          <a:lnRef idx="2">
-            <a:schemeClr val="accent1">
-              <a:shade val="50000"/>
-            </a:schemeClr>
-          </a:lnRef>
-          <a:fillRef idx="1">
-            <a:schemeClr val="accent1"/>
-          </a:fillRef>
-          <a:effectRef idx="0">
-            <a:schemeClr val="accent1"/>
-          </a:effectRef>
-          <a:fontRef idx="minor">
-            <a:schemeClr val="lt1"/>
-          </a:fontRef>
-        </p:style>
-        <p:txBody>
-          <a:bodyPr rtlCol="0" anchor="ctr"/>
-          <a:lstStyle/>
-          <a:p>
-            <a:pPr algn="ctr"/>
-            <a:endParaRPr lang="en-US"/>
-          </a:p>
-        </p:txBody>
-      </p:sp>
-      <p:sp>
-        <p:nvSpPr>
-          <p:cNvPr id="10" name="Down Arrow 9">
-            <a:extLst>
-              <a:ext uri="{FF2B5EF4-FFF2-40B4-BE49-F238E27FC236}">
-                <a16:creationId xmlns:a16="http://schemas.microsoft.com/office/drawing/2014/main" id="{4D0635D3-6772-D04F-B7DE-6393CF8680EE}"/>
-              </a:ext>
-            </a:extLst>
-          </p:cNvPr>
-          <p:cNvSpPr/>
-          <p:nvPr/>
-        </p:nvSpPr>
-        <p:spPr>
-          <a:xfrm rot="4502141">
-            <a:off x="7605058" y="1620616"/>
-            <a:ext cx="310869" cy="2888625"/>
-          </a:xfrm>
-          <a:prstGeom prst="downArrow">
-            <a:avLst/>
-          </a:prstGeom>
-        </p:spPr>
-        <p:style>
-          <a:lnRef idx="2">
-            <a:schemeClr val="accent1">
-              <a:shade val="50000"/>
-            </a:schemeClr>
-          </a:lnRef>
-          <a:fillRef idx="1">
-            <a:schemeClr val="accent1"/>
-          </a:fillRef>
-          <a:effectRef idx="0">
-            <a:schemeClr val="accent1"/>
-          </a:effectRef>
-          <a:fontRef idx="minor">
-            <a:schemeClr val="lt1"/>
-          </a:fontRef>
-        </p:style>
-        <p:txBody>
-          <a:bodyPr rtlCol="0" anchor="ctr"/>
-          <a:lstStyle/>
-          <a:p>
-            <a:pPr algn="ctr"/>
-            <a:endParaRPr lang="en-US"/>
-          </a:p>
-        </p:txBody>
-      </p:sp>
-      <p:sp>
-        <p:nvSpPr>
-          <p:cNvPr id="11" name="Down Arrow 10">
-            <a:extLst>
-              <a:ext uri="{FF2B5EF4-FFF2-40B4-BE49-F238E27FC236}">
-                <a16:creationId xmlns:a16="http://schemas.microsoft.com/office/drawing/2014/main" id="{81D62561-64AA-914F-BAE5-EF4DE5A91D9B}"/>
-              </a:ext>
-            </a:extLst>
-          </p:cNvPr>
-          <p:cNvSpPr/>
-          <p:nvPr/>
-        </p:nvSpPr>
-        <p:spPr>
-          <a:xfrm rot="5069740">
-            <a:off x="7544439" y="2346479"/>
-            <a:ext cx="310869" cy="2888625"/>
-          </a:xfrm>
-          <a:prstGeom prst="downArrow">
-            <a:avLst/>
-          </a:prstGeom>
-        </p:spPr>
-        <p:style>
-          <a:lnRef idx="2">
-            <a:schemeClr val="accent1">
-              <a:shade val="50000"/>
-            </a:schemeClr>
-          </a:lnRef>
-          <a:fillRef idx="1">
-            <a:schemeClr val="accent1"/>
-          </a:fillRef>
-          <a:effectRef idx="0">
-            <a:schemeClr val="accent1"/>
-          </a:effectRef>
-          <a:fontRef idx="minor">
-            <a:schemeClr val="lt1"/>
-          </a:fontRef>
-        </p:style>
-        <p:txBody>
-          <a:bodyPr rtlCol="0" anchor="ctr"/>
-          <a:lstStyle/>
-          <a:p>
-            <a:pPr algn="ctr"/>
-            <a:endParaRPr lang="en-US"/>
-          </a:p>
-        </p:txBody>
-      </p:sp>
-      <p:sp>
-        <p:nvSpPr>
-          <p:cNvPr id="12" name="TextBox 11">
-            <a:extLst>
-              <a:ext uri="{FF2B5EF4-FFF2-40B4-BE49-F238E27FC236}">
-                <a16:creationId xmlns:a16="http://schemas.microsoft.com/office/drawing/2014/main" id="{7C960CD4-222F-604E-B682-D46CB563C6B8}"/>
-              </a:ext>
-            </a:extLst>
-          </p:cNvPr>
-          <p:cNvSpPr txBox="1"/>
-          <p:nvPr/>
-        </p:nvSpPr>
-        <p:spPr>
-          <a:xfrm>
-            <a:off x="9974585" y="5037396"/>
-            <a:ext cx="2123203" cy="646331"/>
-          </a:xfrm>
-          <a:prstGeom prst="rect">
-            <a:avLst/>
-          </a:prstGeom>
-          <a:noFill/>
-        </p:spPr>
-        <p:txBody>
-          <a:bodyPr wrap="square" rtlCol="0">
-            <a:spAutoFit/>
-          </a:bodyPr>
-          <a:lstStyle/>
-          <a:p>
-            <a:r>
-              <a:rPr lang="en-US" dirty="0"/>
-              <a:t>Replace empty data with average</a:t>
-            </a:r>
-          </a:p>
-        </p:txBody>
-      </p:sp>
-      <p:sp>
-        <p:nvSpPr>
-          <p:cNvPr id="13" name="Right Arrow 12">
-            <a:extLst>
-              <a:ext uri="{FF2B5EF4-FFF2-40B4-BE49-F238E27FC236}">
-                <a16:creationId xmlns:a16="http://schemas.microsoft.com/office/drawing/2014/main" id="{863B2E8E-52E0-2C44-A310-20EE6B993472}"/>
-              </a:ext>
-            </a:extLst>
-          </p:cNvPr>
-          <p:cNvSpPr/>
-          <p:nvPr/>
-        </p:nvSpPr>
-        <p:spPr>
-          <a:xfrm rot="10800000">
-            <a:off x="8344072" y="5154180"/>
-            <a:ext cx="1627743" cy="412764"/>
-          </a:xfrm>
-          <a:prstGeom prst="rightArrow">
-            <a:avLst/>
-          </a:prstGeom>
-        </p:spPr>
-        <p:style>
-          <a:lnRef idx="2">
-            <a:schemeClr val="accent1">
-              <a:shade val="50000"/>
-            </a:schemeClr>
-          </a:lnRef>
-          <a:fillRef idx="1">
-            <a:schemeClr val="accent1"/>
-          </a:fillRef>
-          <a:effectRef idx="0">
-            <a:schemeClr val="accent1"/>
-          </a:effectRef>
-          <a:fontRef idx="minor">
-            <a:schemeClr val="lt1"/>
-          </a:fontRef>
-        </p:style>
-        <p:txBody>
-          <a:bodyPr rtlCol="0" anchor="ctr"/>
-          <a:lstStyle/>
-          <a:p>
-            <a:pPr algn="ctr"/>
-            <a:endParaRPr lang="en-US"/>
-          </a:p>
-        </p:txBody>
-      </p:sp>
-      <p:sp>
-        <p:nvSpPr>
-          <p:cNvPr id="14" name="Right Brace 13">
-            <a:extLst>
-              <a:ext uri="{FF2B5EF4-FFF2-40B4-BE49-F238E27FC236}">
-                <a16:creationId xmlns:a16="http://schemas.microsoft.com/office/drawing/2014/main" id="{1AB27D01-7029-BF4C-8D90-C791C07F65A4}"/>
-              </a:ext>
-            </a:extLst>
-          </p:cNvPr>
-          <p:cNvSpPr/>
-          <p:nvPr/>
-        </p:nvSpPr>
-        <p:spPr>
-          <a:xfrm>
-            <a:off x="7851884" y="4363723"/>
-            <a:ext cx="440575" cy="1995513"/>
-          </a:xfrm>
-          <a:prstGeom prst="rightBrace">
-            <a:avLst/>
-          </a:prstGeom>
-        </p:spPr>
-        <p:style>
-          <a:lnRef idx="1">
-            <a:schemeClr val="accent1"/>
-          </a:lnRef>
-          <a:fillRef idx="0">
-            <a:schemeClr val="accent1"/>
-          </a:fillRef>
-          <a:effectRef idx="0">
-            <a:schemeClr val="accent1"/>
-          </a:effectRef>
-          <a:fontRef idx="minor">
-            <a:schemeClr val="tx1"/>
-          </a:fontRef>
-        </p:style>
-        <p:txBody>
-          <a:bodyPr rtlCol="0" anchor="ctr"/>
-          <a:lstStyle/>
-          <a:p>
-            <a:pPr algn="ctr"/>
-            <a:endParaRPr lang="en-US"/>
+              <a:t>For more information, you can refer to: </a:t>
+            </a:r>
+            <a:r>
+              <a:rPr lang="en-HK" dirty="0">
+                <a:hlinkClick r:id="rId2"/>
+              </a:rPr>
+              <a:t>https://scikit-learn.org/stable/</a:t>
+            </a:r>
+            <a:endParaRPr lang="en-US" dirty="0"/>
           </a:p>
         </p:txBody>
       </p:sp>
     </p:spTree>
     <p:extLst>
       <p:ext uri="{BB962C8B-B14F-4D97-AF65-F5344CB8AC3E}">
-        <p14:creationId xmlns:p14="http://schemas.microsoft.com/office/powerpoint/2010/main" val="1178156979"/>
+        <p14:creationId xmlns:p14="http://schemas.microsoft.com/office/powerpoint/2010/main" val="728513336"/>
       </p:ext>
     </p:extLst>
   </p:cSld>
@@ -4289,7 +5428,7 @@
           <p:cNvPr id="2" name="Title 1">
             <a:extLst>
               <a:ext uri="{FF2B5EF4-FFF2-40B4-BE49-F238E27FC236}">
-                <a16:creationId xmlns:a16="http://schemas.microsoft.com/office/drawing/2014/main" id="{7CC119C9-5295-3343-9625-96EAF5F0954A}"/>
+                <a16:creationId xmlns:a16="http://schemas.microsoft.com/office/drawing/2014/main" id="{E9F0B708-4BAF-FB42-8A06-A44ABBA029D1}"/>
               </a:ext>
             </a:extLst>
           </p:cNvPr>
@@ -4307,20 +5446,19 @@
           <a:p>
             <a:r>
               <a:rPr lang="en-US" dirty="0"/>
-              <a:t>Preprocess data with Pandas (2)</a:t>
-            </a:r>
+              <a:t>Build a decision tree model with </a:t>
+            </a:r>
+            <a:r>
+              <a:rPr lang="en-US" dirty="0" err="1"/>
+              <a:t>sklearn</a:t>
+            </a:r>
+            <a:endParaRPr lang="en-US" dirty="0"/>
           </a:p>
         </p:txBody>
       </p:sp>
       <p:pic>
         <p:nvPicPr>
-          <p:cNvPr id="5" name="Picture 4">
-            <a:extLst>
-              <a:ext uri="{FF2B5EF4-FFF2-40B4-BE49-F238E27FC236}">
-                <a16:creationId xmlns:a16="http://schemas.microsoft.com/office/drawing/2014/main" id="{DD2530A4-FB63-6E48-AD77-BD800D30106B}"/>
-              </a:ext>
-            </a:extLst>
-          </p:cNvPr>
+          <p:cNvPr id="3" name="Picture 2"/>
           <p:cNvPicPr>
             <a:picLocks noChangeAspect="1"/>
           </p:cNvPicPr>
@@ -4334,261 +5472,42 @@
         </p:blipFill>
         <p:spPr>
           <a:xfrm>
-            <a:off x="150091" y="1422516"/>
-            <a:ext cx="6654800" cy="5143500"/>
+            <a:off x="838200" y="1496891"/>
+            <a:ext cx="8772525" cy="2228850"/>
           </a:xfrm>
           <a:prstGeom prst="rect">
             <a:avLst/>
           </a:prstGeom>
         </p:spPr>
       </p:pic>
-      <p:sp>
-        <p:nvSpPr>
-          <p:cNvPr id="6" name="TextBox 5">
-            <a:extLst>
-              <a:ext uri="{FF2B5EF4-FFF2-40B4-BE49-F238E27FC236}">
-                <a16:creationId xmlns:a16="http://schemas.microsoft.com/office/drawing/2014/main" id="{2C997F47-CAA0-754B-8D4E-310C4356F7DD}"/>
-              </a:ext>
-            </a:extLst>
-          </p:cNvPr>
-          <p:cNvSpPr txBox="1"/>
+      <p:pic>
+        <p:nvPicPr>
+          <p:cNvPr id="21" name="Picture 20"/>
+          <p:cNvPicPr>
+            <a:picLocks noChangeAspect="1"/>
+          </p:cNvPicPr>
           <p:nvPr/>
-        </p:nvSpPr>
-        <p:spPr>
-          <a:xfrm>
-            <a:off x="7897091" y="1773816"/>
-            <a:ext cx="3961938" cy="369332"/>
+        </p:nvPicPr>
+        <p:blipFill>
+          <a:blip r:embed="rId3"/>
+          <a:stretch>
+            <a:fillRect/>
+          </a:stretch>
+        </p:blipFill>
+        <p:spPr>
+          <a:xfrm>
+            <a:off x="903043" y="4244487"/>
+            <a:ext cx="8258175" cy="2105025"/>
           </a:xfrm>
           <a:prstGeom prst="rect">
             <a:avLst/>
           </a:prstGeom>
-          <a:noFill/>
-        </p:spPr>
-        <p:txBody>
-          <a:bodyPr wrap="square" rtlCol="0">
-            <a:spAutoFit/>
-          </a:bodyPr>
-          <a:lstStyle/>
-          <a:p>
-            <a:r>
-              <a:rPr lang="en-US" dirty="0"/>
-              <a:t>Define a function to clean the data</a:t>
-            </a:r>
-          </a:p>
-        </p:txBody>
-      </p:sp>
-      <p:sp>
-        <p:nvSpPr>
-          <p:cNvPr id="7" name="TextBox 6">
-            <a:extLst>
-              <a:ext uri="{FF2B5EF4-FFF2-40B4-BE49-F238E27FC236}">
-                <a16:creationId xmlns:a16="http://schemas.microsoft.com/office/drawing/2014/main" id="{21B304DF-E6A5-F142-A4DE-7AFFE360A375}"/>
-              </a:ext>
-            </a:extLst>
-          </p:cNvPr>
-          <p:cNvSpPr txBox="1"/>
-          <p:nvPr/>
-        </p:nvSpPr>
-        <p:spPr>
-          <a:xfrm>
-            <a:off x="7897091" y="2715926"/>
-            <a:ext cx="3961938" cy="369332"/>
-          </a:xfrm>
-          <a:prstGeom prst="rect">
-            <a:avLst/>
-          </a:prstGeom>
-          <a:noFill/>
-        </p:spPr>
-        <p:txBody>
-          <a:bodyPr wrap="square" rtlCol="0">
-            <a:spAutoFit/>
-          </a:bodyPr>
-          <a:lstStyle/>
-          <a:p>
-            <a:r>
-              <a:rPr lang="en-US" dirty="0"/>
-              <a:t>Clean all the title feature</a:t>
-            </a:r>
-          </a:p>
-        </p:txBody>
-      </p:sp>
-      <p:sp>
-        <p:nvSpPr>
-          <p:cNvPr id="8" name="TextBox 7">
-            <a:extLst>
-              <a:ext uri="{FF2B5EF4-FFF2-40B4-BE49-F238E27FC236}">
-                <a16:creationId xmlns:a16="http://schemas.microsoft.com/office/drawing/2014/main" id="{A603915F-4F07-A34F-B022-5A459C0B6B24}"/>
-              </a:ext>
-            </a:extLst>
-          </p:cNvPr>
-          <p:cNvSpPr txBox="1"/>
-          <p:nvPr/>
-        </p:nvSpPr>
-        <p:spPr>
-          <a:xfrm>
-            <a:off x="7897091" y="4564122"/>
-            <a:ext cx="3961938" cy="369332"/>
-          </a:xfrm>
-          <a:prstGeom prst="rect">
-            <a:avLst/>
-          </a:prstGeom>
-          <a:noFill/>
-        </p:spPr>
-        <p:txBody>
-          <a:bodyPr wrap="square" rtlCol="0">
-            <a:spAutoFit/>
-          </a:bodyPr>
-          <a:lstStyle/>
-          <a:p>
-            <a:r>
-              <a:rPr lang="en-US" dirty="0"/>
-              <a:t>Replace all the feature with number</a:t>
-            </a:r>
-          </a:p>
-        </p:txBody>
-      </p:sp>
-      <p:sp>
-        <p:nvSpPr>
-          <p:cNvPr id="9" name="Right Arrow 8">
-            <a:extLst>
-              <a:ext uri="{FF2B5EF4-FFF2-40B4-BE49-F238E27FC236}">
-                <a16:creationId xmlns:a16="http://schemas.microsoft.com/office/drawing/2014/main" id="{B3DDDAC9-0416-E24A-9DD9-8373482EDA2C}"/>
-              </a:ext>
-            </a:extLst>
-          </p:cNvPr>
-          <p:cNvSpPr/>
-          <p:nvPr/>
-        </p:nvSpPr>
-        <p:spPr>
-          <a:xfrm rot="10800000">
-            <a:off x="6417425" y="1870364"/>
-            <a:ext cx="1205346" cy="207818"/>
-          </a:xfrm>
-          <a:prstGeom prst="rightArrow">
-            <a:avLst/>
-          </a:prstGeom>
-        </p:spPr>
-        <p:style>
-          <a:lnRef idx="2">
-            <a:schemeClr val="accent1">
-              <a:shade val="50000"/>
-            </a:schemeClr>
-          </a:lnRef>
-          <a:fillRef idx="1">
-            <a:schemeClr val="accent1"/>
-          </a:fillRef>
-          <a:effectRef idx="0">
-            <a:schemeClr val="accent1"/>
-          </a:effectRef>
-          <a:fontRef idx="minor">
-            <a:schemeClr val="lt1"/>
-          </a:fontRef>
-        </p:style>
-        <p:txBody>
-          <a:bodyPr rtlCol="0" anchor="ctr"/>
-          <a:lstStyle/>
-          <a:p>
-            <a:pPr algn="ctr"/>
-            <a:endParaRPr lang="en-US"/>
-          </a:p>
-        </p:txBody>
-      </p:sp>
-      <p:sp>
-        <p:nvSpPr>
-          <p:cNvPr id="10" name="Right Arrow 9">
-            <a:extLst>
-              <a:ext uri="{FF2B5EF4-FFF2-40B4-BE49-F238E27FC236}">
-                <a16:creationId xmlns:a16="http://schemas.microsoft.com/office/drawing/2014/main" id="{7BA9786F-7CFB-6246-B575-D35B3102021E}"/>
-              </a:ext>
-            </a:extLst>
-          </p:cNvPr>
-          <p:cNvSpPr/>
-          <p:nvPr/>
-        </p:nvSpPr>
-        <p:spPr>
-          <a:xfrm rot="10800000">
-            <a:off x="6417425" y="2815678"/>
-            <a:ext cx="1205346" cy="207818"/>
-          </a:xfrm>
-          <a:prstGeom prst="rightArrow">
-            <a:avLst/>
-          </a:prstGeom>
-        </p:spPr>
-        <p:style>
-          <a:lnRef idx="2">
-            <a:schemeClr val="accent1">
-              <a:shade val="50000"/>
-            </a:schemeClr>
-          </a:lnRef>
-          <a:fillRef idx="1">
-            <a:schemeClr val="accent1"/>
-          </a:fillRef>
-          <a:effectRef idx="0">
-            <a:schemeClr val="accent1"/>
-          </a:effectRef>
-          <a:fontRef idx="minor">
-            <a:schemeClr val="lt1"/>
-          </a:fontRef>
-        </p:style>
-        <p:txBody>
-          <a:bodyPr rtlCol="0" anchor="ctr"/>
-          <a:lstStyle/>
-          <a:p>
-            <a:pPr algn="ctr"/>
-            <a:endParaRPr lang="en-US"/>
-          </a:p>
-        </p:txBody>
-      </p:sp>
-      <p:sp>
-        <p:nvSpPr>
-          <p:cNvPr id="11" name="Right Arrow 10">
-            <a:extLst>
-              <a:ext uri="{FF2B5EF4-FFF2-40B4-BE49-F238E27FC236}">
-                <a16:creationId xmlns:a16="http://schemas.microsoft.com/office/drawing/2014/main" id="{418DF954-8D72-014A-9010-B43A781789BA}"/>
-              </a:ext>
-            </a:extLst>
-          </p:cNvPr>
-          <p:cNvSpPr/>
-          <p:nvPr/>
-        </p:nvSpPr>
-        <p:spPr>
-          <a:xfrm rot="10800000">
-            <a:off x="6417425" y="4644879"/>
-            <a:ext cx="1205346" cy="207818"/>
-          </a:xfrm>
-          <a:prstGeom prst="rightArrow">
-            <a:avLst/>
-          </a:prstGeom>
-        </p:spPr>
-        <p:style>
-          <a:lnRef idx="2">
-            <a:schemeClr val="accent1">
-              <a:shade val="50000"/>
-            </a:schemeClr>
-          </a:lnRef>
-          <a:fillRef idx="1">
-            <a:schemeClr val="accent1"/>
-          </a:fillRef>
-          <a:effectRef idx="0">
-            <a:schemeClr val="accent1"/>
-          </a:effectRef>
-          <a:fontRef idx="minor">
-            <a:schemeClr val="lt1"/>
-          </a:fontRef>
-        </p:style>
-        <p:txBody>
-          <a:bodyPr rtlCol="0" anchor="ctr"/>
-          <a:lstStyle/>
-          <a:p>
-            <a:pPr algn="ctr"/>
-            <a:endParaRPr lang="en-US"/>
-          </a:p>
-        </p:txBody>
-      </p:sp>
+        </p:spPr>
+      </p:pic>
     </p:spTree>
     <p:extLst>
       <p:ext uri="{BB962C8B-B14F-4D97-AF65-F5344CB8AC3E}">
-        <p14:creationId xmlns:p14="http://schemas.microsoft.com/office/powerpoint/2010/main" val="648883056"/>
+        <p14:creationId xmlns:p14="http://schemas.microsoft.com/office/powerpoint/2010/main" val="1728280751"/>
       </p:ext>
     </p:extLst>
   </p:cSld>
@@ -4615,229 +5534,63 @@
           <a:chExt cx="0" cy="0"/>
         </a:xfrm>
       </p:grpSpPr>
-      <p:sp>
-        <p:nvSpPr>
-          <p:cNvPr id="2" name="Title 1">
-            <a:extLst>
-              <a:ext uri="{FF2B5EF4-FFF2-40B4-BE49-F238E27FC236}">
-                <a16:creationId xmlns:a16="http://schemas.microsoft.com/office/drawing/2014/main" id="{D742447C-060D-C242-9DF7-0884CE805391}"/>
-              </a:ext>
-            </a:extLst>
-          </p:cNvPr>
-          <p:cNvSpPr>
-            <a:spLocks noGrp="1"/>
-          </p:cNvSpPr>
-          <p:nvPr>
-            <p:ph type="title"/>
-          </p:nvPr>
-        </p:nvSpPr>
-        <p:spPr/>
-        <p:txBody>
-          <a:bodyPr/>
-          <a:lstStyle/>
-          <a:p>
-            <a:r>
-              <a:rPr lang="en-US" dirty="0"/>
-              <a:t>Introduction to </a:t>
-            </a:r>
-            <a:r>
-              <a:rPr lang="en-US" dirty="0" err="1"/>
-              <a:t>scikit</a:t>
-            </a:r>
-            <a:r>
-              <a:rPr lang="en-US" dirty="0"/>
-              <a:t>-learn (</a:t>
-            </a:r>
-            <a:r>
-              <a:rPr lang="en-US" dirty="0" err="1"/>
-              <a:t>sklearn</a:t>
-            </a:r>
-            <a:r>
-              <a:rPr lang="en-US" dirty="0"/>
-              <a:t>)</a:t>
-            </a:r>
-          </a:p>
-        </p:txBody>
-      </p:sp>
-      <p:sp>
-        <p:nvSpPr>
-          <p:cNvPr id="3" name="Content Placeholder 2">
-            <a:extLst>
-              <a:ext uri="{FF2B5EF4-FFF2-40B4-BE49-F238E27FC236}">
-                <a16:creationId xmlns:a16="http://schemas.microsoft.com/office/drawing/2014/main" id="{86173D8B-4915-C649-B476-2F80425215A9}"/>
-              </a:ext>
-            </a:extLst>
-          </p:cNvPr>
-          <p:cNvSpPr>
-            <a:spLocks noGrp="1"/>
-          </p:cNvSpPr>
-          <p:nvPr>
-            <p:ph idx="1"/>
-          </p:nvPr>
-        </p:nvSpPr>
-        <p:spPr>
-          <a:xfrm>
-            <a:off x="838200" y="2319251"/>
-            <a:ext cx="10515600" cy="2884516"/>
-          </a:xfrm>
-        </p:spPr>
-        <p:txBody>
-          <a:bodyPr/>
-          <a:lstStyle/>
-          <a:p>
-            <a:r>
-              <a:rPr lang="en-US" dirty="0"/>
-              <a:t>Algorithms for supervised and unsupervised learning</a:t>
-            </a:r>
-          </a:p>
-          <a:p>
-            <a:r>
-              <a:rPr lang="en-US" dirty="0"/>
-              <a:t>Built on </a:t>
-            </a:r>
-            <a:r>
-              <a:rPr lang="en-US" dirty="0" err="1"/>
-              <a:t>Scipy</a:t>
-            </a:r>
-            <a:r>
-              <a:rPr lang="en-US" dirty="0"/>
-              <a:t> and </a:t>
-            </a:r>
-            <a:r>
-              <a:rPr lang="en-US" dirty="0" err="1"/>
-              <a:t>Numpy</a:t>
-            </a:r>
-            <a:endParaRPr lang="en-US" dirty="0"/>
-          </a:p>
-          <a:p>
-            <a:r>
-              <a:rPr lang="en-US" dirty="0"/>
-              <a:t>Standard Python API interface</a:t>
-            </a:r>
-          </a:p>
-          <a:p>
-            <a:r>
-              <a:rPr lang="en-US" dirty="0"/>
-              <a:t>Sits on top of c libraries, LAPACK, </a:t>
-            </a:r>
-            <a:r>
-              <a:rPr lang="en-US" dirty="0" err="1"/>
-              <a:t>LibSVM</a:t>
-            </a:r>
-            <a:r>
-              <a:rPr lang="en-US" dirty="0"/>
-              <a:t>, and </a:t>
-            </a:r>
-            <a:r>
-              <a:rPr lang="en-US" dirty="0" err="1"/>
-              <a:t>Cython</a:t>
-            </a:r>
-            <a:endParaRPr lang="en-US" dirty="0"/>
-          </a:p>
-          <a:p>
-            <a:r>
-              <a:rPr lang="en-US" dirty="0"/>
-              <a:t>Open Source</a:t>
-            </a:r>
-          </a:p>
-        </p:txBody>
-      </p:sp>
-      <p:sp>
-        <p:nvSpPr>
-          <p:cNvPr id="4" name="TextBox 3">
-            <a:extLst>
-              <a:ext uri="{FF2B5EF4-FFF2-40B4-BE49-F238E27FC236}">
-                <a16:creationId xmlns:a16="http://schemas.microsoft.com/office/drawing/2014/main" id="{1A3D2406-E1AB-B54A-8541-F589F2BC8293}"/>
-              </a:ext>
-            </a:extLst>
-          </p:cNvPr>
-          <p:cNvSpPr txBox="1"/>
+      <p:pic>
+        <p:nvPicPr>
+          <p:cNvPr id="4" name="Picture 3"/>
+          <p:cNvPicPr>
+            <a:picLocks noChangeAspect="1"/>
+          </p:cNvPicPr>
           <p:nvPr/>
-        </p:nvSpPr>
-        <p:spPr>
-          <a:xfrm>
-            <a:off x="906087" y="1770611"/>
-            <a:ext cx="10183091" cy="369332"/>
+        </p:nvPicPr>
+        <p:blipFill>
+          <a:blip r:embed="rId2"/>
+          <a:stretch>
+            <a:fillRect/>
+          </a:stretch>
+        </p:blipFill>
+        <p:spPr>
+          <a:xfrm>
+            <a:off x="429723" y="2201740"/>
+            <a:ext cx="7991475" cy="3333750"/>
           </a:xfrm>
           <a:prstGeom prst="rect">
             <a:avLst/>
           </a:prstGeom>
-          <a:noFill/>
-        </p:spPr>
-        <p:txBody>
-          <a:bodyPr wrap="square" rtlCol="0">
-            <a:spAutoFit/>
-          </a:bodyPr>
+        </p:spPr>
+      </p:pic>
+      <p:sp>
+        <p:nvSpPr>
+          <p:cNvPr id="5" name="Title 1">
+            <a:extLst>
+              <a:ext uri="{FF2B5EF4-FFF2-40B4-BE49-F238E27FC236}">
+                <a16:creationId xmlns:a16="http://schemas.microsoft.com/office/drawing/2014/main" id="{E9F0B708-4BAF-FB42-8A06-A44ABBA029D1}"/>
+              </a:ext>
+            </a:extLst>
+          </p:cNvPr>
+          <p:cNvSpPr>
+            <a:spLocks noGrp="1"/>
+          </p:cNvSpPr>
+          <p:nvPr>
+            <p:ph type="title"/>
+          </p:nvPr>
+        </p:nvSpPr>
+        <p:spPr>
+          <a:xfrm>
+            <a:off x="530469" y="365125"/>
+            <a:ext cx="10515600" cy="1325563"/>
+          </a:xfrm>
+        </p:spPr>
+        <p:txBody>
+          <a:bodyPr/>
           <a:lstStyle/>
           <a:p>
             <a:r>
               <a:rPr lang="en-US" dirty="0"/>
-              <a:t>Extensions to </a:t>
+              <a:t>Build a decision tree model with </a:t>
             </a:r>
             <a:r>
               <a:rPr lang="en-US" dirty="0" err="1"/>
-              <a:t>Scipy</a:t>
-            </a:r>
-            <a:r>
-              <a:rPr lang="en-US" dirty="0"/>
-              <a:t> (Scientific Python) are called </a:t>
-            </a:r>
-            <a:r>
-              <a:rPr lang="en-US" dirty="0" err="1"/>
-              <a:t>Scikits</a:t>
-            </a:r>
-            <a:r>
-              <a:rPr lang="en-US" dirty="0"/>
-              <a:t>. </a:t>
-            </a:r>
-            <a:r>
-              <a:rPr lang="en-US" dirty="0" err="1"/>
-              <a:t>Scikie</a:t>
-            </a:r>
-            <a:r>
-              <a:rPr lang="en-US" dirty="0"/>
-              <a:t>-learn provides machine learning algorithm.</a:t>
-            </a:r>
-          </a:p>
-        </p:txBody>
-      </p:sp>
-      <p:sp>
-        <p:nvSpPr>
-          <p:cNvPr id="5" name="TextBox 4">
-            <a:extLst>
-              <a:ext uri="{FF2B5EF4-FFF2-40B4-BE49-F238E27FC236}">
-                <a16:creationId xmlns:a16="http://schemas.microsoft.com/office/drawing/2014/main" id="{81F22BFF-A8B4-B14A-AA52-A0BBD0D34035}"/>
-              </a:ext>
-            </a:extLst>
-          </p:cNvPr>
-          <p:cNvSpPr txBox="1"/>
-          <p:nvPr/>
-        </p:nvSpPr>
-        <p:spPr>
-          <a:xfrm>
-            <a:off x="1521229" y="5383075"/>
-            <a:ext cx="7822276" cy="369332"/>
-          </a:xfrm>
-          <a:prstGeom prst="rect">
-            <a:avLst/>
-          </a:prstGeom>
-          <a:noFill/>
-        </p:spPr>
-        <p:txBody>
-          <a:bodyPr wrap="square" rtlCol="0">
-            <a:spAutoFit/>
-          </a:bodyPr>
-          <a:lstStyle/>
-          <a:p>
-            <a:r>
-              <a:rPr lang="en-US" dirty="0"/>
-              <a:t>For more information, you can refer to: </a:t>
-            </a:r>
-            <a:r>
-              <a:rPr lang="en-HK" dirty="0">
-                <a:hlinkClick r:id="rId2"/>
-              </a:rPr>
-              <a:t>https://scikit-learn.org/stable/</a:t>
+              <a:t>sklearn</a:t>
             </a:r>
             <a:endParaRPr lang="en-US" dirty="0"/>
           </a:p>
@@ -4846,7 +5599,7 @@
     </p:spTree>
     <p:extLst>
       <p:ext uri="{BB962C8B-B14F-4D97-AF65-F5344CB8AC3E}">
-        <p14:creationId xmlns:p14="http://schemas.microsoft.com/office/powerpoint/2010/main" val="728513336"/>
+        <p14:creationId xmlns:p14="http://schemas.microsoft.com/office/powerpoint/2010/main" val="2330340809"/>
       </p:ext>
     </p:extLst>
   </p:cSld>
@@ -4875,13 +5628,7 @@
       </p:grpSpPr>
       <p:sp>
         <p:nvSpPr>
-          <p:cNvPr id="2" name="Title 1">
-            <a:extLst>
-              <a:ext uri="{FF2B5EF4-FFF2-40B4-BE49-F238E27FC236}">
-                <a16:creationId xmlns:a16="http://schemas.microsoft.com/office/drawing/2014/main" id="{E9F0B708-4BAF-FB42-8A06-A44ABBA029D1}"/>
-              </a:ext>
-            </a:extLst>
-          </p:cNvPr>
+          <p:cNvPr id="2" name="Title 1"/>
           <p:cNvSpPr>
             <a:spLocks noGrp="1"/>
           </p:cNvSpPr>
@@ -4889,18 +5636,19 @@
             <p:ph type="title"/>
           </p:nvPr>
         </p:nvSpPr>
-        <p:spPr/>
+        <p:spPr>
+          <a:xfrm>
+            <a:off x="716939" y="296495"/>
+            <a:ext cx="10515600" cy="1325563"/>
+          </a:xfrm>
+        </p:spPr>
         <p:txBody>
           <a:bodyPr/>
           <a:lstStyle/>
           <a:p>
             <a:r>
-              <a:rPr lang="en-US" dirty="0"/>
-              <a:t>Build a decision tree model with </a:t>
-            </a:r>
-            <a:r>
-              <a:rPr lang="en-US" dirty="0" err="1"/>
-              <a:t>sklearn</a:t>
+              <a:rPr lang="en-US" dirty="0" smtClean="0"/>
+              <a:t>Visualize Decision Tree</a:t>
             </a:r>
             <a:endParaRPr lang="en-US" dirty="0"/>
           </a:p>
@@ -4908,7 +5656,7 @@
       </p:sp>
       <p:pic>
         <p:nvPicPr>
-          <p:cNvPr id="3" name="Picture 2"/>
+          <p:cNvPr id="4" name="Picture 3"/>
           <p:cNvPicPr>
             <a:picLocks noChangeAspect="1"/>
           </p:cNvPicPr>
@@ -4922,8 +5670,8 @@
         </p:blipFill>
         <p:spPr>
           <a:xfrm>
-            <a:off x="838200" y="1496891"/>
-            <a:ext cx="8772525" cy="2228850"/>
+            <a:off x="655393" y="1622058"/>
+            <a:ext cx="8524875" cy="1724025"/>
           </a:xfrm>
           <a:prstGeom prst="rect">
             <a:avLst/>
@@ -4932,7 +5680,7 @@
       </p:pic>
       <p:pic>
         <p:nvPicPr>
-          <p:cNvPr id="21" name="Picture 20"/>
+          <p:cNvPr id="5" name="Picture 4"/>
           <p:cNvPicPr>
             <a:picLocks noChangeAspect="1"/>
           </p:cNvPicPr>
@@ -4946,8 +5694,8 @@
         </p:blipFill>
         <p:spPr>
           <a:xfrm>
-            <a:off x="903043" y="4244487"/>
-            <a:ext cx="8258175" cy="2105025"/>
+            <a:off x="586154" y="3429000"/>
+            <a:ext cx="8153400" cy="2152650"/>
           </a:xfrm>
           <a:prstGeom prst="rect">
             <a:avLst/>
@@ -4957,7 +5705,7 @@
     </p:spTree>
     <p:extLst>
       <p:ext uri="{BB962C8B-B14F-4D97-AF65-F5344CB8AC3E}">
-        <p14:creationId xmlns:p14="http://schemas.microsoft.com/office/powerpoint/2010/main" val="1728280751"/>
+        <p14:creationId xmlns:p14="http://schemas.microsoft.com/office/powerpoint/2010/main" val="1035253527"/>
       </p:ext>
     </p:extLst>
   </p:cSld>
@@ -5000,8 +5748,8 @@
         </p:blipFill>
         <p:spPr>
           <a:xfrm>
-            <a:off x="429723" y="2201740"/>
-            <a:ext cx="7991475" cy="3333750"/>
+            <a:off x="716939" y="1349497"/>
+            <a:ext cx="8220075" cy="1600200"/>
           </a:xfrm>
           <a:prstGeom prst="rect">
             <a:avLst/>
@@ -5010,13 +5758,7 @@
       </p:pic>
       <p:sp>
         <p:nvSpPr>
-          <p:cNvPr id="5" name="Title 1">
-            <a:extLst>
-              <a:ext uri="{FF2B5EF4-FFF2-40B4-BE49-F238E27FC236}">
-                <a16:creationId xmlns:a16="http://schemas.microsoft.com/office/drawing/2014/main" id="{E9F0B708-4BAF-FB42-8A06-A44ABBA029D1}"/>
-              </a:ext>
-            </a:extLst>
-          </p:cNvPr>
+          <p:cNvPr id="5" name="Title 1"/>
           <p:cNvSpPr>
             <a:spLocks noGrp="1"/>
           </p:cNvSpPr>
@@ -5026,7 +5768,7 @@
         </p:nvSpPr>
         <p:spPr>
           <a:xfrm>
-            <a:off x="530469" y="365125"/>
+            <a:off x="716939" y="296495"/>
             <a:ext cx="10515600" cy="1325563"/>
           </a:xfrm>
         </p:spPr>
@@ -5035,21 +5777,58 @@
           <a:lstStyle/>
           <a:p>
             <a:r>
-              <a:rPr lang="en-US" dirty="0"/>
-              <a:t>Build a decision tree model with </a:t>
-            </a:r>
-            <a:r>
-              <a:rPr lang="en-US" dirty="0" err="1"/>
-              <a:t>sklearn</a:t>
+              <a:rPr lang="en-US" dirty="0" smtClean="0"/>
+              <a:t>Visualize Decision Tree</a:t>
             </a:r>
             <a:endParaRPr lang="en-US" dirty="0"/>
           </a:p>
         </p:txBody>
       </p:sp>
+      <p:pic>
+        <p:nvPicPr>
+          <p:cNvPr id="1026" name="Picture 2" descr="https://lh4.googleusercontent.com/1wQ8E4-xYqaaW42bRb-dZRgkUH_eJO1qi36B7afaUtvn8w7HXybxX95x3raFYgHv2A5t1EuVcGe3C88TOshrUVeIL2oZWnHzfHtY_okmArjnlMFnx0z_u0BzBKpnhKE458d2Qiy-"/>
+          <p:cNvPicPr>
+            <a:picLocks noChangeAspect="1" noChangeArrowheads="1"/>
+          </p:cNvPicPr>
+          <p:nvPr/>
+        </p:nvPicPr>
+        <p:blipFill>
+          <a:blip r:embed="rId3">
+            <a:extLst>
+              <a:ext uri="{28A0092B-C50C-407E-A947-70E740481C1C}">
+                <a14:useLocalDpi xmlns:a14="http://schemas.microsoft.com/office/drawing/2010/main" val="0"/>
+              </a:ext>
+            </a:extLst>
+          </a:blip>
+          <a:srcRect/>
+          <a:stretch>
+            <a:fillRect/>
+          </a:stretch>
+        </p:blipFill>
+        <p:spPr bwMode="auto">
+          <a:xfrm>
+            <a:off x="2459648" y="3154729"/>
+            <a:ext cx="5734050" cy="3314700"/>
+          </a:xfrm>
+          <a:prstGeom prst="rect">
+            <a:avLst/>
+          </a:prstGeom>
+          <a:noFill/>
+          <a:extLst>
+            <a:ext uri="{909E8E84-426E-40DD-AFC4-6F175D3DCCD1}">
+              <a14:hiddenFill xmlns:a14="http://schemas.microsoft.com/office/drawing/2010/main">
+                <a:solidFill>
+                  <a:srgbClr val="FFFFFF"/>
+                </a:solidFill>
+              </a14:hiddenFill>
+            </a:ext>
+          </a:extLst>
+        </p:spPr>
+      </p:pic>
     </p:spTree>
     <p:extLst>
       <p:ext uri="{BB962C8B-B14F-4D97-AF65-F5344CB8AC3E}">
-        <p14:creationId xmlns:p14="http://schemas.microsoft.com/office/powerpoint/2010/main" val="2330340809"/>
+        <p14:creationId xmlns:p14="http://schemas.microsoft.com/office/powerpoint/2010/main" val="2153993820"/>
       </p:ext>
     </p:extLst>
   </p:cSld>
@@ -5086,19 +5865,14 @@
             <p:ph type="title"/>
           </p:nvPr>
         </p:nvSpPr>
-        <p:spPr>
-          <a:xfrm>
-            <a:off x="716939" y="296495"/>
-            <a:ext cx="10515600" cy="1325563"/>
-          </a:xfrm>
-        </p:spPr>
+        <p:spPr/>
         <p:txBody>
           <a:bodyPr/>
           <a:lstStyle/>
           <a:p>
             <a:r>
               <a:rPr lang="en-US" dirty="0" smtClean="0"/>
-              <a:t>Visualize Decision Tree</a:t>
+              <a:t>Implement PCA</a:t>
             </a:r>
             <a:endParaRPr lang="en-US" dirty="0"/>
           </a:p>
@@ -5120,8 +5894,8 @@
         </p:blipFill>
         <p:spPr>
           <a:xfrm>
-            <a:off x="655393" y="1622058"/>
-            <a:ext cx="8524875" cy="1724025"/>
+            <a:off x="838200" y="1395046"/>
+            <a:ext cx="8648700" cy="1676400"/>
           </a:xfrm>
           <a:prstGeom prst="rect">
             <a:avLst/>
@@ -5144,18 +5918,48 @@
         </p:blipFill>
         <p:spPr>
           <a:xfrm>
-            <a:off x="586154" y="3429000"/>
-            <a:ext cx="8153400" cy="2152650"/>
+            <a:off x="838200" y="3186967"/>
+            <a:ext cx="7810500" cy="1828800"/>
           </a:xfrm>
           <a:prstGeom prst="rect">
             <a:avLst/>
           </a:prstGeom>
         </p:spPr>
       </p:pic>
+      <p:sp>
+        <p:nvSpPr>
+          <p:cNvPr id="6" name="TextBox 5"/>
+          <p:cNvSpPr txBox="1"/>
+          <p:nvPr/>
+        </p:nvSpPr>
+        <p:spPr>
+          <a:xfrm>
+            <a:off x="838200" y="5662246"/>
+            <a:ext cx="5835162" cy="369332"/>
+          </a:xfrm>
+          <a:prstGeom prst="rect">
+            <a:avLst/>
+          </a:prstGeom>
+          <a:noFill/>
+        </p:spPr>
+        <p:txBody>
+          <a:bodyPr wrap="square" rtlCol="0">
+            <a:spAutoFit/>
+          </a:bodyPr>
+          <a:lstStyle/>
+          <a:p>
+            <a:r>
+              <a:rPr lang="en-US" dirty="0" smtClean="0"/>
+              <a:t>In tutorial 1,  we also release code to implement PCA.</a:t>
+            </a:r>
+            <a:endParaRPr lang="en-US" dirty="0"/>
+          </a:p>
+        </p:txBody>
+      </p:sp>
     </p:spTree>
     <p:extLst>
       <p:ext uri="{BB962C8B-B14F-4D97-AF65-F5344CB8AC3E}">
-        <p14:creationId xmlns:p14="http://schemas.microsoft.com/office/powerpoint/2010/main" val="1035253527"/>
+        <p14:creationId xmlns:p14="http://schemas.microsoft.com/office/powerpoint/2010/main" val="1955297260"/>
       </p:ext>
     </p:extLst>
   </p:cSld>
@@ -5170,7 +5974,7 @@
   <p:cSld>
     <p:spTree>
       <p:nvGrpSpPr>
-        <p:cNvPr id="1" name=""/>
+        <p:cNvPr id="1" name="Shape 173"/>
         <p:cNvGrpSpPr/>
         <p:nvPr/>
       </p:nvGrpSpPr>
@@ -5182,103 +5986,144 @@
           <a:chExt cx="0" cy="0"/>
         </a:xfrm>
       </p:grpSpPr>
+      <p:sp>
+        <p:nvSpPr>
+          <p:cNvPr id="174" name="Google Shape;174;p32"/>
+          <p:cNvSpPr txBox="1">
+            <a:spLocks noGrp="1"/>
+          </p:cNvSpPr>
+          <p:nvPr>
+            <p:ph type="title"/>
+          </p:nvPr>
+        </p:nvSpPr>
+        <p:spPr>
+          <a:xfrm>
+            <a:off x="247867" y="257933"/>
+            <a:ext cx="11360800" cy="763600"/>
+          </a:xfrm>
+          <a:prstGeom prst="rect">
+            <a:avLst/>
+          </a:prstGeom>
+        </p:spPr>
+        <p:txBody>
+          <a:bodyPr spcFirstLastPara="1" vert="horz" wrap="square" lIns="121900" tIns="121900" rIns="121900" bIns="121900" rtlCol="0" anchor="t" anchorCtr="0">
+            <a:noAutofit/>
+          </a:bodyPr>
+          <a:lstStyle/>
+          <a:p>
+            <a:r>
+              <a:rPr lang="en-US" altLang="zh-CN" sz="2400"/>
+              <a:t>Scatter plot</a:t>
+            </a:r>
+            <a:endParaRPr sz="2400">
+              <a:highlight>
+                <a:srgbClr val="FFFFFF"/>
+              </a:highlight>
+            </a:endParaRPr>
+          </a:p>
+          <a:p>
+            <a:endParaRPr/>
+          </a:p>
+        </p:txBody>
+      </p:sp>
       <p:pic>
         <p:nvPicPr>
-          <p:cNvPr id="4" name="Picture 3"/>
-          <p:cNvPicPr>
-            <a:picLocks noChangeAspect="1"/>
-          </p:cNvPicPr>
+          <p:cNvPr id="175" name="Google Shape;175;p32"/>
+          <p:cNvPicPr preferRelativeResize="0"/>
           <p:nvPr/>
         </p:nvPicPr>
         <p:blipFill>
-          <a:blip r:embed="rId2"/>
+          <a:blip r:embed="rId3">
+            <a:alphaModFix/>
+          </a:blip>
           <a:stretch>
             <a:fillRect/>
           </a:stretch>
         </p:blipFill>
         <p:spPr>
           <a:xfrm>
-            <a:off x="716939" y="1349497"/>
-            <a:ext cx="8220075" cy="1600200"/>
+            <a:off x="7125234" y="946167"/>
+            <a:ext cx="5126300" cy="3827667"/>
           </a:xfrm>
           <a:prstGeom prst="rect">
             <a:avLst/>
           </a:prstGeom>
+          <a:noFill/>
+          <a:ln>
+            <a:noFill/>
+          </a:ln>
         </p:spPr>
       </p:pic>
       <p:sp>
         <p:nvSpPr>
-          <p:cNvPr id="5" name="Title 1"/>
-          <p:cNvSpPr>
-            <a:spLocks noGrp="1"/>
-          </p:cNvSpPr>
-          <p:nvPr>
-            <p:ph type="title"/>
-          </p:nvPr>
-        </p:nvSpPr>
-        <p:spPr>
-          <a:xfrm>
-            <a:off x="716939" y="296495"/>
-            <a:ext cx="10515600" cy="1325563"/>
-          </a:xfrm>
-        </p:spPr>
-        <p:txBody>
-          <a:bodyPr/>
-          <a:lstStyle/>
-          <a:p>
-            <a:r>
-              <a:rPr lang="en-US" dirty="0" smtClean="0"/>
-              <a:t>Visualize Decision Tree</a:t>
-            </a:r>
-            <a:endParaRPr lang="en-US" dirty="0"/>
+          <p:cNvPr id="176" name="Google Shape;176;p32"/>
+          <p:cNvSpPr txBox="1"/>
+          <p:nvPr/>
+        </p:nvSpPr>
+        <p:spPr>
+          <a:xfrm>
+            <a:off x="398149" y="4058000"/>
+            <a:ext cx="5881200" cy="1620400"/>
+          </a:xfrm>
+          <a:prstGeom prst="rect">
+            <a:avLst/>
+          </a:prstGeom>
+          <a:noFill/>
+          <a:ln>
+            <a:noFill/>
+          </a:ln>
+        </p:spPr>
+        <p:txBody>
+          <a:bodyPr spcFirstLastPara="1" wrap="square" lIns="121900" tIns="121900" rIns="121900" bIns="121900" anchor="t" anchorCtr="0">
+            <a:noAutofit/>
+          </a:bodyPr>
+          <a:lstStyle/>
+          <a:p>
+            <a:pPr>
+              <a:lnSpc>
+                <a:spcPct val="115000"/>
+              </a:lnSpc>
+            </a:pPr>
+            <a:r>
+              <a:rPr lang="en-US" altLang="zh-CN" sz="2400"/>
+              <a:t>How to draw a scatter plot with sepal_length for the x-axis and petal_length for the y_axis? </a:t>
+            </a:r>
+            <a:endParaRPr sz="2400"/>
           </a:p>
         </p:txBody>
       </p:sp>
       <p:pic>
         <p:nvPicPr>
-          <p:cNvPr id="1026" name="Picture 2" descr="https://lh4.googleusercontent.com/1wQ8E4-xYqaaW42bRb-dZRgkUH_eJO1qi36B7afaUtvn8w7HXybxX95x3raFYgHv2A5t1EuVcGe3C88TOshrUVeIL2oZWnHzfHtY_okmArjnlMFnx0z_u0BzBKpnhKE458d2Qiy-"/>
-          <p:cNvPicPr>
-            <a:picLocks noChangeAspect="1" noChangeArrowheads="1"/>
-          </p:cNvPicPr>
+          <p:cNvPr id="177" name="Google Shape;177;p32"/>
+          <p:cNvPicPr preferRelativeResize="0"/>
           <p:nvPr/>
         </p:nvPicPr>
         <p:blipFill>
-          <a:blip r:embed="rId3">
-            <a:extLst>
-              <a:ext uri="{28A0092B-C50C-407E-A947-70E740481C1C}">
-                <a14:useLocalDpi xmlns:a14="http://schemas.microsoft.com/office/drawing/2010/main" val="0"/>
-              </a:ext>
-            </a:extLst>
+          <a:blip r:embed="rId4">
+            <a:alphaModFix/>
           </a:blip>
-          <a:srcRect/>
           <a:stretch>
             <a:fillRect/>
           </a:stretch>
         </p:blipFill>
-        <p:spPr bwMode="auto">
-          <a:xfrm>
-            <a:off x="2459648" y="3154729"/>
-            <a:ext cx="5734050" cy="3314700"/>
+        <p:spPr>
+          <a:xfrm>
+            <a:off x="247881" y="946164"/>
+            <a:ext cx="6181767" cy="2631213"/>
           </a:xfrm>
           <a:prstGeom prst="rect">
             <a:avLst/>
           </a:prstGeom>
           <a:noFill/>
-          <a:extLst>
-            <a:ext uri="{909E8E84-426E-40DD-AFC4-6F175D3DCCD1}">
-              <a14:hiddenFill xmlns:a14="http://schemas.microsoft.com/office/drawing/2010/main">
-                <a:solidFill>
-                  <a:srgbClr val="FFFFFF"/>
-                </a:solidFill>
-              </a14:hiddenFill>
-            </a:ext>
-          </a:extLst>
+          <a:ln>
+            <a:noFill/>
+          </a:ln>
         </p:spPr>
       </p:pic>
     </p:spTree>
     <p:extLst>
       <p:ext uri="{BB962C8B-B14F-4D97-AF65-F5344CB8AC3E}">
-        <p14:creationId xmlns:p14="http://schemas.microsoft.com/office/powerpoint/2010/main" val="2153993820"/>
+        <p14:creationId xmlns:p14="http://schemas.microsoft.com/office/powerpoint/2010/main" val="745127010"/>
       </p:ext>
     </p:extLst>
   </p:cSld>
@@ -5293,7 +6138,7 @@
   <p:cSld>
     <p:spTree>
       <p:nvGrpSpPr>
-        <p:cNvPr id="1" name=""/>
+        <p:cNvPr id="1" name="Shape 181"/>
         <p:cNvGrpSpPr/>
         <p:nvPr/>
       </p:nvGrpSpPr>
@@ -5307,109 +6152,240 @@
       </p:grpSpPr>
       <p:sp>
         <p:nvSpPr>
-          <p:cNvPr id="2" name="Title 1"/>
-          <p:cNvSpPr>
+          <p:cNvPr id="182" name="Google Shape;182;p33"/>
+          <p:cNvSpPr txBox="1">
             <a:spLocks noGrp="1"/>
           </p:cNvSpPr>
           <p:nvPr>
             <p:ph type="title"/>
           </p:nvPr>
         </p:nvSpPr>
-        <p:spPr/>
-        <p:txBody>
-          <a:bodyPr/>
-          <a:lstStyle/>
-          <a:p>
-            <a:r>
-              <a:rPr lang="en-US" dirty="0" smtClean="0"/>
-              <a:t>Implement PCA</a:t>
-            </a:r>
-            <a:endParaRPr lang="en-US" dirty="0"/>
+        <p:spPr>
+          <a:xfrm>
+            <a:off x="247867" y="257933"/>
+            <a:ext cx="11360800" cy="763600"/>
+          </a:xfrm>
+          <a:prstGeom prst="rect">
+            <a:avLst/>
+          </a:prstGeom>
+        </p:spPr>
+        <p:txBody>
+          <a:bodyPr spcFirstLastPara="1" vert="horz" wrap="square" lIns="121900" tIns="121900" rIns="121900" bIns="121900" rtlCol="0" anchor="t" anchorCtr="0">
+            <a:noAutofit/>
+          </a:bodyPr>
+          <a:lstStyle/>
+          <a:p>
+            <a:r>
+              <a:rPr lang="en-US" altLang="zh-CN" sz="2400"/>
+              <a:t>Scatter plot</a:t>
+            </a:r>
+            <a:endParaRPr sz="2400">
+              <a:highlight>
+                <a:srgbClr val="FFFFFF"/>
+              </a:highlight>
+            </a:endParaRPr>
+          </a:p>
+          <a:p>
+            <a:endParaRPr/>
           </a:p>
         </p:txBody>
       </p:sp>
       <p:pic>
         <p:nvPicPr>
-          <p:cNvPr id="4" name="Picture 3"/>
-          <p:cNvPicPr>
-            <a:picLocks noChangeAspect="1"/>
-          </p:cNvPicPr>
+          <p:cNvPr id="183" name="Google Shape;183;p33"/>
+          <p:cNvPicPr preferRelativeResize="0"/>
           <p:nvPr/>
         </p:nvPicPr>
         <p:blipFill>
-          <a:blip r:embed="rId2"/>
+          <a:blip r:embed="rId3">
+            <a:alphaModFix/>
+          </a:blip>
           <a:stretch>
             <a:fillRect/>
           </a:stretch>
         </p:blipFill>
         <p:spPr>
           <a:xfrm>
-            <a:off x="838200" y="1395046"/>
-            <a:ext cx="8648700" cy="1676400"/>
+            <a:off x="7125234" y="946167"/>
+            <a:ext cx="5126300" cy="3827667"/>
           </a:xfrm>
           <a:prstGeom prst="rect">
             <a:avLst/>
           </a:prstGeom>
+          <a:noFill/>
+          <a:ln>
+            <a:noFill/>
+          </a:ln>
         </p:spPr>
       </p:pic>
+      <p:sp>
+        <p:nvSpPr>
+          <p:cNvPr id="184" name="Google Shape;184;p33"/>
+          <p:cNvSpPr txBox="1"/>
+          <p:nvPr/>
+        </p:nvSpPr>
+        <p:spPr>
+          <a:xfrm>
+            <a:off x="398149" y="4058000"/>
+            <a:ext cx="5881200" cy="1620400"/>
+          </a:xfrm>
+          <a:prstGeom prst="rect">
+            <a:avLst/>
+          </a:prstGeom>
+          <a:noFill/>
+          <a:ln>
+            <a:noFill/>
+          </a:ln>
+        </p:spPr>
+        <p:txBody>
+          <a:bodyPr spcFirstLastPara="1" wrap="square" lIns="121900" tIns="121900" rIns="121900" bIns="121900" anchor="t" anchorCtr="0">
+            <a:noAutofit/>
+          </a:bodyPr>
+          <a:lstStyle/>
+          <a:p>
+            <a:pPr>
+              <a:lnSpc>
+                <a:spcPct val="115000"/>
+              </a:lnSpc>
+            </a:pPr>
+            <a:r>
+              <a:rPr lang="en-US" altLang="zh-CN" sz="2400"/>
+              <a:t>How to draw a scatter plot with sepal_length for the x-axis and petal_length for the y_axis? </a:t>
+            </a:r>
+            <a:endParaRPr sz="2400"/>
+          </a:p>
+        </p:txBody>
+      </p:sp>
       <p:pic>
         <p:nvPicPr>
-          <p:cNvPr id="5" name="Picture 4"/>
-          <p:cNvPicPr>
-            <a:picLocks noChangeAspect="1"/>
-          </p:cNvPicPr>
+          <p:cNvPr id="185" name="Google Shape;185;p33"/>
+          <p:cNvPicPr preferRelativeResize="0"/>
           <p:nvPr/>
         </p:nvPicPr>
         <p:blipFill>
-          <a:blip r:embed="rId3"/>
+          <a:blip r:embed="rId4">
+            <a:alphaModFix/>
+          </a:blip>
           <a:stretch>
             <a:fillRect/>
           </a:stretch>
         </p:blipFill>
         <p:spPr>
           <a:xfrm>
-            <a:off x="838200" y="3186967"/>
-            <a:ext cx="7810500" cy="1828800"/>
-          </a:xfrm>
-          <a:prstGeom prst="rect">
-            <a:avLst/>
-          </a:prstGeom>
-        </p:spPr>
-      </p:pic>
-      <p:sp>
-        <p:nvSpPr>
-          <p:cNvPr id="6" name="TextBox 5"/>
-          <p:cNvSpPr txBox="1"/>
-          <p:nvPr/>
-        </p:nvSpPr>
-        <p:spPr>
-          <a:xfrm>
-            <a:off x="838200" y="5662246"/>
-            <a:ext cx="5835162" cy="369332"/>
+            <a:off x="247881" y="946164"/>
+            <a:ext cx="6181767" cy="2631213"/>
           </a:xfrm>
           <a:prstGeom prst="rect">
             <a:avLst/>
           </a:prstGeom>
           <a:noFill/>
-        </p:spPr>
-        <p:txBody>
-          <a:bodyPr wrap="square" rtlCol="0">
-            <a:spAutoFit/>
-          </a:bodyPr>
-          <a:lstStyle/>
-          <a:p>
-            <a:r>
-              <a:rPr lang="en-US" dirty="0" smtClean="0"/>
-              <a:t>In tutorial 1,  we also release code to implement PCA.</a:t>
-            </a:r>
-            <a:endParaRPr lang="en-US" dirty="0"/>
-          </a:p>
-        </p:txBody>
-      </p:sp>
+          <a:ln>
+            <a:noFill/>
+          </a:ln>
+        </p:spPr>
+      </p:pic>
     </p:spTree>
     <p:extLst>
       <p:ext uri="{BB962C8B-B14F-4D97-AF65-F5344CB8AC3E}">
-        <p14:creationId xmlns:p14="http://schemas.microsoft.com/office/powerpoint/2010/main" val="1955297260"/>
+        <p14:creationId xmlns:p14="http://schemas.microsoft.com/office/powerpoint/2010/main" val="2864315630"/>
+      </p:ext>
+    </p:extLst>
+  </p:cSld>
+  <p:clrMapOvr>
+    <a:masterClrMapping/>
+  </p:clrMapOvr>
+</p:sld>
+</file>
+
+<file path=ppt/slides/slide19.xml><?xml version="1.0" encoding="utf-8"?>
+<p:sld xmlns:a="http://schemas.openxmlformats.org/drawingml/2006/main" xmlns:r="http://schemas.openxmlformats.org/officeDocument/2006/relationships" xmlns:p="http://schemas.openxmlformats.org/presentationml/2006/main">
+  <p:cSld>
+    <p:spTree>
+      <p:nvGrpSpPr>
+        <p:cNvPr id="1" name="Shape 189"/>
+        <p:cNvGrpSpPr/>
+        <p:nvPr/>
+      </p:nvGrpSpPr>
+      <p:grpSpPr>
+        <a:xfrm>
+          <a:off x="0" y="0"/>
+          <a:ext cx="0" cy="0"/>
+          <a:chOff x="0" y="0"/>
+          <a:chExt cx="0" cy="0"/>
+        </a:xfrm>
+      </p:grpSpPr>
+      <p:sp>
+        <p:nvSpPr>
+          <p:cNvPr id="190" name="Google Shape;190;p34"/>
+          <p:cNvSpPr txBox="1">
+            <a:spLocks noGrp="1"/>
+          </p:cNvSpPr>
+          <p:nvPr>
+            <p:ph type="title"/>
+          </p:nvPr>
+        </p:nvSpPr>
+        <p:spPr>
+          <a:xfrm>
+            <a:off x="235367" y="256933"/>
+            <a:ext cx="11360800" cy="763600"/>
+          </a:xfrm>
+          <a:prstGeom prst="rect">
+            <a:avLst/>
+          </a:prstGeom>
+        </p:spPr>
+        <p:txBody>
+          <a:bodyPr spcFirstLastPara="1" vert="horz" wrap="square" lIns="121900" tIns="121900" rIns="121900" bIns="121900" rtlCol="0" anchor="t" anchorCtr="0">
+            <a:noAutofit/>
+          </a:bodyPr>
+          <a:lstStyle/>
+          <a:p>
+            <a:r>
+              <a:rPr lang="en-US" altLang="zh-CN" sz="2400"/>
+              <a:t>Histogram</a:t>
+            </a:r>
+            <a:endParaRPr sz="2400">
+              <a:highlight>
+                <a:srgbClr val="FFFFFF"/>
+              </a:highlight>
+            </a:endParaRPr>
+          </a:p>
+          <a:p>
+            <a:endParaRPr/>
+          </a:p>
+        </p:txBody>
+      </p:sp>
+      <p:pic>
+        <p:nvPicPr>
+          <p:cNvPr id="191" name="Google Shape;191;p34"/>
+          <p:cNvPicPr preferRelativeResize="0"/>
+          <p:nvPr/>
+        </p:nvPicPr>
+        <p:blipFill>
+          <a:blip r:embed="rId3">
+            <a:alphaModFix/>
+          </a:blip>
+          <a:stretch>
+            <a:fillRect/>
+          </a:stretch>
+        </p:blipFill>
+        <p:spPr>
+          <a:xfrm>
+            <a:off x="487968" y="942901"/>
+            <a:ext cx="10389801" cy="5094633"/>
+          </a:xfrm>
+          <a:prstGeom prst="rect">
+            <a:avLst/>
+          </a:prstGeom>
+          <a:noFill/>
+          <a:ln>
+            <a:noFill/>
+          </a:ln>
+        </p:spPr>
+      </p:pic>
+    </p:spTree>
+    <p:extLst>
+      <p:ext uri="{BB962C8B-B14F-4D97-AF65-F5344CB8AC3E}">
+        <p14:creationId xmlns:p14="http://schemas.microsoft.com/office/powerpoint/2010/main" val="115644689"/>
       </p:ext>
     </p:extLst>
   </p:cSld>
@@ -5641,69 +6617,17 @@
               <a:t> </a:t>
             </a:r>
             <a:r>
-              <a:rPr lang="en-US" altLang="zh-CN" dirty="0" err="1"/>
+              <a:rPr lang="en-US" altLang="zh-CN" dirty="0" err="1" smtClean="0"/>
               <a:t>sklearn</a:t>
             </a:r>
             <a:endParaRPr lang="en-US" altLang="zh-CN" dirty="0"/>
           </a:p>
           <a:p>
             <a:r>
-              <a:rPr lang="en-US" altLang="zh-CN" dirty="0"/>
-              <a:t>U</a:t>
-            </a:r>
-            <a:r>
               <a:rPr lang="en-US" altLang="zh-CN" dirty="0" smtClean="0"/>
-              <a:t>sing</a:t>
-            </a:r>
-            <a:r>
-              <a:rPr lang="zh-CN" altLang="en-US" dirty="0" smtClean="0"/>
-              <a:t> </a:t>
-            </a:r>
-            <a:r>
-              <a:rPr lang="en-US" altLang="zh-CN" dirty="0" err="1"/>
-              <a:t>sklearn</a:t>
-            </a:r>
-            <a:r>
-              <a:rPr lang="zh-CN" altLang="en-US" dirty="0"/>
-              <a:t> </a:t>
-            </a:r>
-            <a:r>
-              <a:rPr lang="en-US" altLang="zh-CN" dirty="0"/>
-              <a:t>to</a:t>
-            </a:r>
-            <a:r>
-              <a:rPr lang="zh-CN" altLang="en-US" dirty="0"/>
-              <a:t> </a:t>
-            </a:r>
-            <a:r>
-              <a:rPr lang="en-US" altLang="zh-CN" dirty="0"/>
-              <a:t>train</a:t>
-            </a:r>
-            <a:r>
-              <a:rPr lang="zh-CN" altLang="en-US" dirty="0"/>
-              <a:t> </a:t>
-            </a:r>
-            <a:r>
-              <a:rPr lang="en-US" altLang="zh-CN" dirty="0"/>
-              <a:t>a</a:t>
-            </a:r>
-            <a:r>
-              <a:rPr lang="zh-CN" altLang="en-US" dirty="0"/>
-              <a:t> </a:t>
-            </a:r>
-            <a:r>
-              <a:rPr lang="en-US" altLang="zh-CN" dirty="0"/>
-              <a:t>decision</a:t>
-            </a:r>
-            <a:r>
-              <a:rPr lang="zh-CN" altLang="en-US" dirty="0"/>
-              <a:t> </a:t>
-            </a:r>
-            <a:r>
-              <a:rPr lang="en-US" altLang="zh-CN" dirty="0"/>
-              <a:t>tree</a:t>
-            </a:r>
-            <a:endParaRPr lang="en-US" dirty="0"/>
+              <a:t>Review various plots</a:t>
+            </a:r>
+            <a:endParaRPr lang="en-US" altLang="zh-CN" dirty="0" smtClean="0"/>
           </a:p>
         </p:txBody>
       </p:sp>
@@ -5711,6 +6635,629 @@
     <p:extLst>
       <p:ext uri="{BB962C8B-B14F-4D97-AF65-F5344CB8AC3E}">
         <p14:creationId xmlns:p14="http://schemas.microsoft.com/office/powerpoint/2010/main" val="10376235"/>
+      </p:ext>
+    </p:extLst>
+  </p:cSld>
+  <p:clrMapOvr>
+    <a:masterClrMapping/>
+  </p:clrMapOvr>
+</p:sld>
+</file>
+
+<file path=ppt/slides/slide20.xml><?xml version="1.0" encoding="utf-8"?>
+<p:sld xmlns:a="http://schemas.openxmlformats.org/drawingml/2006/main" xmlns:r="http://schemas.openxmlformats.org/officeDocument/2006/relationships" xmlns:p="http://schemas.openxmlformats.org/presentationml/2006/main">
+  <p:cSld>
+    <p:spTree>
+      <p:nvGrpSpPr>
+        <p:cNvPr id="1" name="Shape 195"/>
+        <p:cNvGrpSpPr/>
+        <p:nvPr/>
+      </p:nvGrpSpPr>
+      <p:grpSpPr>
+        <a:xfrm>
+          <a:off x="0" y="0"/>
+          <a:ext cx="0" cy="0"/>
+          <a:chOff x="0" y="0"/>
+          <a:chExt cx="0" cy="0"/>
+        </a:xfrm>
+      </p:grpSpPr>
+      <p:sp>
+        <p:nvSpPr>
+          <p:cNvPr id="196" name="Google Shape;196;p35"/>
+          <p:cNvSpPr txBox="1">
+            <a:spLocks noGrp="1"/>
+          </p:cNvSpPr>
+          <p:nvPr>
+            <p:ph type="title"/>
+          </p:nvPr>
+        </p:nvSpPr>
+        <p:spPr>
+          <a:xfrm>
+            <a:off x="254000" y="237867"/>
+            <a:ext cx="11360800" cy="763600"/>
+          </a:xfrm>
+          <a:prstGeom prst="rect">
+            <a:avLst/>
+          </a:prstGeom>
+        </p:spPr>
+        <p:txBody>
+          <a:bodyPr spcFirstLastPara="1" vert="horz" wrap="square" lIns="121900" tIns="121900" rIns="121900" bIns="121900" rtlCol="0" anchor="t" anchorCtr="0">
+            <a:noAutofit/>
+          </a:bodyPr>
+          <a:lstStyle/>
+          <a:p>
+            <a:r>
+              <a:rPr lang="en-US" altLang="zh-CN" sz="2400"/>
+              <a:t>Histogram</a:t>
+            </a:r>
+            <a:endParaRPr sz="2400"/>
+          </a:p>
+        </p:txBody>
+      </p:sp>
+      <p:sp>
+        <p:nvSpPr>
+          <p:cNvPr id="197" name="Google Shape;197;p35"/>
+          <p:cNvSpPr txBox="1">
+            <a:spLocks noGrp="1"/>
+          </p:cNvSpPr>
+          <p:nvPr>
+            <p:ph type="body" idx="1"/>
+          </p:nvPr>
+        </p:nvSpPr>
+        <p:spPr>
+          <a:xfrm>
+            <a:off x="415600" y="2713133"/>
+            <a:ext cx="11360800" cy="4555200"/>
+          </a:xfrm>
+          <a:prstGeom prst="rect">
+            <a:avLst/>
+          </a:prstGeom>
+        </p:spPr>
+        <p:txBody>
+          <a:bodyPr spcFirstLastPara="1" vert="horz" wrap="square" lIns="121900" tIns="121900" rIns="121900" bIns="121900" rtlCol="0" anchor="t" anchorCtr="0">
+            <a:noAutofit/>
+          </a:bodyPr>
+          <a:lstStyle/>
+          <a:p>
+            <a:pPr marL="0" indent="0">
+              <a:lnSpc>
+                <a:spcPct val="100000"/>
+              </a:lnSpc>
+              <a:buNone/>
+            </a:pPr>
+            <a:r>
+              <a:rPr lang="en-US" altLang="zh-CN" sz="1600">
+                <a:solidFill>
+                  <a:srgbClr val="000000"/>
+                </a:solidFill>
+              </a:rPr>
+              <a:t>Function: matplotlib.pyplot.hist  </a:t>
+            </a:r>
+            <a:r>
+              <a:rPr lang="en-US" altLang="zh-CN" sz="1333">
+                <a:solidFill>
+                  <a:schemeClr val="dk1"/>
+                </a:solidFill>
+              </a:rPr>
+              <a:t>More details plz see </a:t>
+            </a:r>
+            <a:r>
+              <a:rPr lang="en-US" altLang="zh-CN" sz="1333" u="sng">
+                <a:solidFill>
+                  <a:schemeClr val="accent5"/>
+                </a:solidFill>
+                <a:hlinkClick r:id="rId3"/>
+              </a:rPr>
+              <a:t>https://matplotlib.org/3.1.1/api/_as_gen/matplotlib.pyplot.hist.html</a:t>
+            </a:r>
+            <a:endParaRPr sz="1600">
+              <a:solidFill>
+                <a:srgbClr val="000000"/>
+              </a:solidFill>
+            </a:endParaRPr>
+          </a:p>
+          <a:p>
+            <a:pPr marL="0" indent="0">
+              <a:lnSpc>
+                <a:spcPct val="100000"/>
+              </a:lnSpc>
+              <a:spcBef>
+                <a:spcPts val="2133"/>
+              </a:spcBef>
+              <a:buNone/>
+            </a:pPr>
+            <a:r>
+              <a:rPr lang="en-US" altLang="zh-CN" sz="1600">
+                <a:solidFill>
+                  <a:srgbClr val="000000"/>
+                </a:solidFill>
+              </a:rPr>
+              <a:t>Change bins? plt.hist(x, bins = 10, color = "green")</a:t>
+            </a:r>
+            <a:endParaRPr sz="1600"/>
+          </a:p>
+          <a:p>
+            <a:pPr marL="0" indent="0">
+              <a:lnSpc>
+                <a:spcPct val="100000"/>
+              </a:lnSpc>
+              <a:spcBef>
+                <a:spcPts val="2133"/>
+              </a:spcBef>
+              <a:buNone/>
+            </a:pPr>
+            <a:endParaRPr sz="1600"/>
+          </a:p>
+          <a:p>
+            <a:pPr marL="0" indent="0">
+              <a:lnSpc>
+                <a:spcPct val="100000"/>
+              </a:lnSpc>
+              <a:spcBef>
+                <a:spcPts val="2133"/>
+              </a:spcBef>
+              <a:buNone/>
+            </a:pPr>
+            <a:endParaRPr sz="1600">
+              <a:solidFill>
+                <a:schemeClr val="dk1"/>
+              </a:solidFill>
+            </a:endParaRPr>
+          </a:p>
+          <a:p>
+            <a:pPr marL="0" indent="0">
+              <a:lnSpc>
+                <a:spcPct val="100000"/>
+              </a:lnSpc>
+              <a:spcBef>
+                <a:spcPts val="2133"/>
+              </a:spcBef>
+              <a:buNone/>
+            </a:pPr>
+            <a:endParaRPr sz="1600">
+              <a:solidFill>
+                <a:schemeClr val="dk1"/>
+              </a:solidFill>
+            </a:endParaRPr>
+          </a:p>
+          <a:p>
+            <a:pPr marL="0" indent="0">
+              <a:lnSpc>
+                <a:spcPct val="100000"/>
+              </a:lnSpc>
+              <a:spcBef>
+                <a:spcPts val="2133"/>
+              </a:spcBef>
+              <a:buNone/>
+            </a:pPr>
+            <a:endParaRPr sz="1600">
+              <a:solidFill>
+                <a:schemeClr val="dk1"/>
+              </a:solidFill>
+            </a:endParaRPr>
+          </a:p>
+          <a:p>
+            <a:pPr marL="0" indent="0">
+              <a:lnSpc>
+                <a:spcPct val="100000"/>
+              </a:lnSpc>
+              <a:spcBef>
+                <a:spcPts val="2133"/>
+              </a:spcBef>
+              <a:buNone/>
+            </a:pPr>
+            <a:endParaRPr sz="1600">
+              <a:solidFill>
+                <a:schemeClr val="dk1"/>
+              </a:solidFill>
+            </a:endParaRPr>
+          </a:p>
+          <a:p>
+            <a:pPr marL="0" indent="0">
+              <a:lnSpc>
+                <a:spcPct val="100000"/>
+              </a:lnSpc>
+              <a:spcBef>
+                <a:spcPts val="2133"/>
+              </a:spcBef>
+              <a:spcAft>
+                <a:spcPts val="2133"/>
+              </a:spcAft>
+              <a:buNone/>
+            </a:pPr>
+            <a:r>
+              <a:rPr lang="en-US" altLang="zh-CN" sz="1600">
+                <a:solidFill>
+                  <a:schemeClr val="dk1"/>
+                </a:solidFill>
+              </a:rPr>
+              <a:t>Try to change other parameters, such as range.</a:t>
+            </a:r>
+            <a:endParaRPr/>
+          </a:p>
+        </p:txBody>
+      </p:sp>
+      <p:pic>
+        <p:nvPicPr>
+          <p:cNvPr id="198" name="Google Shape;198;p35"/>
+          <p:cNvPicPr preferRelativeResize="0"/>
+          <p:nvPr/>
+        </p:nvPicPr>
+        <p:blipFill>
+          <a:blip r:embed="rId4">
+            <a:alphaModFix/>
+          </a:blip>
+          <a:stretch>
+            <a:fillRect/>
+          </a:stretch>
+        </p:blipFill>
+        <p:spPr>
+          <a:xfrm>
+            <a:off x="471451" y="820485"/>
+            <a:ext cx="5651500" cy="1765300"/>
+          </a:xfrm>
+          <a:prstGeom prst="rect">
+            <a:avLst/>
+          </a:prstGeom>
+          <a:noFill/>
+          <a:ln>
+            <a:noFill/>
+          </a:ln>
+        </p:spPr>
+      </p:pic>
+      <p:pic>
+        <p:nvPicPr>
+          <p:cNvPr id="199" name="Google Shape;199;p35"/>
+          <p:cNvPicPr preferRelativeResize="0"/>
+          <p:nvPr/>
+        </p:nvPicPr>
+        <p:blipFill>
+          <a:blip r:embed="rId5">
+            <a:alphaModFix/>
+          </a:blip>
+          <a:stretch>
+            <a:fillRect/>
+          </a:stretch>
+        </p:blipFill>
+        <p:spPr>
+          <a:xfrm>
+            <a:off x="415600" y="3772367"/>
+            <a:ext cx="4239368" cy="2617667"/>
+          </a:xfrm>
+          <a:prstGeom prst="rect">
+            <a:avLst/>
+          </a:prstGeom>
+          <a:noFill/>
+          <a:ln>
+            <a:noFill/>
+          </a:ln>
+        </p:spPr>
+      </p:pic>
+    </p:spTree>
+    <p:extLst>
+      <p:ext uri="{BB962C8B-B14F-4D97-AF65-F5344CB8AC3E}">
+        <p14:creationId xmlns:p14="http://schemas.microsoft.com/office/powerpoint/2010/main" val="2999828091"/>
+      </p:ext>
+    </p:extLst>
+  </p:cSld>
+  <p:clrMapOvr>
+    <a:masterClrMapping/>
+  </p:clrMapOvr>
+</p:sld>
+</file>
+
+<file path=ppt/slides/slide21.xml><?xml version="1.0" encoding="utf-8"?>
+<p:sld xmlns:a="http://schemas.openxmlformats.org/drawingml/2006/main" xmlns:r="http://schemas.openxmlformats.org/officeDocument/2006/relationships" xmlns:p="http://schemas.openxmlformats.org/presentationml/2006/main">
+  <p:cSld>
+    <p:spTree>
+      <p:nvGrpSpPr>
+        <p:cNvPr id="1" name="Shape 203"/>
+        <p:cNvGrpSpPr/>
+        <p:nvPr/>
+      </p:nvGrpSpPr>
+      <p:grpSpPr>
+        <a:xfrm>
+          <a:off x="0" y="0"/>
+          <a:ext cx="0" cy="0"/>
+          <a:chOff x="0" y="0"/>
+          <a:chExt cx="0" cy="0"/>
+        </a:xfrm>
+      </p:grpSpPr>
+      <p:sp>
+        <p:nvSpPr>
+          <p:cNvPr id="204" name="Google Shape;204;p36"/>
+          <p:cNvSpPr txBox="1">
+            <a:spLocks noGrp="1"/>
+          </p:cNvSpPr>
+          <p:nvPr>
+            <p:ph type="title"/>
+          </p:nvPr>
+        </p:nvSpPr>
+        <p:spPr>
+          <a:xfrm>
+            <a:off x="286300" y="257267"/>
+            <a:ext cx="11360800" cy="763600"/>
+          </a:xfrm>
+          <a:prstGeom prst="rect">
+            <a:avLst/>
+          </a:prstGeom>
+        </p:spPr>
+        <p:txBody>
+          <a:bodyPr spcFirstLastPara="1" vert="horz" wrap="square" lIns="121900" tIns="121900" rIns="121900" bIns="121900" rtlCol="0" anchor="t" anchorCtr="0">
+            <a:noAutofit/>
+          </a:bodyPr>
+          <a:lstStyle/>
+          <a:p>
+            <a:r>
+              <a:rPr lang="en-US" altLang="zh-CN" sz="2400"/>
+              <a:t>Line Chart</a:t>
+            </a:r>
+            <a:endParaRPr sz="2400"/>
+          </a:p>
+        </p:txBody>
+      </p:sp>
+      <p:pic>
+        <p:nvPicPr>
+          <p:cNvPr id="205" name="Google Shape;205;p36"/>
+          <p:cNvPicPr preferRelativeResize="0"/>
+          <p:nvPr/>
+        </p:nvPicPr>
+        <p:blipFill>
+          <a:blip r:embed="rId3">
+            <a:alphaModFix/>
+          </a:blip>
+          <a:stretch>
+            <a:fillRect/>
+          </a:stretch>
+        </p:blipFill>
+        <p:spPr>
+          <a:xfrm>
+            <a:off x="6360300" y="1278267"/>
+            <a:ext cx="5453000" cy="4110933"/>
+          </a:xfrm>
+          <a:prstGeom prst="rect">
+            <a:avLst/>
+          </a:prstGeom>
+          <a:noFill/>
+          <a:ln>
+            <a:noFill/>
+          </a:ln>
+        </p:spPr>
+      </p:pic>
+      <p:pic>
+        <p:nvPicPr>
+          <p:cNvPr id="206" name="Google Shape;206;p36"/>
+          <p:cNvPicPr preferRelativeResize="0"/>
+          <p:nvPr/>
+        </p:nvPicPr>
+        <p:blipFill>
+          <a:blip r:embed="rId4">
+            <a:alphaModFix/>
+          </a:blip>
+          <a:stretch>
+            <a:fillRect/>
+          </a:stretch>
+        </p:blipFill>
+        <p:spPr>
+          <a:xfrm>
+            <a:off x="286301" y="1278267"/>
+            <a:ext cx="5196289" cy="2150733"/>
+          </a:xfrm>
+          <a:prstGeom prst="rect">
+            <a:avLst/>
+          </a:prstGeom>
+          <a:noFill/>
+          <a:ln>
+            <a:noFill/>
+          </a:ln>
+        </p:spPr>
+      </p:pic>
+      <p:sp>
+        <p:nvSpPr>
+          <p:cNvPr id="207" name="Google Shape;207;p36"/>
+          <p:cNvSpPr txBox="1"/>
+          <p:nvPr/>
+        </p:nvSpPr>
+        <p:spPr>
+          <a:xfrm>
+            <a:off x="286316" y="3948333"/>
+            <a:ext cx="5881200" cy="1620400"/>
+          </a:xfrm>
+          <a:prstGeom prst="rect">
+            <a:avLst/>
+          </a:prstGeom>
+          <a:noFill/>
+          <a:ln>
+            <a:noFill/>
+          </a:ln>
+        </p:spPr>
+        <p:txBody>
+          <a:bodyPr spcFirstLastPara="1" wrap="square" lIns="121900" tIns="121900" rIns="121900" bIns="121900" anchor="t" anchorCtr="0">
+            <a:noAutofit/>
+          </a:bodyPr>
+          <a:lstStyle/>
+          <a:p>
+            <a:pPr>
+              <a:lnSpc>
+                <a:spcPct val="115000"/>
+              </a:lnSpc>
+            </a:pPr>
+            <a:r>
+              <a:rPr lang="en-US" altLang="zh-CN" sz="2400"/>
+              <a:t>How to draw a Line Chart if we only want to plot sepal_length and sepal_width?</a:t>
+            </a:r>
+            <a:endParaRPr sz="2400"/>
+          </a:p>
+        </p:txBody>
+      </p:sp>
+    </p:spTree>
+    <p:extLst>
+      <p:ext uri="{BB962C8B-B14F-4D97-AF65-F5344CB8AC3E}">
+        <p14:creationId xmlns:p14="http://schemas.microsoft.com/office/powerpoint/2010/main" val="2834856532"/>
+      </p:ext>
+    </p:extLst>
+  </p:cSld>
+  <p:clrMapOvr>
+    <a:masterClrMapping/>
+  </p:clrMapOvr>
+</p:sld>
+</file>
+
+<file path=ppt/slides/slide22.xml><?xml version="1.0" encoding="utf-8"?>
+<p:sld xmlns:a="http://schemas.openxmlformats.org/drawingml/2006/main" xmlns:r="http://schemas.openxmlformats.org/officeDocument/2006/relationships" xmlns:p="http://schemas.openxmlformats.org/presentationml/2006/main">
+  <p:cSld>
+    <p:spTree>
+      <p:nvGrpSpPr>
+        <p:cNvPr id="1" name="Shape 211"/>
+        <p:cNvGrpSpPr/>
+        <p:nvPr/>
+      </p:nvGrpSpPr>
+      <p:grpSpPr>
+        <a:xfrm>
+          <a:off x="0" y="0"/>
+          <a:ext cx="0" cy="0"/>
+          <a:chOff x="0" y="0"/>
+          <a:chExt cx="0" cy="0"/>
+        </a:xfrm>
+      </p:grpSpPr>
+      <p:sp>
+        <p:nvSpPr>
+          <p:cNvPr id="212" name="Google Shape;212;p37"/>
+          <p:cNvSpPr txBox="1">
+            <a:spLocks noGrp="1"/>
+          </p:cNvSpPr>
+          <p:nvPr>
+            <p:ph type="title"/>
+          </p:nvPr>
+        </p:nvSpPr>
+        <p:spPr>
+          <a:xfrm>
+            <a:off x="235433" y="237600"/>
+            <a:ext cx="11360800" cy="763600"/>
+          </a:xfrm>
+          <a:prstGeom prst="rect">
+            <a:avLst/>
+          </a:prstGeom>
+        </p:spPr>
+        <p:txBody>
+          <a:bodyPr spcFirstLastPara="1" vert="horz" wrap="square" lIns="121900" tIns="121900" rIns="121900" bIns="121900" rtlCol="0" anchor="t" anchorCtr="0">
+            <a:noAutofit/>
+          </a:bodyPr>
+          <a:lstStyle/>
+          <a:p>
+            <a:r>
+              <a:rPr lang="en-US" altLang="zh-CN" sz="2400"/>
+              <a:t>Box Plot</a:t>
+            </a:r>
+            <a:endParaRPr sz="2400">
+              <a:highlight>
+                <a:srgbClr val="FFFFFF"/>
+              </a:highlight>
+            </a:endParaRPr>
+          </a:p>
+          <a:p>
+            <a:endParaRPr/>
+          </a:p>
+        </p:txBody>
+      </p:sp>
+      <p:pic>
+        <p:nvPicPr>
+          <p:cNvPr id="213" name="Google Shape;213;p37"/>
+          <p:cNvPicPr preferRelativeResize="0"/>
+          <p:nvPr/>
+        </p:nvPicPr>
+        <p:blipFill>
+          <a:blip r:embed="rId3">
+            <a:alphaModFix/>
+          </a:blip>
+          <a:stretch>
+            <a:fillRect/>
+          </a:stretch>
+        </p:blipFill>
+        <p:spPr>
+          <a:xfrm>
+            <a:off x="6424934" y="1056534"/>
+            <a:ext cx="5237565" cy="3960933"/>
+          </a:xfrm>
+          <a:prstGeom prst="rect">
+            <a:avLst/>
+          </a:prstGeom>
+          <a:noFill/>
+          <a:ln>
+            <a:noFill/>
+          </a:ln>
+        </p:spPr>
+      </p:pic>
+      <p:pic>
+        <p:nvPicPr>
+          <p:cNvPr id="214" name="Google Shape;214;p37"/>
+          <p:cNvPicPr preferRelativeResize="0"/>
+          <p:nvPr/>
+        </p:nvPicPr>
+        <p:blipFill>
+          <a:blip r:embed="rId4">
+            <a:alphaModFix/>
+          </a:blip>
+          <a:stretch>
+            <a:fillRect/>
+          </a:stretch>
+        </p:blipFill>
+        <p:spPr>
+          <a:xfrm>
+            <a:off x="297733" y="1056532"/>
+            <a:ext cx="5358000" cy="1583033"/>
+          </a:xfrm>
+          <a:prstGeom prst="rect">
+            <a:avLst/>
+          </a:prstGeom>
+          <a:noFill/>
+          <a:ln>
+            <a:noFill/>
+          </a:ln>
+        </p:spPr>
+      </p:pic>
+      <p:sp>
+        <p:nvSpPr>
+          <p:cNvPr id="215" name="Google Shape;215;p37"/>
+          <p:cNvSpPr txBox="1"/>
+          <p:nvPr/>
+        </p:nvSpPr>
+        <p:spPr>
+          <a:xfrm>
+            <a:off x="297749" y="3397067"/>
+            <a:ext cx="5881200" cy="1620400"/>
+          </a:xfrm>
+          <a:prstGeom prst="rect">
+            <a:avLst/>
+          </a:prstGeom>
+          <a:noFill/>
+          <a:ln>
+            <a:noFill/>
+          </a:ln>
+        </p:spPr>
+        <p:txBody>
+          <a:bodyPr spcFirstLastPara="1" wrap="square" lIns="121900" tIns="121900" rIns="121900" bIns="121900" anchor="t" anchorCtr="0">
+            <a:noAutofit/>
+          </a:bodyPr>
+          <a:lstStyle/>
+          <a:p>
+            <a:pPr>
+              <a:lnSpc>
+                <a:spcPct val="115000"/>
+              </a:lnSpc>
+            </a:pPr>
+            <a:r>
+              <a:rPr lang="en-US" altLang="zh-CN" sz="2400"/>
+              <a:t>Same question as Line Chart. if we only want to include sepal_length and sepal_width?</a:t>
+            </a:r>
+            <a:endParaRPr sz="2400"/>
+          </a:p>
+        </p:txBody>
+      </p:sp>
+    </p:spTree>
+    <p:extLst>
+      <p:ext uri="{BB962C8B-B14F-4D97-AF65-F5344CB8AC3E}">
+        <p14:creationId xmlns:p14="http://schemas.microsoft.com/office/powerpoint/2010/main" val="2165988070"/>
       </p:ext>
     </p:extLst>
   </p:cSld>
@@ -6288,7 +7835,7 @@
           <p:cNvPr id="2" name="Title 1">
             <a:extLst>
               <a:ext uri="{FF2B5EF4-FFF2-40B4-BE49-F238E27FC236}">
-                <a16:creationId xmlns:a16="http://schemas.microsoft.com/office/drawing/2014/main" id="{BE8C5F04-FBF2-1147-BF68-9250F0202572}"/>
+                <a16:creationId xmlns:a16="http://schemas.microsoft.com/office/drawing/2014/main" id="{9BD18353-7F33-3F48-AD34-B0835C678EE9}"/>
               </a:ext>
             </a:extLst>
           </p:cNvPr>
@@ -6305,10 +7852,9 @@
           <a:lstStyle/>
           <a:p>
             <a:r>
-              <a:rPr lang="en-US" altLang="zh-CN" dirty="0"/>
-              <a:t>Preparation</a:t>
-            </a:r>
-            <a:endParaRPr lang="en-US" dirty="0"/>
+              <a:rPr lang="en-US" dirty="0"/>
+              <a:t>Experiment setup</a:t>
+            </a:r>
           </a:p>
         </p:txBody>
       </p:sp>
@@ -6317,7 +7863,7 @@
           <p:cNvPr id="3" name="Content Placeholder 2">
             <a:extLst>
               <a:ext uri="{FF2B5EF4-FFF2-40B4-BE49-F238E27FC236}">
-                <a16:creationId xmlns:a16="http://schemas.microsoft.com/office/drawing/2014/main" id="{8591CC0B-1339-A542-A40C-ECE4B6A049A2}"/>
+                <a16:creationId xmlns:a16="http://schemas.microsoft.com/office/drawing/2014/main" id="{309C19B6-E8D0-774E-91C1-9D1D91098BBB}"/>
               </a:ext>
             </a:extLst>
           </p:cNvPr>
@@ -6328,156 +7874,77 @@
             <p:ph idx="1"/>
           </p:nvPr>
         </p:nvSpPr>
-        <p:spPr/>
-        <p:txBody>
-          <a:bodyPr/>
-          <a:lstStyle/>
-          <a:p>
-            <a:r>
-              <a:rPr lang="en-US" altLang="zh-CN" dirty="0" err="1"/>
-              <a:t>Ssh</a:t>
-            </a:r>
-            <a:r>
-              <a:rPr lang="zh-CN" altLang="en-US" dirty="0"/>
-              <a:t> </a:t>
-            </a:r>
-            <a:r>
-              <a:rPr lang="en-US" altLang="zh-CN" dirty="0"/>
-              <a:t>to</a:t>
-            </a:r>
-            <a:r>
-              <a:rPr lang="zh-CN" altLang="en-US" dirty="0"/>
-              <a:t> </a:t>
-            </a:r>
-            <a:r>
-              <a:rPr lang="en-US" altLang="zh-CN" dirty="0"/>
-              <a:t>the</a:t>
-            </a:r>
-            <a:r>
-              <a:rPr lang="zh-CN" altLang="en-US" dirty="0"/>
-              <a:t> </a:t>
-            </a:r>
-            <a:r>
-              <a:rPr lang="en-US" altLang="zh-CN" dirty="0"/>
-              <a:t>server</a:t>
-            </a:r>
-          </a:p>
-          <a:p>
-            <a:r>
-              <a:rPr lang="en-US" altLang="zh-CN" dirty="0"/>
-              <a:t>Create</a:t>
-            </a:r>
-            <a:r>
-              <a:rPr lang="zh-CN" altLang="en-US" dirty="0"/>
-              <a:t> </a:t>
-            </a:r>
-            <a:r>
-              <a:rPr lang="en-US" altLang="zh-CN" dirty="0"/>
-              <a:t>the</a:t>
-            </a:r>
-            <a:r>
-              <a:rPr lang="zh-CN" altLang="en-US" dirty="0"/>
-              <a:t> </a:t>
-            </a:r>
-            <a:r>
-              <a:rPr lang="en-US" altLang="zh-CN" dirty="0"/>
-              <a:t>folder</a:t>
-            </a:r>
-            <a:r>
-              <a:rPr lang="zh-CN" altLang="en-US" dirty="0"/>
-              <a:t> </a:t>
-            </a:r>
-            <a:r>
-              <a:rPr lang="en-US" altLang="zh-CN" dirty="0"/>
-              <a:t>for</a:t>
-            </a:r>
-            <a:r>
-              <a:rPr lang="zh-CN" altLang="en-US" dirty="0"/>
-              <a:t> </a:t>
-            </a:r>
-            <a:r>
-              <a:rPr lang="en-US" altLang="zh-CN" dirty="0"/>
-              <a:t>this</a:t>
-            </a:r>
-            <a:r>
-              <a:rPr lang="zh-CN" altLang="en-US" dirty="0"/>
-              <a:t> </a:t>
-            </a:r>
-            <a:r>
-              <a:rPr lang="en-US" altLang="zh-CN" dirty="0"/>
-              <a:t>tut:</a:t>
-            </a:r>
-            <a:r>
-              <a:rPr lang="zh-CN" altLang="en-US" dirty="0"/>
-              <a:t> </a:t>
-            </a:r>
-            <a:r>
-              <a:rPr lang="en-US" altLang="zh-CN" dirty="0"/>
-              <a:t>(1)</a:t>
-            </a:r>
-            <a:r>
-              <a:rPr lang="zh-CN" altLang="en-US" dirty="0"/>
-              <a:t> </a:t>
-            </a:r>
-            <a:r>
-              <a:rPr lang="en-US" altLang="zh-CN" dirty="0" err="1"/>
-              <a:t>mkdir</a:t>
-            </a:r>
-            <a:r>
-              <a:rPr lang="zh-CN" altLang="en-US" dirty="0"/>
-              <a:t> </a:t>
-            </a:r>
-            <a:r>
-              <a:rPr lang="en-US" altLang="zh-CN" dirty="0"/>
-              <a:t>comp4331;</a:t>
-            </a:r>
-            <a:r>
-              <a:rPr lang="zh-CN" altLang="en-US" dirty="0"/>
-              <a:t> </a:t>
-            </a:r>
-            <a:r>
-              <a:rPr lang="en-US" altLang="zh-CN" dirty="0"/>
-              <a:t>(2)</a:t>
-            </a:r>
-            <a:r>
-              <a:rPr lang="zh-CN" altLang="en-US" dirty="0"/>
-              <a:t> </a:t>
-            </a:r>
-            <a:r>
-              <a:rPr lang="en-US" altLang="zh-CN" dirty="0"/>
-              <a:t>cd</a:t>
-            </a:r>
-            <a:r>
-              <a:rPr lang="zh-CN" altLang="en-US" dirty="0"/>
-              <a:t> </a:t>
-            </a:r>
-            <a:r>
-              <a:rPr lang="en-US" altLang="zh-CN" dirty="0"/>
-              <a:t>comp4311;</a:t>
-            </a:r>
-            <a:r>
-              <a:rPr lang="zh-CN" altLang="en-US" dirty="0"/>
-              <a:t> </a:t>
-            </a:r>
-            <a:r>
-              <a:rPr lang="en-US" altLang="zh-CN" dirty="0"/>
-              <a:t>(3)</a:t>
-            </a:r>
-            <a:r>
-              <a:rPr lang="zh-CN" altLang="en-US" dirty="0"/>
-              <a:t> </a:t>
-            </a:r>
-            <a:r>
-              <a:rPr lang="en-US" altLang="zh-CN" dirty="0" err="1"/>
-              <a:t>mkdir</a:t>
-            </a:r>
-            <a:r>
-              <a:rPr lang="zh-CN" altLang="en-US" dirty="0"/>
-              <a:t> </a:t>
-            </a:r>
-            <a:r>
-              <a:rPr lang="en-US" altLang="zh-CN" dirty="0"/>
-              <a:t>tut3.</a:t>
+        <p:spPr>
+          <a:xfrm>
+            <a:off x="838200" y="1825625"/>
+            <a:ext cx="10515600" cy="4209415"/>
+          </a:xfrm>
+        </p:spPr>
+        <p:txBody>
+          <a:bodyPr>
+            <a:normAutofit/>
+          </a:bodyPr>
+          <a:lstStyle/>
+          <a:p>
+            <a:r>
+              <a:rPr lang="en-US" dirty="0"/>
+              <a:t>Start the </a:t>
+            </a:r>
+            <a:r>
+              <a:rPr lang="en-US" dirty="0" err="1"/>
+              <a:t>Jupyter</a:t>
+            </a:r>
+            <a:r>
+              <a:rPr lang="en-US" dirty="0"/>
+              <a:t> Notebook (</a:t>
+            </a:r>
+            <a:r>
+              <a:rPr lang="en-US" dirty="0" err="1"/>
+              <a:t>jupyter</a:t>
+            </a:r>
+            <a:r>
+              <a:rPr lang="en-US" dirty="0"/>
+              <a:t> notebook)</a:t>
+            </a:r>
+          </a:p>
+          <a:p>
+            <a:r>
+              <a:rPr lang="en-US" dirty="0"/>
+              <a:t>Connect to it via your notebook via your browser.</a:t>
+            </a:r>
+          </a:p>
+          <a:p>
+            <a:r>
+              <a:rPr lang="en-US" dirty="0"/>
+              <a:t>Create a new </a:t>
+            </a:r>
+            <a:r>
+              <a:rPr lang="en-US" dirty="0" err="1"/>
+              <a:t>ipynb</a:t>
+            </a:r>
+            <a:r>
+              <a:rPr lang="en-US" dirty="0"/>
+              <a:t> file (click ‘new’ button)</a:t>
+            </a:r>
+          </a:p>
+          <a:p>
+            <a:r>
+              <a:rPr lang="en-US" dirty="0"/>
+              <a:t>In the first box, copy and paste all the codes in next slides to load used packages</a:t>
+            </a:r>
+          </a:p>
+          <a:p>
+            <a:r>
+              <a:rPr lang="en-US" dirty="0"/>
+              <a:t>Press </a:t>
+            </a:r>
+            <a:r>
+              <a:rPr lang="en-US" dirty="0" err="1"/>
+              <a:t>shift+enter</a:t>
+            </a:r>
+            <a:r>
+              <a:rPr lang="en-US" dirty="0"/>
+              <a:t> to execute this box. (PS: you may get error saying that you cannot find a package, please install it in your server with “pip install [package name]”)</a:t>
             </a:r>
           </a:p>
           <a:p>
@@ -6488,7 +7955,7 @@
     </p:spTree>
     <p:extLst>
       <p:ext uri="{BB962C8B-B14F-4D97-AF65-F5344CB8AC3E}">
-        <p14:creationId xmlns:p14="http://schemas.microsoft.com/office/powerpoint/2010/main" val="3110117519"/>
+        <p14:creationId xmlns:p14="http://schemas.microsoft.com/office/powerpoint/2010/main" val="708638952"/>
       </p:ext>
     </p:extLst>
   </p:cSld>
@@ -6520,7 +7987,7 @@
           <p:cNvPr id="2" name="Title 1">
             <a:extLst>
               <a:ext uri="{FF2B5EF4-FFF2-40B4-BE49-F238E27FC236}">
-                <a16:creationId xmlns:a16="http://schemas.microsoft.com/office/drawing/2014/main" id="{5A5184A4-5303-134B-BD03-1F91086CC975}"/>
+                <a16:creationId xmlns:a16="http://schemas.microsoft.com/office/drawing/2014/main" id="{F8868588-A2DC-CE4A-BBB7-70015616BE26}"/>
               </a:ext>
             </a:extLst>
           </p:cNvPr>
@@ -6537,650 +8004,181 @@
           <a:lstStyle/>
           <a:p>
             <a:r>
-              <a:rPr lang="en-US" altLang="zh-CN" dirty="0"/>
-              <a:t>Download</a:t>
-            </a:r>
-            <a:r>
-              <a:rPr lang="zh-CN" altLang="en-US" dirty="0"/>
-              <a:t> </a:t>
-            </a:r>
-            <a:r>
-              <a:rPr lang="en-US" altLang="zh-CN" dirty="0"/>
-              <a:t>the</a:t>
-            </a:r>
-            <a:r>
-              <a:rPr lang="zh-CN" altLang="en-US" dirty="0"/>
-              <a:t> </a:t>
-            </a:r>
-            <a:r>
-              <a:rPr lang="en-US" altLang="zh-CN" dirty="0"/>
-              <a:t>dataset</a:t>
+              <a:rPr lang="en-US" dirty="0"/>
+              <a:t>Experiment setup</a:t>
+            </a:r>
+          </a:p>
+        </p:txBody>
+      </p:sp>
+      <p:sp>
+        <p:nvSpPr>
+          <p:cNvPr id="4" name="TextBox 3">
+            <a:extLst>
+              <a:ext uri="{FF2B5EF4-FFF2-40B4-BE49-F238E27FC236}">
+                <a16:creationId xmlns:a16="http://schemas.microsoft.com/office/drawing/2014/main" id="{2E8452A4-CBDA-0040-9540-B55ED2833D67}"/>
+              </a:ext>
+            </a:extLst>
+          </p:cNvPr>
+          <p:cNvSpPr txBox="1"/>
+          <p:nvPr/>
+        </p:nvSpPr>
+        <p:spPr>
+          <a:xfrm>
+            <a:off x="1080654" y="1529542"/>
+            <a:ext cx="8478981" cy="2585323"/>
+          </a:xfrm>
+          <a:prstGeom prst="rect">
+            <a:avLst/>
+          </a:prstGeom>
+          <a:noFill/>
+        </p:spPr>
+        <p:txBody>
+          <a:bodyPr wrap="square" rtlCol="0">
+            <a:spAutoFit/>
+          </a:bodyPr>
+          <a:lstStyle/>
+          <a:p>
+            <a:r>
+              <a:rPr lang="en-US" dirty="0"/>
+              <a:t>import </a:t>
+            </a:r>
+            <a:r>
+              <a:rPr lang="en-US" dirty="0" err="1"/>
+              <a:t>numpy</a:t>
+            </a:r>
+            <a:r>
+              <a:rPr lang="en-US" dirty="0"/>
+              <a:t> as np</a:t>
+            </a:r>
+          </a:p>
+          <a:p>
+            <a:r>
+              <a:rPr lang="en-US" dirty="0"/>
+              <a:t>import pandas as </a:t>
+            </a:r>
+            <a:r>
+              <a:rPr lang="en-US" dirty="0" err="1"/>
+              <a:t>pd</a:t>
             </a:r>
             <a:endParaRPr lang="en-US" dirty="0"/>
           </a:p>
-        </p:txBody>
-      </p:sp>
-      <p:sp>
-        <p:nvSpPr>
-          <p:cNvPr id="3" name="Content Placeholder 2">
-            <a:extLst>
-              <a:ext uri="{FF2B5EF4-FFF2-40B4-BE49-F238E27FC236}">
-                <a16:creationId xmlns:a16="http://schemas.microsoft.com/office/drawing/2014/main" id="{0FBF3827-93A2-B744-9978-6515FB0E1E52}"/>
-              </a:ext>
-            </a:extLst>
-          </p:cNvPr>
-          <p:cNvSpPr>
-            <a:spLocks noGrp="1"/>
-          </p:cNvSpPr>
-          <p:nvPr>
-            <p:ph idx="1"/>
-          </p:nvPr>
-        </p:nvSpPr>
-        <p:spPr/>
-        <p:txBody>
-          <a:bodyPr>
-            <a:normAutofit/>
-          </a:bodyPr>
-          <a:lstStyle/>
-          <a:p>
-            <a:r>
-              <a:rPr lang="en-US" altLang="zh-CN" dirty="0"/>
-              <a:t>Download</a:t>
-            </a:r>
-            <a:r>
-              <a:rPr lang="zh-CN" altLang="en-US" dirty="0"/>
-              <a:t> </a:t>
-            </a:r>
-            <a:r>
-              <a:rPr lang="en-US" altLang="zh-CN" dirty="0"/>
-              <a:t>the</a:t>
-            </a:r>
-            <a:r>
-              <a:rPr lang="zh-CN" altLang="en-US" dirty="0"/>
-              <a:t> </a:t>
-            </a:r>
-            <a:r>
-              <a:rPr lang="en-US" altLang="zh-CN" dirty="0"/>
-              <a:t>datasets</a:t>
-            </a:r>
-            <a:r>
-              <a:rPr lang="zh-CN" altLang="en-US" dirty="0"/>
-              <a:t> </a:t>
-            </a:r>
-            <a:r>
-              <a:rPr lang="en-US" altLang="zh-CN" dirty="0"/>
-              <a:t>(</a:t>
-            </a:r>
-            <a:r>
-              <a:rPr lang="en-US" altLang="zh-CN" dirty="0" err="1"/>
-              <a:t>train.csv</a:t>
-            </a:r>
-            <a:r>
-              <a:rPr lang="zh-CN" altLang="en-US" dirty="0"/>
-              <a:t> </a:t>
-            </a:r>
-            <a:r>
-              <a:rPr lang="en-US" altLang="zh-CN" dirty="0"/>
-              <a:t>and</a:t>
-            </a:r>
-            <a:r>
-              <a:rPr lang="zh-CN" altLang="en-US" dirty="0"/>
-              <a:t> </a:t>
-            </a:r>
-            <a:r>
-              <a:rPr lang="en-US" altLang="zh-CN" dirty="0" err="1"/>
-              <a:t>test.csv</a:t>
-            </a:r>
-            <a:r>
-              <a:rPr lang="en-US" altLang="zh-CN" dirty="0"/>
-              <a:t>)</a:t>
-            </a:r>
-            <a:r>
-              <a:rPr lang="zh-CN" altLang="en-US" dirty="0"/>
-              <a:t> </a:t>
-            </a:r>
-            <a:r>
-              <a:rPr lang="en-US" altLang="zh-CN" dirty="0"/>
-              <a:t>and</a:t>
-            </a:r>
-            <a:r>
-              <a:rPr lang="zh-CN" altLang="en-US" dirty="0"/>
-              <a:t> </a:t>
-            </a:r>
-            <a:r>
-              <a:rPr lang="en-US" altLang="zh-CN" dirty="0"/>
-              <a:t>save</a:t>
-            </a:r>
-            <a:r>
-              <a:rPr lang="zh-CN" altLang="en-US" dirty="0"/>
-              <a:t> </a:t>
-            </a:r>
-            <a:r>
-              <a:rPr lang="en-US" altLang="zh-CN" dirty="0"/>
-              <a:t>them</a:t>
-            </a:r>
-            <a:r>
-              <a:rPr lang="zh-CN" altLang="en-US" dirty="0"/>
-              <a:t> </a:t>
-            </a:r>
-            <a:r>
-              <a:rPr lang="en-US" altLang="zh-CN" dirty="0"/>
-              <a:t>to</a:t>
-            </a:r>
-            <a:r>
-              <a:rPr lang="zh-CN" altLang="en-US" dirty="0"/>
-              <a:t> </a:t>
-            </a:r>
-            <a:r>
-              <a:rPr lang="en-US" altLang="zh-CN" dirty="0"/>
-              <a:t>the</a:t>
-            </a:r>
-            <a:r>
-              <a:rPr lang="zh-CN" altLang="en-US" dirty="0"/>
-              <a:t> </a:t>
-            </a:r>
-            <a:r>
-              <a:rPr lang="en-US" altLang="zh-CN" dirty="0"/>
-              <a:t>same</a:t>
-            </a:r>
-            <a:r>
-              <a:rPr lang="zh-CN" altLang="en-US" dirty="0"/>
-              <a:t> </a:t>
-            </a:r>
-            <a:r>
-              <a:rPr lang="en-US" altLang="zh-CN" dirty="0"/>
-              <a:t>folder</a:t>
-            </a:r>
-            <a:r>
-              <a:rPr lang="zh-CN" altLang="en-US" dirty="0"/>
-              <a:t> </a:t>
-            </a:r>
-            <a:r>
-              <a:rPr lang="en-US" altLang="zh-CN" dirty="0"/>
-              <a:t>you</a:t>
-            </a:r>
-            <a:r>
-              <a:rPr lang="zh-CN" altLang="en-US" dirty="0"/>
-              <a:t> </a:t>
-            </a:r>
-            <a:r>
-              <a:rPr lang="en-US" altLang="zh-CN" dirty="0"/>
-              <a:t>want</a:t>
-            </a:r>
-            <a:r>
-              <a:rPr lang="zh-CN" altLang="en-US" dirty="0"/>
-              <a:t> </a:t>
-            </a:r>
-            <a:r>
-              <a:rPr lang="en-US" altLang="zh-CN" dirty="0"/>
-              <a:t>to</a:t>
-            </a:r>
-            <a:r>
-              <a:rPr lang="zh-CN" altLang="en-US" dirty="0"/>
-              <a:t> </a:t>
-            </a:r>
-            <a:r>
-              <a:rPr lang="en-US" altLang="zh-CN" dirty="0"/>
-              <a:t>start</a:t>
-            </a:r>
-            <a:r>
-              <a:rPr lang="zh-CN" altLang="en-US" dirty="0"/>
-              <a:t> </a:t>
-            </a:r>
-            <a:r>
-              <a:rPr lang="en-US" altLang="zh-CN" dirty="0"/>
-              <a:t>your</a:t>
-            </a:r>
-            <a:r>
-              <a:rPr lang="zh-CN" altLang="en-US" dirty="0"/>
-              <a:t> </a:t>
-            </a:r>
-            <a:r>
-              <a:rPr lang="en-US" altLang="zh-CN" dirty="0" err="1"/>
-              <a:t>Jupyter</a:t>
-            </a:r>
-            <a:r>
-              <a:rPr lang="zh-CN" altLang="en-US" dirty="0"/>
-              <a:t> </a:t>
-            </a:r>
-            <a:r>
-              <a:rPr lang="en-US" altLang="zh-CN" dirty="0"/>
-              <a:t>notebook.</a:t>
-            </a:r>
-          </a:p>
-          <a:p>
-            <a:r>
-              <a:rPr lang="en-US" altLang="zh-CN" dirty="0"/>
-              <a:t>(</a:t>
-            </a:r>
-            <a:r>
-              <a:rPr lang="en-US" altLang="zh-CN" dirty="0">
-                <a:solidFill>
-                  <a:srgbClr val="FF0000"/>
-                </a:solidFill>
-              </a:rPr>
-              <a:t>If</a:t>
-            </a:r>
-            <a:r>
-              <a:rPr lang="zh-CN" altLang="en-US" dirty="0">
-                <a:solidFill>
-                  <a:srgbClr val="FF0000"/>
-                </a:solidFill>
-              </a:rPr>
-              <a:t> </a:t>
-            </a:r>
-            <a:r>
-              <a:rPr lang="en-US" altLang="zh-CN" dirty="0">
-                <a:solidFill>
-                  <a:srgbClr val="FF0000"/>
-                </a:solidFill>
-              </a:rPr>
-              <a:t>you</a:t>
-            </a:r>
-            <a:r>
-              <a:rPr lang="zh-CN" altLang="en-US" dirty="0">
-                <a:solidFill>
-                  <a:srgbClr val="FF0000"/>
-                </a:solidFill>
-              </a:rPr>
-              <a:t> </a:t>
-            </a:r>
-            <a:r>
-              <a:rPr lang="en-US" altLang="zh-CN" dirty="0">
-                <a:solidFill>
-                  <a:srgbClr val="FF0000"/>
-                </a:solidFill>
-              </a:rPr>
-              <a:t>are</a:t>
-            </a:r>
-            <a:r>
-              <a:rPr lang="zh-CN" altLang="en-US" dirty="0">
-                <a:solidFill>
-                  <a:srgbClr val="FF0000"/>
-                </a:solidFill>
-              </a:rPr>
-              <a:t> </a:t>
-            </a:r>
-            <a:r>
-              <a:rPr lang="en-US" altLang="zh-CN" dirty="0">
-                <a:solidFill>
-                  <a:srgbClr val="FF0000"/>
-                </a:solidFill>
-              </a:rPr>
-              <a:t>using</a:t>
-            </a:r>
-            <a:r>
-              <a:rPr lang="zh-CN" altLang="en-US" dirty="0">
-                <a:solidFill>
-                  <a:srgbClr val="FF0000"/>
-                </a:solidFill>
-              </a:rPr>
-              <a:t> </a:t>
-            </a:r>
-            <a:r>
-              <a:rPr lang="en-US" altLang="zh-CN" dirty="0" err="1">
-                <a:solidFill>
-                  <a:srgbClr val="FF0000"/>
-                </a:solidFill>
-              </a:rPr>
-              <a:t>aws</a:t>
-            </a:r>
-            <a:r>
-              <a:rPr lang="en-US" altLang="zh-CN" dirty="0"/>
-              <a:t>)</a:t>
-            </a:r>
-            <a:r>
-              <a:rPr lang="zh-CN" altLang="en-US" dirty="0"/>
-              <a:t> </a:t>
-            </a:r>
-            <a:r>
-              <a:rPr lang="en-US" altLang="zh-CN" dirty="0"/>
-              <a:t>you</a:t>
-            </a:r>
-            <a:r>
-              <a:rPr lang="zh-CN" altLang="en-US" dirty="0"/>
-              <a:t> </a:t>
-            </a:r>
-            <a:r>
-              <a:rPr lang="en-US" altLang="zh-CN" dirty="0"/>
-              <a:t>need</a:t>
-            </a:r>
-            <a:r>
-              <a:rPr lang="zh-CN" altLang="en-US" dirty="0"/>
-              <a:t> </a:t>
-            </a:r>
-            <a:r>
-              <a:rPr lang="en-US" altLang="zh-CN" dirty="0"/>
-              <a:t>to</a:t>
-            </a:r>
-            <a:r>
-              <a:rPr lang="zh-CN" altLang="en-US" dirty="0"/>
-              <a:t> </a:t>
-            </a:r>
-            <a:r>
-              <a:rPr lang="en-US" altLang="zh-CN" dirty="0"/>
-              <a:t>upload</a:t>
-            </a:r>
-            <a:r>
-              <a:rPr lang="zh-CN" altLang="en-US" dirty="0"/>
-              <a:t> </a:t>
-            </a:r>
-            <a:r>
-              <a:rPr lang="en-US" altLang="zh-CN" dirty="0"/>
-              <a:t>the</a:t>
-            </a:r>
-            <a:r>
-              <a:rPr lang="zh-CN" altLang="en-US" dirty="0"/>
-              <a:t> </a:t>
-            </a:r>
-            <a:r>
-              <a:rPr lang="en-US" altLang="zh-CN" dirty="0"/>
-              <a:t>downloaded</a:t>
-            </a:r>
-            <a:r>
-              <a:rPr lang="zh-CN" altLang="en-US" dirty="0"/>
-              <a:t> </a:t>
-            </a:r>
-            <a:r>
-              <a:rPr lang="en-US" altLang="zh-CN" dirty="0"/>
-              <a:t>file</a:t>
-            </a:r>
-            <a:r>
-              <a:rPr lang="zh-CN" altLang="en-US" dirty="0"/>
-              <a:t> </a:t>
-            </a:r>
-            <a:r>
-              <a:rPr lang="en-US" altLang="zh-CN" dirty="0"/>
-              <a:t>to</a:t>
-            </a:r>
-            <a:r>
-              <a:rPr lang="zh-CN" altLang="en-US" dirty="0"/>
-              <a:t> </a:t>
-            </a:r>
-            <a:r>
-              <a:rPr lang="en-US" altLang="zh-CN" dirty="0"/>
-              <a:t>the</a:t>
-            </a:r>
-            <a:r>
-              <a:rPr lang="zh-CN" altLang="en-US" dirty="0"/>
-              <a:t> </a:t>
-            </a:r>
-            <a:r>
-              <a:rPr lang="en-US" altLang="zh-CN" dirty="0"/>
-              <a:t>server</a:t>
-            </a:r>
-            <a:r>
-              <a:rPr lang="zh-CN" altLang="en-US" dirty="0"/>
-              <a:t> </a:t>
-            </a:r>
-            <a:r>
-              <a:rPr lang="en-US" altLang="zh-CN" dirty="0"/>
-              <a:t>by</a:t>
-            </a:r>
-            <a:r>
-              <a:rPr lang="zh-CN" altLang="en-US" dirty="0"/>
-              <a:t> </a:t>
-            </a:r>
-            <a:r>
-              <a:rPr lang="en-US" altLang="zh-CN" dirty="0"/>
-              <a:t>following</a:t>
-            </a:r>
-            <a:r>
-              <a:rPr lang="zh-CN" altLang="en-US" dirty="0"/>
-              <a:t> </a:t>
-            </a:r>
-            <a:r>
-              <a:rPr lang="en-US" altLang="zh-CN" dirty="0"/>
-              <a:t>steps:</a:t>
-            </a:r>
-          </a:p>
-          <a:p>
-            <a:r>
-              <a:rPr lang="en-US" altLang="zh-CN" dirty="0"/>
-              <a:t>(1)</a:t>
-            </a:r>
-            <a:r>
-              <a:rPr lang="zh-CN" altLang="en-US" dirty="0"/>
-              <a:t> </a:t>
-            </a:r>
-            <a:r>
-              <a:rPr lang="en-US" altLang="zh-CN" dirty="0"/>
-              <a:t>move</a:t>
-            </a:r>
-            <a:r>
-              <a:rPr lang="zh-CN" altLang="en-US" dirty="0"/>
-              <a:t> </a:t>
-            </a:r>
-            <a:r>
-              <a:rPr lang="en-US" altLang="zh-CN" dirty="0"/>
-              <a:t>downloaded</a:t>
-            </a:r>
-            <a:r>
-              <a:rPr lang="zh-CN" altLang="en-US" dirty="0"/>
-              <a:t> </a:t>
-            </a:r>
-            <a:r>
-              <a:rPr lang="en-US" altLang="zh-CN" dirty="0"/>
-              <a:t>file</a:t>
-            </a:r>
-            <a:r>
-              <a:rPr lang="zh-CN" altLang="en-US" dirty="0"/>
-              <a:t> </a:t>
-            </a:r>
-            <a:r>
-              <a:rPr lang="en-US" altLang="zh-CN" dirty="0"/>
-              <a:t>to</a:t>
-            </a:r>
-            <a:r>
-              <a:rPr lang="zh-CN" altLang="en-US" dirty="0"/>
-              <a:t> </a:t>
-            </a:r>
-            <a:r>
-              <a:rPr lang="en-US" altLang="zh-CN" dirty="0"/>
-              <a:t>the</a:t>
-            </a:r>
-            <a:r>
-              <a:rPr lang="zh-CN" altLang="en-US" dirty="0"/>
-              <a:t> </a:t>
-            </a:r>
-            <a:r>
-              <a:rPr lang="en-US" altLang="zh-CN" dirty="0"/>
-              <a:t>folder</a:t>
-            </a:r>
-            <a:r>
-              <a:rPr lang="zh-CN" altLang="en-US" dirty="0"/>
-              <a:t> </a:t>
-            </a:r>
-            <a:r>
-              <a:rPr lang="en-US" altLang="zh-CN" dirty="0"/>
-              <a:t>of</a:t>
-            </a:r>
-            <a:r>
-              <a:rPr lang="zh-CN" altLang="en-US" dirty="0"/>
-              <a:t> </a:t>
-            </a:r>
-            <a:r>
-              <a:rPr lang="en-US" altLang="zh-CN" dirty="0"/>
-              <a:t>your</a:t>
-            </a:r>
-            <a:r>
-              <a:rPr lang="zh-CN" altLang="en-US" dirty="0"/>
-              <a:t> </a:t>
-            </a:r>
-            <a:r>
-              <a:rPr lang="en-US" altLang="zh-CN" dirty="0" err="1"/>
-              <a:t>pem</a:t>
-            </a:r>
-            <a:r>
-              <a:rPr lang="zh-CN" altLang="en-US" dirty="0"/>
-              <a:t> </a:t>
-            </a:r>
-            <a:r>
-              <a:rPr lang="en-US" altLang="zh-CN" dirty="0"/>
-              <a:t>file;</a:t>
-            </a:r>
-            <a:r>
-              <a:rPr lang="zh-CN" altLang="en-US" dirty="0"/>
-              <a:t> </a:t>
-            </a:r>
-            <a:endParaRPr lang="en-HK" altLang="zh-CN" dirty="0"/>
-          </a:p>
-          <a:p>
-            <a:r>
-              <a:rPr lang="en-US" altLang="zh-CN" dirty="0"/>
-              <a:t>(2)</a:t>
-            </a:r>
-            <a:r>
-              <a:rPr lang="zh-CN" altLang="en-US" dirty="0"/>
-              <a:t> </a:t>
-            </a:r>
-            <a:r>
-              <a:rPr lang="en-US" altLang="zh-CN" dirty="0"/>
-              <a:t>upload</a:t>
-            </a:r>
-            <a:r>
-              <a:rPr lang="zh-CN" altLang="en-US" dirty="0"/>
-              <a:t> </a:t>
-            </a:r>
-            <a:r>
-              <a:rPr lang="en-US" altLang="zh-CN" dirty="0"/>
-              <a:t>train</a:t>
-            </a:r>
-            <a:r>
-              <a:rPr lang="zh-CN" altLang="en-US" dirty="0"/>
-              <a:t> </a:t>
-            </a:r>
-            <a:r>
-              <a:rPr lang="en-US" altLang="zh-CN" dirty="0"/>
-              <a:t>file</a:t>
-            </a:r>
-            <a:r>
-              <a:rPr lang="zh-CN" altLang="en-US" dirty="0"/>
-              <a:t> </a:t>
-            </a:r>
-            <a:r>
-              <a:rPr lang="en-US" altLang="zh-CN" dirty="0"/>
-              <a:t>(</a:t>
-            </a:r>
-            <a:r>
-              <a:rPr lang="en-US" altLang="zh-CN" dirty="0" err="1"/>
-              <a:t>scp</a:t>
-            </a:r>
-            <a:r>
-              <a:rPr lang="en-US" altLang="zh-CN" dirty="0"/>
-              <a:t> -</a:t>
-            </a:r>
-            <a:r>
-              <a:rPr lang="en-US" altLang="zh-CN" dirty="0" err="1"/>
-              <a:t>i</a:t>
-            </a:r>
-            <a:r>
-              <a:rPr lang="en-US" altLang="zh-CN" dirty="0"/>
-              <a:t> "comp4331.pem" </a:t>
-            </a:r>
-            <a:r>
-              <a:rPr lang="en-US" altLang="zh-CN" dirty="0" err="1"/>
-              <a:t>train.csv</a:t>
-            </a:r>
-            <a:r>
-              <a:rPr lang="en-US" altLang="zh-CN" dirty="0"/>
-              <a:t> </a:t>
-            </a:r>
-            <a:r>
-              <a:rPr lang="en-US" altLang="zh-CN" dirty="0">
-                <a:hlinkClick r:id="rId2"/>
-              </a:rPr>
-              <a:t>ubuntu@ec2-3-15-204-231.us-east-2.compute.amazonaws.com:~/comp4331/tut3/</a:t>
-            </a:r>
-            <a:r>
-              <a:rPr lang="en-US" altLang="zh-CN" dirty="0"/>
-              <a:t>)</a:t>
-            </a:r>
-          </a:p>
-          <a:p>
-            <a:r>
-              <a:rPr lang="en-US" altLang="zh-CN" dirty="0"/>
-              <a:t>(3)</a:t>
-            </a:r>
-            <a:r>
-              <a:rPr lang="zh-CN" altLang="en-US" dirty="0"/>
-              <a:t> </a:t>
-            </a:r>
-            <a:r>
-              <a:rPr lang="en-US" altLang="zh-CN" dirty="0"/>
-              <a:t>upload</a:t>
-            </a:r>
-            <a:r>
-              <a:rPr lang="zh-CN" altLang="en-US" dirty="0"/>
-              <a:t> </a:t>
-            </a:r>
-            <a:r>
-              <a:rPr lang="en-US" altLang="zh-CN" dirty="0"/>
-              <a:t>test</a:t>
-            </a:r>
-            <a:r>
-              <a:rPr lang="zh-CN" altLang="en-US" dirty="0"/>
-              <a:t> </a:t>
-            </a:r>
-            <a:r>
-              <a:rPr lang="en-US" altLang="zh-CN" dirty="0"/>
-              <a:t>file</a:t>
-            </a:r>
-            <a:r>
-              <a:rPr lang="zh-CN" altLang="en-US" dirty="0"/>
-              <a:t> </a:t>
-            </a:r>
-            <a:r>
-              <a:rPr lang="en-US" altLang="zh-CN" dirty="0"/>
-              <a:t>(</a:t>
-            </a:r>
-            <a:r>
-              <a:rPr lang="en-US" altLang="zh-CN" dirty="0" err="1"/>
-              <a:t>scp</a:t>
-            </a:r>
-            <a:r>
-              <a:rPr lang="en-US" altLang="zh-CN" dirty="0"/>
-              <a:t> -</a:t>
-            </a:r>
-            <a:r>
-              <a:rPr lang="en-US" altLang="zh-CN" dirty="0" err="1"/>
-              <a:t>i</a:t>
-            </a:r>
-            <a:r>
-              <a:rPr lang="en-US" altLang="zh-CN" dirty="0"/>
-              <a:t> "comp4331.pem" </a:t>
-            </a:r>
-            <a:r>
-              <a:rPr lang="en-US" altLang="zh-CN" dirty="0" err="1"/>
-              <a:t>test.csv</a:t>
-            </a:r>
-            <a:r>
-              <a:rPr lang="en-US" altLang="zh-CN" dirty="0"/>
-              <a:t> </a:t>
-            </a:r>
-            <a:r>
-              <a:rPr lang="en-US" altLang="zh-CN" dirty="0">
-                <a:hlinkClick r:id="rId2"/>
-              </a:rPr>
-              <a:t>ubuntu@ec2-3-15-204-231.us-east-2.compute.amazonaws.com:~/comp4331/tut3/</a:t>
-            </a:r>
-            <a:r>
-              <a:rPr lang="en-US" altLang="zh-CN" dirty="0"/>
-              <a:t>)</a:t>
-            </a:r>
-          </a:p>
-          <a:p>
-            <a:endParaRPr lang="en-US" altLang="zh-CN" dirty="0"/>
-          </a:p>
-          <a:p>
-            <a:endParaRPr lang="en-US" altLang="zh-CN" dirty="0"/>
+          <a:p>
+            <a:r>
+              <a:rPr lang="en-US" dirty="0" smtClean="0"/>
+              <a:t>from </a:t>
+            </a:r>
+            <a:r>
+              <a:rPr lang="en-US" dirty="0" err="1"/>
+              <a:t>sklearn</a:t>
+            </a:r>
+            <a:r>
+              <a:rPr lang="en-US" dirty="0"/>
+              <a:t> import tree</a:t>
+            </a:r>
+          </a:p>
+          <a:p>
+            <a:r>
+              <a:rPr lang="en-US" dirty="0"/>
+              <a:t>from </a:t>
+            </a:r>
+            <a:r>
+              <a:rPr lang="en-US" dirty="0" err="1"/>
+              <a:t>sklearn.metrics</a:t>
+            </a:r>
+            <a:r>
+              <a:rPr lang="en-US" dirty="0"/>
+              <a:t> import </a:t>
+            </a:r>
+            <a:r>
+              <a:rPr lang="en-US" dirty="0" err="1"/>
+              <a:t>accuracy_score</a:t>
+            </a:r>
+            <a:endParaRPr lang="en-US" dirty="0"/>
+          </a:p>
+          <a:p>
+            <a:r>
+              <a:rPr lang="en-US" dirty="0"/>
+              <a:t>from </a:t>
+            </a:r>
+            <a:r>
+              <a:rPr lang="en-US" dirty="0" err="1"/>
+              <a:t>sklearn.model_selection</a:t>
+            </a:r>
+            <a:r>
+              <a:rPr lang="en-US" dirty="0"/>
+              <a:t> import </a:t>
+            </a:r>
+            <a:r>
+              <a:rPr lang="en-US" dirty="0" err="1"/>
+              <a:t>KFold</a:t>
+            </a:r>
+            <a:endParaRPr lang="en-US" dirty="0"/>
+          </a:p>
+          <a:p>
+            <a:r>
+              <a:rPr lang="en-US" dirty="0"/>
+              <a:t>from </a:t>
+            </a:r>
+            <a:r>
+              <a:rPr lang="en-US" dirty="0" err="1"/>
+              <a:t>sklearn.model_selection</a:t>
+            </a:r>
+            <a:r>
+              <a:rPr lang="en-US" dirty="0"/>
+              <a:t> import </a:t>
+            </a:r>
+            <a:r>
+              <a:rPr lang="en-US" dirty="0" err="1"/>
+              <a:t>cross_val_score</a:t>
+            </a:r>
+            <a:endParaRPr lang="en-US" dirty="0"/>
+          </a:p>
+          <a:p>
+            <a:r>
+              <a:rPr lang="en-US" dirty="0"/>
+              <a:t>from </a:t>
+            </a:r>
+            <a:r>
+              <a:rPr lang="en-US" dirty="0" err="1"/>
+              <a:t>IPython.display</a:t>
+            </a:r>
+            <a:r>
+              <a:rPr lang="en-US" dirty="0"/>
+              <a:t> import Image as </a:t>
+            </a:r>
+            <a:r>
+              <a:rPr lang="en-US" dirty="0" err="1"/>
+              <a:t>PImage</a:t>
+            </a:r>
+            <a:endParaRPr lang="en-US" dirty="0"/>
+          </a:p>
+          <a:p>
+            <a:r>
+              <a:rPr lang="en-US" dirty="0"/>
+              <a:t>from subprocess import </a:t>
+            </a:r>
+            <a:r>
+              <a:rPr lang="en-US" dirty="0" err="1"/>
+              <a:t>check_call</a:t>
+            </a:r>
+            <a:endParaRPr lang="en-US" dirty="0"/>
+          </a:p>
+          <a:p>
+            <a:r>
+              <a:rPr lang="en-US" dirty="0" smtClean="0"/>
+              <a:t># </a:t>
+            </a:r>
+            <a:r>
+              <a:rPr lang="en-US" dirty="0"/>
+              <a:t>import all the needed package</a:t>
+            </a:r>
           </a:p>
         </p:txBody>
       </p:sp>
     </p:spTree>
     <p:extLst>
       <p:ext uri="{BB962C8B-B14F-4D97-AF65-F5344CB8AC3E}">
-        <p14:creationId xmlns:p14="http://schemas.microsoft.com/office/powerpoint/2010/main" val="263922991"/>
+        <p14:creationId xmlns:p14="http://schemas.microsoft.com/office/powerpoint/2010/main" val="972243106"/>
       </p:ext>
     </p:extLst>
   </p:cSld>
@@ -7212,7 +8210,7 @@
           <p:cNvPr id="2" name="Title 1">
             <a:extLst>
               <a:ext uri="{FF2B5EF4-FFF2-40B4-BE49-F238E27FC236}">
-                <a16:creationId xmlns:a16="http://schemas.microsoft.com/office/drawing/2014/main" id="{9BD18353-7F33-3F48-AD34-B0835C678EE9}"/>
+                <a16:creationId xmlns:a16="http://schemas.microsoft.com/office/drawing/2014/main" id="{EA059F25-5BCF-3548-B257-32EB66F0BEE6}"/>
               </a:ext>
             </a:extLst>
           </p:cNvPr>
@@ -7230,7 +8228,7 @@
           <a:p>
             <a:r>
               <a:rPr lang="en-US" dirty="0"/>
-              <a:t>Experiment setup</a:t>
+              <a:t>Introduction to Pandas</a:t>
             </a:r>
           </a:p>
         </p:txBody>
@@ -7240,7 +8238,7 @@
           <p:cNvPr id="3" name="Content Placeholder 2">
             <a:extLst>
               <a:ext uri="{FF2B5EF4-FFF2-40B4-BE49-F238E27FC236}">
-                <a16:creationId xmlns:a16="http://schemas.microsoft.com/office/drawing/2014/main" id="{309C19B6-E8D0-774E-91C1-9D1D91098BBB}"/>
+                <a16:creationId xmlns:a16="http://schemas.microsoft.com/office/drawing/2014/main" id="{8A9593C8-5873-814D-AC83-70B9B99CC76C}"/>
               </a:ext>
             </a:extLst>
           </p:cNvPr>
@@ -7251,80 +8249,261 @@
             <p:ph idx="1"/>
           </p:nvPr>
         </p:nvSpPr>
-        <p:spPr>
-          <a:xfrm>
-            <a:off x="838200" y="1825625"/>
-            <a:ext cx="10515600" cy="4209415"/>
-          </a:xfrm>
-        </p:spPr>
-        <p:txBody>
-          <a:bodyPr>
-            <a:normAutofit/>
-          </a:bodyPr>
-          <a:lstStyle/>
-          <a:p>
-            <a:r>
-              <a:rPr lang="en-US" dirty="0"/>
-              <a:t>Start the </a:t>
-            </a:r>
-            <a:r>
-              <a:rPr lang="en-US" dirty="0" err="1"/>
-              <a:t>Jupyter</a:t>
-            </a:r>
-            <a:r>
-              <a:rPr lang="en-US" dirty="0"/>
-              <a:t> Notebook (</a:t>
-            </a:r>
-            <a:r>
-              <a:rPr lang="en-US" dirty="0" err="1"/>
-              <a:t>jupyter</a:t>
-            </a:r>
-            <a:r>
-              <a:rPr lang="en-US" dirty="0"/>
-              <a:t> notebook)</a:t>
-            </a:r>
-          </a:p>
-          <a:p>
-            <a:r>
-              <a:rPr lang="en-US" dirty="0"/>
-              <a:t>Connect to it via your notebook via your browser.</a:t>
-            </a:r>
-          </a:p>
-          <a:p>
-            <a:r>
-              <a:rPr lang="en-US" dirty="0"/>
-              <a:t>Create a new </a:t>
-            </a:r>
-            <a:r>
-              <a:rPr lang="en-US" dirty="0" err="1"/>
-              <a:t>ipynb</a:t>
-            </a:r>
-            <a:r>
-              <a:rPr lang="en-US" dirty="0"/>
-              <a:t> file (click ‘new’ button)</a:t>
-            </a:r>
-          </a:p>
-          <a:p>
-            <a:r>
-              <a:rPr lang="en-US" dirty="0"/>
-              <a:t>In the first box, copy and paste all the codes in next slides to load used packages</a:t>
-            </a:r>
-          </a:p>
-          <a:p>
-            <a:r>
-              <a:rPr lang="en-US" dirty="0"/>
-              <a:t>Press </a:t>
-            </a:r>
-            <a:r>
-              <a:rPr lang="en-US" dirty="0" err="1"/>
-              <a:t>shift+enter</a:t>
-            </a:r>
-            <a:r>
-              <a:rPr lang="en-US" dirty="0"/>
-              <a:t> to execute this box. (PS: you may get error saying that you cannot find a package, please install it in your server with “pip install [package name]”)</a:t>
-            </a:r>
-          </a:p>
-          <a:p>
+        <p:spPr/>
+        <p:txBody>
+          <a:bodyPr/>
+          <a:lstStyle/>
+          <a:p>
+            <a:r>
+              <a:rPr lang="en-US" altLang="zh-CN" dirty="0"/>
+              <a:t>Powerful</a:t>
+            </a:r>
+            <a:r>
+              <a:rPr lang="zh-CN" altLang="en-US" dirty="0"/>
+              <a:t> </a:t>
+            </a:r>
+            <a:r>
+              <a:rPr lang="en-US" altLang="zh-CN" dirty="0"/>
+              <a:t>and</a:t>
+            </a:r>
+            <a:r>
+              <a:rPr lang="zh-CN" altLang="en-US" dirty="0"/>
+              <a:t> </a:t>
+            </a:r>
+            <a:r>
+              <a:rPr lang="en-US" altLang="zh-CN" dirty="0"/>
+              <a:t>productive</a:t>
+            </a:r>
+            <a:r>
+              <a:rPr lang="zh-CN" altLang="en-US" dirty="0"/>
+              <a:t> </a:t>
+            </a:r>
+            <a:r>
+              <a:rPr lang="en-US" altLang="zh-CN" dirty="0"/>
+              <a:t>python</a:t>
+            </a:r>
+            <a:r>
+              <a:rPr lang="zh-CN" altLang="en-US" dirty="0"/>
+              <a:t> </a:t>
+            </a:r>
+            <a:r>
+              <a:rPr lang="en-US" altLang="zh-CN" dirty="0"/>
+              <a:t>data</a:t>
+            </a:r>
+            <a:r>
+              <a:rPr lang="zh-CN" altLang="en-US" dirty="0"/>
+              <a:t> </a:t>
+            </a:r>
+            <a:r>
+              <a:rPr lang="en-US" altLang="zh-CN" dirty="0"/>
+              <a:t>analysis</a:t>
+            </a:r>
+            <a:r>
+              <a:rPr lang="zh-CN" altLang="en-US" dirty="0"/>
+              <a:t> </a:t>
+            </a:r>
+            <a:r>
+              <a:rPr lang="en-US" altLang="zh-CN" dirty="0"/>
+              <a:t>and</a:t>
+            </a:r>
+            <a:r>
+              <a:rPr lang="zh-CN" altLang="en-US" dirty="0"/>
+              <a:t> </a:t>
+            </a:r>
+            <a:r>
+              <a:rPr lang="en-US" altLang="zh-CN" dirty="0"/>
+              <a:t>management</a:t>
+            </a:r>
+            <a:r>
+              <a:rPr lang="zh-CN" altLang="en-US" dirty="0"/>
+              <a:t> </a:t>
+            </a:r>
+            <a:r>
+              <a:rPr lang="en-US" altLang="zh-CN" dirty="0"/>
+              <a:t>library.</a:t>
+            </a:r>
+          </a:p>
+          <a:p>
+            <a:r>
+              <a:rPr lang="en-US" altLang="zh-CN" dirty="0"/>
+              <a:t>Short</a:t>
+            </a:r>
+            <a:r>
+              <a:rPr lang="zh-CN" altLang="en-US" dirty="0"/>
+              <a:t> </a:t>
+            </a:r>
+            <a:r>
+              <a:rPr lang="en-US" altLang="zh-CN" dirty="0"/>
+              <a:t>name</a:t>
+            </a:r>
+            <a:r>
+              <a:rPr lang="zh-CN" altLang="en-US" dirty="0"/>
+              <a:t> </a:t>
+            </a:r>
+            <a:r>
+              <a:rPr lang="en-US" altLang="zh-CN" dirty="0"/>
+              <a:t>of</a:t>
+            </a:r>
+            <a:r>
+              <a:rPr lang="zh-CN" altLang="en-US" dirty="0"/>
+              <a:t> </a:t>
+            </a:r>
+            <a:r>
+              <a:rPr lang="en-US" altLang="zh-CN" b="1" dirty="0"/>
+              <a:t>Pan</a:t>
+            </a:r>
+            <a:r>
+              <a:rPr lang="en-US" altLang="zh-CN" dirty="0"/>
+              <a:t>el</a:t>
+            </a:r>
+            <a:r>
+              <a:rPr lang="zh-CN" altLang="en-US" dirty="0"/>
+              <a:t> </a:t>
+            </a:r>
+            <a:r>
+              <a:rPr lang="en-US" altLang="zh-CN" b="1" dirty="0"/>
+              <a:t>Da</a:t>
+            </a:r>
+            <a:r>
+              <a:rPr lang="en-US" altLang="zh-CN" dirty="0"/>
+              <a:t>ta</a:t>
+            </a:r>
+            <a:r>
+              <a:rPr lang="zh-CN" altLang="en-US" dirty="0"/>
+              <a:t> </a:t>
+            </a:r>
+            <a:r>
+              <a:rPr lang="en-US" altLang="zh-CN" b="1" dirty="0"/>
+              <a:t>S</a:t>
+            </a:r>
+            <a:r>
+              <a:rPr lang="en-US" altLang="zh-CN" dirty="0"/>
+              <a:t>ystem</a:t>
+            </a:r>
+          </a:p>
+          <a:p>
+            <a:r>
+              <a:rPr lang="en-US" altLang="zh-CN" dirty="0"/>
+              <a:t>Open</a:t>
+            </a:r>
+            <a:r>
+              <a:rPr lang="zh-CN" altLang="en-US" dirty="0"/>
+              <a:t> </a:t>
+            </a:r>
+            <a:r>
+              <a:rPr lang="en-US" altLang="zh-CN" dirty="0"/>
+              <a:t>sourced</a:t>
+            </a:r>
+            <a:r>
+              <a:rPr lang="zh-CN" altLang="en-US" dirty="0"/>
+              <a:t> </a:t>
+            </a:r>
+            <a:r>
+              <a:rPr lang="en-US" altLang="zh-CN" dirty="0"/>
+              <a:t>by</a:t>
+            </a:r>
+            <a:r>
+              <a:rPr lang="zh-CN" altLang="en-US" dirty="0"/>
+              <a:t> </a:t>
+            </a:r>
+            <a:r>
+              <a:rPr lang="en-US" altLang="zh-CN" dirty="0"/>
+              <a:t>AQR</a:t>
+            </a:r>
+            <a:r>
+              <a:rPr lang="zh-CN" altLang="en-US" dirty="0"/>
+              <a:t> </a:t>
+            </a:r>
+            <a:r>
+              <a:rPr lang="en-US" altLang="zh-CN" dirty="0"/>
+              <a:t>capital</a:t>
+            </a:r>
+            <a:r>
+              <a:rPr lang="zh-CN" altLang="en-US" dirty="0"/>
+              <a:t> </a:t>
+            </a:r>
+            <a:r>
+              <a:rPr lang="en-US" altLang="zh-CN" dirty="0"/>
+              <a:t>management,</a:t>
+            </a:r>
+            <a:r>
+              <a:rPr lang="zh-CN" altLang="en-US" dirty="0"/>
+              <a:t> </a:t>
+            </a:r>
+            <a:r>
+              <a:rPr lang="en-US" altLang="zh-CN" dirty="0"/>
+              <a:t>LLC</a:t>
+            </a:r>
+            <a:r>
+              <a:rPr lang="zh-CN" altLang="en-US" dirty="0"/>
+              <a:t> </a:t>
+            </a:r>
+            <a:r>
+              <a:rPr lang="en-US" altLang="zh-CN" dirty="0"/>
+              <a:t>in</a:t>
+            </a:r>
+            <a:r>
+              <a:rPr lang="zh-CN" altLang="en-US" dirty="0"/>
+              <a:t> </a:t>
+            </a:r>
+            <a:r>
+              <a:rPr lang="en-US" altLang="zh-CN" dirty="0"/>
+              <a:t>late</a:t>
+            </a:r>
+            <a:r>
+              <a:rPr lang="zh-CN" altLang="en-US" dirty="0"/>
+              <a:t> </a:t>
+            </a:r>
+            <a:r>
+              <a:rPr lang="en-US" altLang="zh-CN" dirty="0"/>
+              <a:t>2009</a:t>
+            </a:r>
+          </a:p>
+          <a:p>
+            <a:r>
+              <a:rPr lang="en-US" altLang="zh-CN" dirty="0"/>
+              <a:t>Used</a:t>
+            </a:r>
+            <a:r>
+              <a:rPr lang="zh-CN" altLang="en-US" dirty="0"/>
+              <a:t> </a:t>
+            </a:r>
+            <a:r>
+              <a:rPr lang="en-US" altLang="zh-CN" dirty="0"/>
+              <a:t>by</a:t>
+            </a:r>
+            <a:r>
+              <a:rPr lang="zh-CN" altLang="en-US" dirty="0"/>
+              <a:t> </a:t>
+            </a:r>
+            <a:r>
+              <a:rPr lang="en-US" altLang="zh-CN" dirty="0"/>
+              <a:t>both</a:t>
+            </a:r>
+            <a:r>
+              <a:rPr lang="zh-CN" altLang="en-US" dirty="0"/>
+              <a:t> </a:t>
+            </a:r>
+            <a:r>
+              <a:rPr lang="en-US" altLang="zh-CN" dirty="0"/>
+              <a:t>academic</a:t>
+            </a:r>
+            <a:r>
+              <a:rPr lang="zh-CN" altLang="en-US" dirty="0"/>
+              <a:t> </a:t>
+            </a:r>
+            <a:r>
+              <a:rPr lang="en-US" altLang="zh-CN" dirty="0"/>
+              <a:t>and</a:t>
+            </a:r>
+            <a:r>
+              <a:rPr lang="zh-CN" altLang="en-US" dirty="0"/>
+              <a:t> </a:t>
+            </a:r>
+            <a:r>
+              <a:rPr lang="en-US" altLang="zh-CN" dirty="0"/>
+              <a:t>industry.</a:t>
+            </a:r>
             <a:endParaRPr lang="en-US" dirty="0"/>
           </a:p>
         </p:txBody>
@@ -7332,7 +8511,7 @@
     </p:spTree>
     <p:extLst>
       <p:ext uri="{BB962C8B-B14F-4D97-AF65-F5344CB8AC3E}">
-        <p14:creationId xmlns:p14="http://schemas.microsoft.com/office/powerpoint/2010/main" val="708638952"/>
+        <p14:creationId xmlns:p14="http://schemas.microsoft.com/office/powerpoint/2010/main" val="3961747204"/>
       </p:ext>
     </p:extLst>
   </p:cSld>
@@ -7364,7 +8543,7 @@
           <p:cNvPr id="2" name="Title 1">
             <a:extLst>
               <a:ext uri="{FF2B5EF4-FFF2-40B4-BE49-F238E27FC236}">
-                <a16:creationId xmlns:a16="http://schemas.microsoft.com/office/drawing/2014/main" id="{F8868588-A2DC-CE4A-BBB7-70015616BE26}"/>
+                <a16:creationId xmlns:a16="http://schemas.microsoft.com/office/drawing/2014/main" id="{CA0507DF-5E4D-7A40-B00D-9780A54951CC}"/>
               </a:ext>
             </a:extLst>
           </p:cNvPr>
@@ -7381,18 +8560,73 @@
           <a:lstStyle/>
           <a:p>
             <a:r>
-              <a:rPr lang="en-US" dirty="0"/>
-              <a:t>Experiment setup</a:t>
-            </a:r>
-          </a:p>
-        </p:txBody>
-      </p:sp>
-      <p:sp>
-        <p:nvSpPr>
-          <p:cNvPr id="4" name="TextBox 3">
-            <a:extLst>
-              <a:ext uri="{FF2B5EF4-FFF2-40B4-BE49-F238E27FC236}">
-                <a16:creationId xmlns:a16="http://schemas.microsoft.com/office/drawing/2014/main" id="{2E8452A4-CBDA-0040-9540-B55ED2833D67}"/>
+              <a:rPr lang="en-US" altLang="zh-CN" dirty="0"/>
+              <a:t>Load</a:t>
+            </a:r>
+            <a:r>
+              <a:rPr lang="zh-CN" altLang="en-US" dirty="0"/>
+              <a:t> </a:t>
+            </a:r>
+            <a:r>
+              <a:rPr lang="en-US" altLang="zh-CN" dirty="0"/>
+              <a:t>data</a:t>
+            </a:r>
+            <a:r>
+              <a:rPr lang="zh-CN" altLang="en-US" dirty="0"/>
+              <a:t> </a:t>
+            </a:r>
+            <a:r>
+              <a:rPr lang="en-US" altLang="zh-CN" dirty="0"/>
+              <a:t>with</a:t>
+            </a:r>
+            <a:r>
+              <a:rPr lang="zh-CN" altLang="en-US" dirty="0"/>
+              <a:t> </a:t>
+            </a:r>
+            <a:r>
+              <a:rPr lang="en-US" altLang="zh-CN" dirty="0"/>
+              <a:t>pandas</a:t>
+            </a:r>
+            <a:endParaRPr lang="en-US" dirty="0"/>
+          </a:p>
+        </p:txBody>
+      </p:sp>
+      <p:pic>
+        <p:nvPicPr>
+          <p:cNvPr id="5" name="Picture 4">
+            <a:extLst>
+              <a:ext uri="{FF2B5EF4-FFF2-40B4-BE49-F238E27FC236}">
+                <a16:creationId xmlns:a16="http://schemas.microsoft.com/office/drawing/2014/main" id="{F51DFC8E-AF60-1C43-895F-757FBF9A5078}"/>
+              </a:ext>
+            </a:extLst>
+          </p:cNvPr>
+          <p:cNvPicPr>
+            <a:picLocks noChangeAspect="1"/>
+          </p:cNvPicPr>
+          <p:nvPr/>
+        </p:nvPicPr>
+        <p:blipFill>
+          <a:blip r:embed="rId2"/>
+          <a:stretch>
+            <a:fillRect/>
+          </a:stretch>
+        </p:blipFill>
+        <p:spPr>
+          <a:xfrm>
+            <a:off x="710189" y="2241203"/>
+            <a:ext cx="10771622" cy="2630055"/>
+          </a:xfrm>
+          <a:prstGeom prst="rect">
+            <a:avLst/>
+          </a:prstGeom>
+        </p:spPr>
+      </p:pic>
+      <p:sp>
+        <p:nvSpPr>
+          <p:cNvPr id="6" name="TextBox 5">
+            <a:extLst>
+              <a:ext uri="{FF2B5EF4-FFF2-40B4-BE49-F238E27FC236}">
+                <a16:creationId xmlns:a16="http://schemas.microsoft.com/office/drawing/2014/main" id="{523791D9-A0F7-F842-A901-E9E1CD729281}"/>
               </a:ext>
             </a:extLst>
           </p:cNvPr>
@@ -7401,8 +8635,8 @@
         </p:nvSpPr>
         <p:spPr>
           <a:xfrm>
-            <a:off x="1080654" y="1529542"/>
-            <a:ext cx="8478981" cy="5355312"/>
+            <a:off x="5336771" y="1853738"/>
+            <a:ext cx="3607724" cy="369332"/>
           </a:xfrm>
           <a:prstGeom prst="rect">
             <a:avLst/>
@@ -7416,284 +8650,225 @@
           <a:lstStyle/>
           <a:p>
             <a:r>
-              <a:rPr lang="en-US" dirty="0"/>
-              <a:t>import </a:t>
-            </a:r>
-            <a:r>
-              <a:rPr lang="en-US" dirty="0" err="1"/>
-              <a:t>numpy</a:t>
-            </a:r>
-            <a:r>
-              <a:rPr lang="en-US" dirty="0"/>
-              <a:t> as np</a:t>
-            </a:r>
-          </a:p>
-          <a:p>
-            <a:r>
-              <a:rPr lang="en-US" dirty="0"/>
-              <a:t>import pandas as </a:t>
-            </a:r>
-            <a:r>
-              <a:rPr lang="en-US" dirty="0" err="1"/>
-              <a:t>pd</a:t>
+              <a:rPr lang="en-US" altLang="zh-CN" dirty="0"/>
+              <a:t>Load</a:t>
+            </a:r>
+            <a:r>
+              <a:rPr lang="zh-CN" altLang="en-US" dirty="0"/>
+              <a:t> </a:t>
+            </a:r>
+            <a:r>
+              <a:rPr lang="en-US" altLang="zh-CN" dirty="0"/>
+              <a:t>the</a:t>
+            </a:r>
+            <a:r>
+              <a:rPr lang="zh-CN" altLang="en-US" dirty="0"/>
+              <a:t> </a:t>
+            </a:r>
+            <a:r>
+              <a:rPr lang="en-US" altLang="zh-CN" dirty="0"/>
+              <a:t>train</a:t>
+            </a:r>
+            <a:r>
+              <a:rPr lang="zh-CN" altLang="en-US" dirty="0"/>
+              <a:t> </a:t>
+            </a:r>
+            <a:r>
+              <a:rPr lang="en-US" altLang="zh-CN" dirty="0"/>
+              <a:t>and</a:t>
+            </a:r>
+            <a:r>
+              <a:rPr lang="zh-CN" altLang="en-US" dirty="0"/>
+              <a:t> </a:t>
+            </a:r>
+            <a:r>
+              <a:rPr lang="en-US" altLang="zh-CN" dirty="0"/>
+              <a:t>test</a:t>
+            </a:r>
+            <a:r>
+              <a:rPr lang="zh-CN" altLang="en-US" dirty="0"/>
+              <a:t> </a:t>
+            </a:r>
+            <a:r>
+              <a:rPr lang="en-US" altLang="zh-CN" dirty="0"/>
+              <a:t>data</a:t>
             </a:r>
             <a:endParaRPr lang="en-US" dirty="0"/>
           </a:p>
-          <a:p>
-            <a:r>
-              <a:rPr lang="en-US" dirty="0"/>
-              <a:t>import re</a:t>
-            </a:r>
-          </a:p>
-          <a:p>
-            <a:r>
-              <a:rPr lang="en-US" dirty="0"/>
-              <a:t>import </a:t>
-            </a:r>
-            <a:r>
-              <a:rPr lang="en-US" dirty="0" err="1"/>
-              <a:t>xgboost</a:t>
-            </a:r>
-            <a:r>
-              <a:rPr lang="en-US" dirty="0"/>
-              <a:t> as </a:t>
-            </a:r>
-            <a:r>
-              <a:rPr lang="en-US" dirty="0" err="1"/>
-              <a:t>xgb</a:t>
+        </p:txBody>
+      </p:sp>
+      <p:sp>
+        <p:nvSpPr>
+          <p:cNvPr id="7" name="Down Arrow 6">
+            <a:extLst>
+              <a:ext uri="{FF2B5EF4-FFF2-40B4-BE49-F238E27FC236}">
+                <a16:creationId xmlns:a16="http://schemas.microsoft.com/office/drawing/2014/main" id="{1708DBA4-AA5E-8B4F-9C85-FE6638D56A39}"/>
+              </a:ext>
+            </a:extLst>
+          </p:cNvPr>
+          <p:cNvSpPr/>
+          <p:nvPr/>
+        </p:nvSpPr>
+        <p:spPr>
+          <a:xfrm rot="3496435">
+            <a:off x="4736524" y="1796472"/>
+            <a:ext cx="290946" cy="889462"/>
+          </a:xfrm>
+          <a:prstGeom prst="downArrow">
+            <a:avLst/>
+          </a:prstGeom>
+        </p:spPr>
+        <p:style>
+          <a:lnRef idx="2">
+            <a:schemeClr val="accent1">
+              <a:shade val="50000"/>
+            </a:schemeClr>
+          </a:lnRef>
+          <a:fillRef idx="1">
+            <a:schemeClr val="accent1"/>
+          </a:fillRef>
+          <a:effectRef idx="0">
+            <a:schemeClr val="accent1"/>
+          </a:effectRef>
+          <a:fontRef idx="minor">
+            <a:schemeClr val="lt1"/>
+          </a:fontRef>
+        </p:style>
+        <p:txBody>
+          <a:bodyPr rtlCol="0" anchor="ctr"/>
+          <a:lstStyle/>
+          <a:p>
+            <a:pPr algn="ctr"/>
+            <a:endParaRPr lang="en-US"/>
+          </a:p>
+        </p:txBody>
+      </p:sp>
+      <p:sp>
+        <p:nvSpPr>
+          <p:cNvPr id="8" name="TextBox 7">
+            <a:extLst>
+              <a:ext uri="{FF2B5EF4-FFF2-40B4-BE49-F238E27FC236}">
+                <a16:creationId xmlns:a16="http://schemas.microsoft.com/office/drawing/2014/main" id="{5E7DB372-01AC-AF40-8952-6E9AFB8272E6}"/>
+              </a:ext>
+            </a:extLst>
+          </p:cNvPr>
+          <p:cNvSpPr txBox="1"/>
+          <p:nvPr/>
+        </p:nvSpPr>
+        <p:spPr>
+          <a:xfrm>
+            <a:off x="6262255" y="3109512"/>
+            <a:ext cx="3607724" cy="369332"/>
+          </a:xfrm>
+          <a:prstGeom prst="rect">
+            <a:avLst/>
+          </a:prstGeom>
+          <a:noFill/>
+        </p:spPr>
+        <p:txBody>
+          <a:bodyPr wrap="square" rtlCol="0">
+            <a:spAutoFit/>
+          </a:bodyPr>
+          <a:lstStyle/>
+          <a:p>
+            <a:r>
+              <a:rPr lang="en-US" altLang="zh-CN" dirty="0"/>
+              <a:t>Show</a:t>
+            </a:r>
+            <a:r>
+              <a:rPr lang="zh-CN" altLang="en-US" dirty="0"/>
+              <a:t> </a:t>
+            </a:r>
+            <a:r>
+              <a:rPr lang="en-US" altLang="zh-CN" dirty="0"/>
+              <a:t>the</a:t>
+            </a:r>
+            <a:r>
+              <a:rPr lang="zh-CN" altLang="en-US" dirty="0"/>
+              <a:t> </a:t>
+            </a:r>
+            <a:r>
+              <a:rPr lang="en-US" altLang="zh-CN" dirty="0"/>
+              <a:t>first</a:t>
+            </a:r>
+            <a:r>
+              <a:rPr lang="zh-CN" altLang="en-US" dirty="0"/>
+              <a:t> </a:t>
+            </a:r>
+            <a:r>
+              <a:rPr lang="en-US" altLang="zh-CN" dirty="0"/>
+              <a:t>three</a:t>
+            </a:r>
+            <a:r>
+              <a:rPr lang="zh-CN" altLang="en-US" dirty="0"/>
+              <a:t> </a:t>
+            </a:r>
+            <a:r>
+              <a:rPr lang="en-US" altLang="zh-CN" dirty="0"/>
+              <a:t>data</a:t>
+            </a:r>
+            <a:r>
+              <a:rPr lang="zh-CN" altLang="en-US" dirty="0"/>
+              <a:t> </a:t>
+            </a:r>
+            <a:r>
+              <a:rPr lang="en-US" altLang="zh-CN" dirty="0"/>
+              <a:t>example</a:t>
             </a:r>
             <a:endParaRPr lang="en-US" dirty="0"/>
           </a:p>
-          <a:p>
-            <a:r>
-              <a:rPr lang="en-US" dirty="0"/>
-              <a:t>import seaborn as </a:t>
-            </a:r>
-            <a:r>
-              <a:rPr lang="en-US" dirty="0" err="1"/>
-              <a:t>sns</a:t>
-            </a:r>
+        </p:txBody>
+      </p:sp>
+      <p:sp>
+        <p:nvSpPr>
+          <p:cNvPr id="9" name="Right Arrow 8">
+            <a:extLst>
+              <a:ext uri="{FF2B5EF4-FFF2-40B4-BE49-F238E27FC236}">
+                <a16:creationId xmlns:a16="http://schemas.microsoft.com/office/drawing/2014/main" id="{5FCA941C-03D1-884C-B6E2-86055F501445}"/>
+              </a:ext>
+            </a:extLst>
+          </p:cNvPr>
+          <p:cNvSpPr/>
+          <p:nvPr/>
+        </p:nvSpPr>
+        <p:spPr>
+          <a:xfrm rot="10800000">
+            <a:off x="5336771" y="3156261"/>
+            <a:ext cx="939338" cy="310443"/>
+          </a:xfrm>
+          <a:prstGeom prst="rightArrow">
+            <a:avLst/>
+          </a:prstGeom>
+        </p:spPr>
+        <p:style>
+          <a:lnRef idx="2">
+            <a:schemeClr val="accent1">
+              <a:shade val="50000"/>
+            </a:schemeClr>
+          </a:lnRef>
+          <a:fillRef idx="1">
+            <a:schemeClr val="accent1"/>
+          </a:fillRef>
+          <a:effectRef idx="0">
+            <a:schemeClr val="accent1"/>
+          </a:effectRef>
+          <a:fontRef idx="minor">
+            <a:schemeClr val="lt1"/>
+          </a:fontRef>
+        </p:style>
+        <p:txBody>
+          <a:bodyPr rtlCol="0" anchor="ctr"/>
+          <a:lstStyle/>
+          <a:p>
+            <a:pPr algn="ctr"/>
             <a:endParaRPr lang="en-US" dirty="0"/>
-          </a:p>
-          <a:p>
-            <a:r>
-              <a:rPr lang="en-US" dirty="0"/>
-              <a:t>import </a:t>
-            </a:r>
-            <a:r>
-              <a:rPr lang="en-US" dirty="0" err="1"/>
-              <a:t>matplotlib.pyplot</a:t>
-            </a:r>
-            <a:r>
-              <a:rPr lang="en-US" dirty="0"/>
-              <a:t> as </a:t>
-            </a:r>
-            <a:r>
-              <a:rPr lang="en-US" dirty="0" err="1"/>
-              <a:t>plt</a:t>
-            </a:r>
-            <a:endParaRPr lang="en-US" dirty="0"/>
-          </a:p>
-          <a:p>
-            <a:r>
-              <a:rPr lang="en-US" dirty="0"/>
-              <a:t>%matplotlib inline</a:t>
-            </a:r>
-          </a:p>
-          <a:p>
-            <a:r>
-              <a:rPr lang="en-US" dirty="0"/>
-              <a:t>import </a:t>
-            </a:r>
-            <a:r>
-              <a:rPr lang="en-US" dirty="0" err="1"/>
-              <a:t>plotly.offline</a:t>
-            </a:r>
-            <a:r>
-              <a:rPr lang="en-US" dirty="0"/>
-              <a:t> as </a:t>
-            </a:r>
-            <a:r>
-              <a:rPr lang="en-US" dirty="0" err="1"/>
-              <a:t>py</a:t>
-            </a:r>
-            <a:endParaRPr lang="en-US" dirty="0"/>
-          </a:p>
-          <a:p>
-            <a:r>
-              <a:rPr lang="en-US" dirty="0" err="1"/>
-              <a:t>py.init_notebook_mode</a:t>
-            </a:r>
-            <a:r>
-              <a:rPr lang="en-US" dirty="0"/>
-              <a:t>(connected=True)</a:t>
-            </a:r>
-          </a:p>
-          <a:p>
-            <a:r>
-              <a:rPr lang="en-US" dirty="0"/>
-              <a:t>import </a:t>
-            </a:r>
-            <a:r>
-              <a:rPr lang="en-US" dirty="0" err="1"/>
-              <a:t>plotly.graph_objs</a:t>
-            </a:r>
-            <a:r>
-              <a:rPr lang="en-US" dirty="0"/>
-              <a:t> as go</a:t>
-            </a:r>
-          </a:p>
-          <a:p>
-            <a:r>
-              <a:rPr lang="en-US" dirty="0"/>
-              <a:t>import </a:t>
-            </a:r>
-            <a:r>
-              <a:rPr lang="en-US" dirty="0" err="1"/>
-              <a:t>plotly.tools</a:t>
-            </a:r>
-            <a:r>
-              <a:rPr lang="en-US" dirty="0"/>
-              <a:t> as </a:t>
-            </a:r>
-            <a:r>
-              <a:rPr lang="en-US" dirty="0" err="1"/>
-              <a:t>tls</a:t>
-            </a:r>
-            <a:endParaRPr lang="en-US" dirty="0"/>
-          </a:p>
-          <a:p>
-            <a:r>
-              <a:rPr lang="en-US" dirty="0"/>
-              <a:t>from </a:t>
-            </a:r>
-            <a:r>
-              <a:rPr lang="en-US" dirty="0" err="1"/>
-              <a:t>sklearn</a:t>
-            </a:r>
-            <a:r>
-              <a:rPr lang="en-US" dirty="0"/>
-              <a:t> import tree</a:t>
-            </a:r>
-          </a:p>
-          <a:p>
-            <a:r>
-              <a:rPr lang="en-US" dirty="0"/>
-              <a:t>from </a:t>
-            </a:r>
-            <a:r>
-              <a:rPr lang="en-US" dirty="0" err="1"/>
-              <a:t>sklearn.metrics</a:t>
-            </a:r>
-            <a:r>
-              <a:rPr lang="en-US" dirty="0"/>
-              <a:t> import </a:t>
-            </a:r>
-            <a:r>
-              <a:rPr lang="en-US" dirty="0" err="1"/>
-              <a:t>accuracy_score</a:t>
-            </a:r>
-            <a:endParaRPr lang="en-US" dirty="0"/>
-          </a:p>
-          <a:p>
-            <a:r>
-              <a:rPr lang="en-US" dirty="0"/>
-              <a:t>from </a:t>
-            </a:r>
-            <a:r>
-              <a:rPr lang="en-US" dirty="0" err="1"/>
-              <a:t>sklearn.model_selection</a:t>
-            </a:r>
-            <a:r>
-              <a:rPr lang="en-US" dirty="0"/>
-              <a:t> import </a:t>
-            </a:r>
-            <a:r>
-              <a:rPr lang="en-US" dirty="0" err="1"/>
-              <a:t>KFold</a:t>
-            </a:r>
-            <a:endParaRPr lang="en-US" dirty="0"/>
-          </a:p>
-          <a:p>
-            <a:r>
-              <a:rPr lang="en-US" dirty="0"/>
-              <a:t>from </a:t>
-            </a:r>
-            <a:r>
-              <a:rPr lang="en-US" dirty="0" err="1"/>
-              <a:t>sklearn.model_selection</a:t>
-            </a:r>
-            <a:r>
-              <a:rPr lang="en-US" dirty="0"/>
-              <a:t> import </a:t>
-            </a:r>
-            <a:r>
-              <a:rPr lang="en-US" dirty="0" err="1"/>
-              <a:t>cross_val_score</a:t>
-            </a:r>
-            <a:endParaRPr lang="en-US" dirty="0"/>
-          </a:p>
-          <a:p>
-            <a:r>
-              <a:rPr lang="en-US" dirty="0"/>
-              <a:t>from </a:t>
-            </a:r>
-            <a:r>
-              <a:rPr lang="en-US" dirty="0" err="1"/>
-              <a:t>IPython.display</a:t>
-            </a:r>
-            <a:r>
-              <a:rPr lang="en-US" dirty="0"/>
-              <a:t> import Image as </a:t>
-            </a:r>
-            <a:r>
-              <a:rPr lang="en-US" dirty="0" err="1"/>
-              <a:t>PImage</a:t>
-            </a:r>
-            <a:endParaRPr lang="en-US" dirty="0"/>
-          </a:p>
-          <a:p>
-            <a:r>
-              <a:rPr lang="en-US" dirty="0"/>
-              <a:t>from subprocess import </a:t>
-            </a:r>
-            <a:r>
-              <a:rPr lang="en-US" dirty="0" err="1"/>
-              <a:t>check_call</a:t>
-            </a:r>
-            <a:endParaRPr lang="en-US" dirty="0"/>
-          </a:p>
-          <a:p>
-            <a:r>
-              <a:rPr lang="en-US" dirty="0"/>
-              <a:t>from PIL import Image, </a:t>
-            </a:r>
-            <a:r>
-              <a:rPr lang="en-US" dirty="0" err="1"/>
-              <a:t>ImageDraw</a:t>
-            </a:r>
-            <a:r>
-              <a:rPr lang="en-US" dirty="0"/>
-              <a:t>, </a:t>
-            </a:r>
-            <a:r>
-              <a:rPr lang="en-US" dirty="0" err="1"/>
-              <a:t>ImageFont</a:t>
-            </a:r>
-            <a:endParaRPr lang="en-US" dirty="0"/>
-          </a:p>
-          <a:p>
-            <a:r>
-              <a:rPr lang="en-US" dirty="0"/>
-              <a:t># import all the needed package</a:t>
-            </a:r>
           </a:p>
         </p:txBody>
       </p:sp>
     </p:spTree>
     <p:extLst>
       <p:ext uri="{BB962C8B-B14F-4D97-AF65-F5344CB8AC3E}">
-        <p14:creationId xmlns:p14="http://schemas.microsoft.com/office/powerpoint/2010/main" val="972243106"/>
+        <p14:creationId xmlns:p14="http://schemas.microsoft.com/office/powerpoint/2010/main" val="2536841417"/>
       </p:ext>
     </p:extLst>
   </p:cSld>
@@ -7725,7 +8900,7 @@
           <p:cNvPr id="2" name="Title 1">
             <a:extLst>
               <a:ext uri="{FF2B5EF4-FFF2-40B4-BE49-F238E27FC236}">
-                <a16:creationId xmlns:a16="http://schemas.microsoft.com/office/drawing/2014/main" id="{EA059F25-5BCF-3548-B257-32EB66F0BEE6}"/>
+                <a16:creationId xmlns:a16="http://schemas.microsoft.com/office/drawing/2014/main" id="{7CC119C9-5295-3343-9625-96EAF5F0954A}"/>
               </a:ext>
             </a:extLst>
           </p:cNvPr>
@@ -7743,290 +8918,421 @@
           <a:p>
             <a:r>
               <a:rPr lang="en-US" dirty="0"/>
-              <a:t>Introduction to Pandas</a:t>
-            </a:r>
-          </a:p>
-        </p:txBody>
-      </p:sp>
-      <p:sp>
-        <p:nvSpPr>
-          <p:cNvPr id="3" name="Content Placeholder 2">
-            <a:extLst>
-              <a:ext uri="{FF2B5EF4-FFF2-40B4-BE49-F238E27FC236}">
-                <a16:creationId xmlns:a16="http://schemas.microsoft.com/office/drawing/2014/main" id="{8A9593C8-5873-814D-AC83-70B9B99CC76C}"/>
-              </a:ext>
-            </a:extLst>
-          </p:cNvPr>
-          <p:cNvSpPr>
-            <a:spLocks noGrp="1"/>
-          </p:cNvSpPr>
-          <p:nvPr>
-            <p:ph idx="1"/>
-          </p:nvPr>
-        </p:nvSpPr>
-        <p:spPr/>
-        <p:txBody>
-          <a:bodyPr/>
-          <a:lstStyle/>
-          <a:p>
-            <a:r>
-              <a:rPr lang="en-US" altLang="zh-CN" dirty="0"/>
-              <a:t>Powerful</a:t>
-            </a:r>
-            <a:r>
-              <a:rPr lang="zh-CN" altLang="en-US" dirty="0"/>
-              <a:t> </a:t>
-            </a:r>
-            <a:r>
-              <a:rPr lang="en-US" altLang="zh-CN" dirty="0"/>
-              <a:t>and</a:t>
-            </a:r>
-            <a:r>
-              <a:rPr lang="zh-CN" altLang="en-US" dirty="0"/>
-              <a:t> </a:t>
-            </a:r>
-            <a:r>
-              <a:rPr lang="en-US" altLang="zh-CN" dirty="0"/>
-              <a:t>productive</a:t>
-            </a:r>
-            <a:r>
-              <a:rPr lang="zh-CN" altLang="en-US" dirty="0"/>
-              <a:t> </a:t>
-            </a:r>
-            <a:r>
-              <a:rPr lang="en-US" altLang="zh-CN" dirty="0"/>
-              <a:t>python</a:t>
-            </a:r>
-            <a:r>
-              <a:rPr lang="zh-CN" altLang="en-US" dirty="0"/>
-              <a:t> </a:t>
-            </a:r>
-            <a:r>
-              <a:rPr lang="en-US" altLang="zh-CN" dirty="0"/>
-              <a:t>data</a:t>
-            </a:r>
-            <a:r>
-              <a:rPr lang="zh-CN" altLang="en-US" dirty="0"/>
-              <a:t> </a:t>
-            </a:r>
-            <a:r>
-              <a:rPr lang="en-US" altLang="zh-CN" dirty="0"/>
-              <a:t>analysis</a:t>
-            </a:r>
-            <a:r>
-              <a:rPr lang="zh-CN" altLang="en-US" dirty="0"/>
-              <a:t> </a:t>
-            </a:r>
-            <a:r>
-              <a:rPr lang="en-US" altLang="zh-CN" dirty="0"/>
-              <a:t>and</a:t>
-            </a:r>
-            <a:r>
-              <a:rPr lang="zh-CN" altLang="en-US" dirty="0"/>
-              <a:t> </a:t>
-            </a:r>
-            <a:r>
-              <a:rPr lang="en-US" altLang="zh-CN" dirty="0"/>
-              <a:t>management</a:t>
-            </a:r>
-            <a:r>
-              <a:rPr lang="zh-CN" altLang="en-US" dirty="0"/>
-              <a:t> </a:t>
-            </a:r>
-            <a:r>
-              <a:rPr lang="en-US" altLang="zh-CN" dirty="0"/>
-              <a:t>library.</a:t>
-            </a:r>
-          </a:p>
-          <a:p>
-            <a:r>
-              <a:rPr lang="en-US" altLang="zh-CN" dirty="0"/>
-              <a:t>Short</a:t>
-            </a:r>
-            <a:r>
-              <a:rPr lang="zh-CN" altLang="en-US" dirty="0"/>
-              <a:t> </a:t>
-            </a:r>
-            <a:r>
-              <a:rPr lang="en-US" altLang="zh-CN" dirty="0"/>
-              <a:t>name</a:t>
-            </a:r>
-            <a:r>
-              <a:rPr lang="zh-CN" altLang="en-US" dirty="0"/>
-              <a:t> </a:t>
-            </a:r>
-            <a:r>
-              <a:rPr lang="en-US" altLang="zh-CN" dirty="0"/>
-              <a:t>of</a:t>
-            </a:r>
-            <a:r>
-              <a:rPr lang="zh-CN" altLang="en-US" dirty="0"/>
-              <a:t> </a:t>
-            </a:r>
-            <a:r>
-              <a:rPr lang="en-US" altLang="zh-CN" b="1" dirty="0"/>
-              <a:t>Pan</a:t>
-            </a:r>
-            <a:r>
-              <a:rPr lang="en-US" altLang="zh-CN" dirty="0"/>
-              <a:t>el</a:t>
-            </a:r>
-            <a:r>
-              <a:rPr lang="zh-CN" altLang="en-US" dirty="0"/>
-              <a:t> </a:t>
-            </a:r>
-            <a:r>
-              <a:rPr lang="en-US" altLang="zh-CN" b="1" dirty="0"/>
-              <a:t>Da</a:t>
-            </a:r>
-            <a:r>
-              <a:rPr lang="en-US" altLang="zh-CN" dirty="0"/>
-              <a:t>ta</a:t>
-            </a:r>
-            <a:r>
-              <a:rPr lang="zh-CN" altLang="en-US" dirty="0"/>
-              <a:t> </a:t>
-            </a:r>
-            <a:r>
-              <a:rPr lang="en-US" altLang="zh-CN" b="1" dirty="0"/>
-              <a:t>S</a:t>
-            </a:r>
-            <a:r>
-              <a:rPr lang="en-US" altLang="zh-CN" dirty="0"/>
-              <a:t>ystem</a:t>
-            </a:r>
-          </a:p>
-          <a:p>
-            <a:r>
-              <a:rPr lang="en-US" altLang="zh-CN" dirty="0"/>
-              <a:t>Open</a:t>
-            </a:r>
-            <a:r>
-              <a:rPr lang="zh-CN" altLang="en-US" dirty="0"/>
-              <a:t> </a:t>
-            </a:r>
-            <a:r>
-              <a:rPr lang="en-US" altLang="zh-CN" dirty="0"/>
-              <a:t>sourced</a:t>
-            </a:r>
-            <a:r>
-              <a:rPr lang="zh-CN" altLang="en-US" dirty="0"/>
-              <a:t> </a:t>
-            </a:r>
-            <a:r>
-              <a:rPr lang="en-US" altLang="zh-CN" dirty="0"/>
-              <a:t>by</a:t>
-            </a:r>
-            <a:r>
-              <a:rPr lang="zh-CN" altLang="en-US" dirty="0"/>
-              <a:t> </a:t>
-            </a:r>
-            <a:r>
-              <a:rPr lang="en-US" altLang="zh-CN" dirty="0"/>
-              <a:t>AQR</a:t>
-            </a:r>
-            <a:r>
-              <a:rPr lang="zh-CN" altLang="en-US" dirty="0"/>
-              <a:t> </a:t>
-            </a:r>
-            <a:r>
-              <a:rPr lang="en-US" altLang="zh-CN" dirty="0"/>
-              <a:t>capital</a:t>
-            </a:r>
-            <a:r>
-              <a:rPr lang="zh-CN" altLang="en-US" dirty="0"/>
-              <a:t> </a:t>
-            </a:r>
-            <a:r>
-              <a:rPr lang="en-US" altLang="zh-CN" dirty="0"/>
-              <a:t>management,</a:t>
-            </a:r>
-            <a:r>
-              <a:rPr lang="zh-CN" altLang="en-US" dirty="0"/>
-              <a:t> </a:t>
-            </a:r>
-            <a:r>
-              <a:rPr lang="en-US" altLang="zh-CN" dirty="0"/>
-              <a:t>LLC</a:t>
-            </a:r>
-            <a:r>
-              <a:rPr lang="zh-CN" altLang="en-US" dirty="0"/>
-              <a:t> </a:t>
-            </a:r>
-            <a:r>
-              <a:rPr lang="en-US" altLang="zh-CN" dirty="0"/>
-              <a:t>in</a:t>
-            </a:r>
-            <a:r>
-              <a:rPr lang="zh-CN" altLang="en-US" dirty="0"/>
-              <a:t> </a:t>
-            </a:r>
-            <a:r>
-              <a:rPr lang="en-US" altLang="zh-CN" dirty="0"/>
-              <a:t>late</a:t>
-            </a:r>
-            <a:r>
-              <a:rPr lang="zh-CN" altLang="en-US" dirty="0"/>
-              <a:t> </a:t>
-            </a:r>
-            <a:r>
-              <a:rPr lang="en-US" altLang="zh-CN" dirty="0"/>
-              <a:t>2009</a:t>
-            </a:r>
-          </a:p>
-          <a:p>
-            <a:r>
-              <a:rPr lang="en-US" altLang="zh-CN" dirty="0"/>
-              <a:t>Used</a:t>
-            </a:r>
-            <a:r>
-              <a:rPr lang="zh-CN" altLang="en-US" dirty="0"/>
-              <a:t> </a:t>
-            </a:r>
-            <a:r>
-              <a:rPr lang="en-US" altLang="zh-CN" dirty="0"/>
-              <a:t>by</a:t>
-            </a:r>
-            <a:r>
-              <a:rPr lang="zh-CN" altLang="en-US" dirty="0"/>
-              <a:t> </a:t>
-            </a:r>
-            <a:r>
-              <a:rPr lang="en-US" altLang="zh-CN" dirty="0"/>
-              <a:t>both</a:t>
-            </a:r>
-            <a:r>
-              <a:rPr lang="zh-CN" altLang="en-US" dirty="0"/>
-              <a:t> </a:t>
-            </a:r>
-            <a:r>
-              <a:rPr lang="en-US" altLang="zh-CN" dirty="0"/>
-              <a:t>academic</a:t>
-            </a:r>
-            <a:r>
-              <a:rPr lang="zh-CN" altLang="en-US" dirty="0"/>
-              <a:t> </a:t>
-            </a:r>
-            <a:r>
-              <a:rPr lang="en-US" altLang="zh-CN" dirty="0"/>
-              <a:t>and</a:t>
-            </a:r>
-            <a:r>
-              <a:rPr lang="zh-CN" altLang="en-US" dirty="0"/>
-              <a:t> </a:t>
-            </a:r>
-            <a:r>
-              <a:rPr lang="en-US" altLang="zh-CN" dirty="0"/>
-              <a:t>industry.</a:t>
-            </a:r>
-            <a:endParaRPr lang="en-US" dirty="0"/>
+              <a:t>Preprocess data with Pandas (1)</a:t>
+            </a:r>
+          </a:p>
+        </p:txBody>
+      </p:sp>
+      <p:pic>
+        <p:nvPicPr>
+          <p:cNvPr id="5" name="Picture 4">
+            <a:extLst>
+              <a:ext uri="{FF2B5EF4-FFF2-40B4-BE49-F238E27FC236}">
+                <a16:creationId xmlns:a16="http://schemas.microsoft.com/office/drawing/2014/main" id="{835A2DA3-D1F6-3D43-9C8D-12CCAF146C03}"/>
+              </a:ext>
+            </a:extLst>
+          </p:cNvPr>
+          <p:cNvPicPr>
+            <a:picLocks noChangeAspect="1"/>
+          </p:cNvPicPr>
+          <p:nvPr/>
+        </p:nvPicPr>
+        <p:blipFill>
+          <a:blip r:embed="rId2"/>
+          <a:stretch>
+            <a:fillRect/>
+          </a:stretch>
+        </p:blipFill>
+        <p:spPr>
+          <a:xfrm>
+            <a:off x="0" y="1511300"/>
+            <a:ext cx="8941392" cy="4847936"/>
+          </a:xfrm>
+          <a:prstGeom prst="rect">
+            <a:avLst/>
+          </a:prstGeom>
+        </p:spPr>
+      </p:pic>
+      <p:sp>
+        <p:nvSpPr>
+          <p:cNvPr id="6" name="TextBox 5">
+            <a:extLst>
+              <a:ext uri="{FF2B5EF4-FFF2-40B4-BE49-F238E27FC236}">
+                <a16:creationId xmlns:a16="http://schemas.microsoft.com/office/drawing/2014/main" id="{3CB7C565-DA3D-EA44-B92E-F00EFF8ADEF3}"/>
+              </a:ext>
+            </a:extLst>
+          </p:cNvPr>
+          <p:cNvSpPr txBox="1"/>
+          <p:nvPr/>
+        </p:nvSpPr>
+        <p:spPr>
+          <a:xfrm>
+            <a:off x="9227127" y="1527525"/>
+            <a:ext cx="2410691" cy="646331"/>
+          </a:xfrm>
+          <a:prstGeom prst="rect">
+            <a:avLst/>
+          </a:prstGeom>
+          <a:noFill/>
+        </p:spPr>
+        <p:txBody>
+          <a:bodyPr wrap="square" rtlCol="0">
+            <a:spAutoFit/>
+          </a:bodyPr>
+          <a:lstStyle/>
+          <a:p>
+            <a:r>
+              <a:rPr lang="en-US" dirty="0"/>
+              <a:t>Put the train and test data together</a:t>
+            </a:r>
+          </a:p>
+        </p:txBody>
+      </p:sp>
+      <p:sp>
+        <p:nvSpPr>
+          <p:cNvPr id="7" name="TextBox 6">
+            <a:extLst>
+              <a:ext uri="{FF2B5EF4-FFF2-40B4-BE49-F238E27FC236}">
+                <a16:creationId xmlns:a16="http://schemas.microsoft.com/office/drawing/2014/main" id="{056A47A2-E40B-CC4A-B42D-A6C455C77925}"/>
+              </a:ext>
+            </a:extLst>
+          </p:cNvPr>
+          <p:cNvSpPr txBox="1"/>
+          <p:nvPr/>
+        </p:nvSpPr>
+        <p:spPr>
+          <a:xfrm>
+            <a:off x="9227127" y="2394066"/>
+            <a:ext cx="2665615" cy="646331"/>
+          </a:xfrm>
+          <a:prstGeom prst="rect">
+            <a:avLst/>
+          </a:prstGeom>
+          <a:noFill/>
+        </p:spPr>
+        <p:txBody>
+          <a:bodyPr wrap="square" rtlCol="0">
+            <a:spAutoFit/>
+          </a:bodyPr>
+          <a:lstStyle/>
+          <a:p>
+            <a:r>
+              <a:rPr lang="en-US" dirty="0"/>
+              <a:t>Convert “family size” feature to integer </a:t>
+            </a:r>
+          </a:p>
+        </p:txBody>
+      </p:sp>
+      <p:sp>
+        <p:nvSpPr>
+          <p:cNvPr id="8" name="TextBox 7">
+            <a:extLst>
+              <a:ext uri="{FF2B5EF4-FFF2-40B4-BE49-F238E27FC236}">
+                <a16:creationId xmlns:a16="http://schemas.microsoft.com/office/drawing/2014/main" id="{D47E9C9F-7945-C841-9FB6-1057EB134311}"/>
+              </a:ext>
+            </a:extLst>
+          </p:cNvPr>
+          <p:cNvSpPr txBox="1"/>
+          <p:nvPr/>
+        </p:nvSpPr>
+        <p:spPr>
+          <a:xfrm>
+            <a:off x="9227127" y="3288937"/>
+            <a:ext cx="2144683" cy="646331"/>
+          </a:xfrm>
+          <a:prstGeom prst="rect">
+            <a:avLst/>
+          </a:prstGeom>
+          <a:noFill/>
+        </p:spPr>
+        <p:txBody>
+          <a:bodyPr wrap="square" rtlCol="0">
+            <a:spAutoFit/>
+          </a:bodyPr>
+          <a:lstStyle/>
+          <a:p>
+            <a:r>
+              <a:rPr lang="en-US" dirty="0"/>
+              <a:t>Create a new feature “</a:t>
+            </a:r>
+            <a:r>
+              <a:rPr lang="en-US" dirty="0" err="1"/>
+              <a:t>IsAlone</a:t>
+            </a:r>
+            <a:r>
+              <a:rPr lang="en-US" dirty="0"/>
+              <a:t>”</a:t>
+            </a:r>
+          </a:p>
+        </p:txBody>
+      </p:sp>
+      <p:sp>
+        <p:nvSpPr>
+          <p:cNvPr id="9" name="Down Arrow 8">
+            <a:extLst>
+              <a:ext uri="{FF2B5EF4-FFF2-40B4-BE49-F238E27FC236}">
+                <a16:creationId xmlns:a16="http://schemas.microsoft.com/office/drawing/2014/main" id="{F87E2F25-2BA2-C149-A9A0-FF2499B806CD}"/>
+              </a:ext>
+            </a:extLst>
+          </p:cNvPr>
+          <p:cNvSpPr/>
+          <p:nvPr/>
+        </p:nvSpPr>
+        <p:spPr>
+          <a:xfrm rot="4502141">
+            <a:off x="7544441" y="749903"/>
+            <a:ext cx="310869" cy="3078636"/>
+          </a:xfrm>
+          <a:prstGeom prst="downArrow">
+            <a:avLst/>
+          </a:prstGeom>
+        </p:spPr>
+        <p:style>
+          <a:lnRef idx="2">
+            <a:schemeClr val="accent1">
+              <a:shade val="50000"/>
+            </a:schemeClr>
+          </a:lnRef>
+          <a:fillRef idx="1">
+            <a:schemeClr val="accent1"/>
+          </a:fillRef>
+          <a:effectRef idx="0">
+            <a:schemeClr val="accent1"/>
+          </a:effectRef>
+          <a:fontRef idx="minor">
+            <a:schemeClr val="lt1"/>
+          </a:fontRef>
+        </p:style>
+        <p:txBody>
+          <a:bodyPr rtlCol="0" anchor="ctr"/>
+          <a:lstStyle/>
+          <a:p>
+            <a:pPr algn="ctr"/>
+            <a:endParaRPr lang="en-US"/>
+          </a:p>
+        </p:txBody>
+      </p:sp>
+      <p:sp>
+        <p:nvSpPr>
+          <p:cNvPr id="10" name="Down Arrow 9">
+            <a:extLst>
+              <a:ext uri="{FF2B5EF4-FFF2-40B4-BE49-F238E27FC236}">
+                <a16:creationId xmlns:a16="http://schemas.microsoft.com/office/drawing/2014/main" id="{4D0635D3-6772-D04F-B7DE-6393CF8680EE}"/>
+              </a:ext>
+            </a:extLst>
+          </p:cNvPr>
+          <p:cNvSpPr/>
+          <p:nvPr/>
+        </p:nvSpPr>
+        <p:spPr>
+          <a:xfrm rot="4502141">
+            <a:off x="7605058" y="1620616"/>
+            <a:ext cx="310869" cy="2888625"/>
+          </a:xfrm>
+          <a:prstGeom prst="downArrow">
+            <a:avLst/>
+          </a:prstGeom>
+        </p:spPr>
+        <p:style>
+          <a:lnRef idx="2">
+            <a:schemeClr val="accent1">
+              <a:shade val="50000"/>
+            </a:schemeClr>
+          </a:lnRef>
+          <a:fillRef idx="1">
+            <a:schemeClr val="accent1"/>
+          </a:fillRef>
+          <a:effectRef idx="0">
+            <a:schemeClr val="accent1"/>
+          </a:effectRef>
+          <a:fontRef idx="minor">
+            <a:schemeClr val="lt1"/>
+          </a:fontRef>
+        </p:style>
+        <p:txBody>
+          <a:bodyPr rtlCol="0" anchor="ctr"/>
+          <a:lstStyle/>
+          <a:p>
+            <a:pPr algn="ctr"/>
+            <a:endParaRPr lang="en-US"/>
+          </a:p>
+        </p:txBody>
+      </p:sp>
+      <p:sp>
+        <p:nvSpPr>
+          <p:cNvPr id="11" name="Down Arrow 10">
+            <a:extLst>
+              <a:ext uri="{FF2B5EF4-FFF2-40B4-BE49-F238E27FC236}">
+                <a16:creationId xmlns:a16="http://schemas.microsoft.com/office/drawing/2014/main" id="{81D62561-64AA-914F-BAE5-EF4DE5A91D9B}"/>
+              </a:ext>
+            </a:extLst>
+          </p:cNvPr>
+          <p:cNvSpPr/>
+          <p:nvPr/>
+        </p:nvSpPr>
+        <p:spPr>
+          <a:xfrm rot="5069740">
+            <a:off x="7544439" y="2346479"/>
+            <a:ext cx="310869" cy="2888625"/>
+          </a:xfrm>
+          <a:prstGeom prst="downArrow">
+            <a:avLst/>
+          </a:prstGeom>
+        </p:spPr>
+        <p:style>
+          <a:lnRef idx="2">
+            <a:schemeClr val="accent1">
+              <a:shade val="50000"/>
+            </a:schemeClr>
+          </a:lnRef>
+          <a:fillRef idx="1">
+            <a:schemeClr val="accent1"/>
+          </a:fillRef>
+          <a:effectRef idx="0">
+            <a:schemeClr val="accent1"/>
+          </a:effectRef>
+          <a:fontRef idx="minor">
+            <a:schemeClr val="lt1"/>
+          </a:fontRef>
+        </p:style>
+        <p:txBody>
+          <a:bodyPr rtlCol="0" anchor="ctr"/>
+          <a:lstStyle/>
+          <a:p>
+            <a:pPr algn="ctr"/>
+            <a:endParaRPr lang="en-US"/>
+          </a:p>
+        </p:txBody>
+      </p:sp>
+      <p:sp>
+        <p:nvSpPr>
+          <p:cNvPr id="12" name="TextBox 11">
+            <a:extLst>
+              <a:ext uri="{FF2B5EF4-FFF2-40B4-BE49-F238E27FC236}">
+                <a16:creationId xmlns:a16="http://schemas.microsoft.com/office/drawing/2014/main" id="{7C960CD4-222F-604E-B682-D46CB563C6B8}"/>
+              </a:ext>
+            </a:extLst>
+          </p:cNvPr>
+          <p:cNvSpPr txBox="1"/>
+          <p:nvPr/>
+        </p:nvSpPr>
+        <p:spPr>
+          <a:xfrm>
+            <a:off x="9974585" y="5037396"/>
+            <a:ext cx="2123203" cy="646331"/>
+          </a:xfrm>
+          <a:prstGeom prst="rect">
+            <a:avLst/>
+          </a:prstGeom>
+          <a:noFill/>
+        </p:spPr>
+        <p:txBody>
+          <a:bodyPr wrap="square" rtlCol="0">
+            <a:spAutoFit/>
+          </a:bodyPr>
+          <a:lstStyle/>
+          <a:p>
+            <a:r>
+              <a:rPr lang="en-US" dirty="0"/>
+              <a:t>Replace empty data with average</a:t>
+            </a:r>
+          </a:p>
+        </p:txBody>
+      </p:sp>
+      <p:sp>
+        <p:nvSpPr>
+          <p:cNvPr id="13" name="Right Arrow 12">
+            <a:extLst>
+              <a:ext uri="{FF2B5EF4-FFF2-40B4-BE49-F238E27FC236}">
+                <a16:creationId xmlns:a16="http://schemas.microsoft.com/office/drawing/2014/main" id="{863B2E8E-52E0-2C44-A310-20EE6B993472}"/>
+              </a:ext>
+            </a:extLst>
+          </p:cNvPr>
+          <p:cNvSpPr/>
+          <p:nvPr/>
+        </p:nvSpPr>
+        <p:spPr>
+          <a:xfrm rot="10800000">
+            <a:off x="8344072" y="5154180"/>
+            <a:ext cx="1627743" cy="412764"/>
+          </a:xfrm>
+          <a:prstGeom prst="rightArrow">
+            <a:avLst/>
+          </a:prstGeom>
+        </p:spPr>
+        <p:style>
+          <a:lnRef idx="2">
+            <a:schemeClr val="accent1">
+              <a:shade val="50000"/>
+            </a:schemeClr>
+          </a:lnRef>
+          <a:fillRef idx="1">
+            <a:schemeClr val="accent1"/>
+          </a:fillRef>
+          <a:effectRef idx="0">
+            <a:schemeClr val="accent1"/>
+          </a:effectRef>
+          <a:fontRef idx="minor">
+            <a:schemeClr val="lt1"/>
+          </a:fontRef>
+        </p:style>
+        <p:txBody>
+          <a:bodyPr rtlCol="0" anchor="ctr"/>
+          <a:lstStyle/>
+          <a:p>
+            <a:pPr algn="ctr"/>
+            <a:endParaRPr lang="en-US"/>
+          </a:p>
+        </p:txBody>
+      </p:sp>
+      <p:sp>
+        <p:nvSpPr>
+          <p:cNvPr id="14" name="Right Brace 13">
+            <a:extLst>
+              <a:ext uri="{FF2B5EF4-FFF2-40B4-BE49-F238E27FC236}">
+                <a16:creationId xmlns:a16="http://schemas.microsoft.com/office/drawing/2014/main" id="{1AB27D01-7029-BF4C-8D90-C791C07F65A4}"/>
+              </a:ext>
+            </a:extLst>
+          </p:cNvPr>
+          <p:cNvSpPr/>
+          <p:nvPr/>
+        </p:nvSpPr>
+        <p:spPr>
+          <a:xfrm>
+            <a:off x="7851884" y="4363723"/>
+            <a:ext cx="440575" cy="1995513"/>
+          </a:xfrm>
+          <a:prstGeom prst="rightBrace">
+            <a:avLst/>
+          </a:prstGeom>
+        </p:spPr>
+        <p:style>
+          <a:lnRef idx="1">
+            <a:schemeClr val="accent1"/>
+          </a:lnRef>
+          <a:fillRef idx="0">
+            <a:schemeClr val="accent1"/>
+          </a:fillRef>
+          <a:effectRef idx="0">
+            <a:schemeClr val="accent1"/>
+          </a:effectRef>
+          <a:fontRef idx="minor">
+            <a:schemeClr val="tx1"/>
+          </a:fontRef>
+        </p:style>
+        <p:txBody>
+          <a:bodyPr rtlCol="0" anchor="ctr"/>
+          <a:lstStyle/>
+          <a:p>
+            <a:pPr algn="ctr"/>
+            <a:endParaRPr lang="en-US"/>
           </a:p>
         </p:txBody>
       </p:sp>
     </p:spTree>
     <p:extLst>
       <p:ext uri="{BB962C8B-B14F-4D97-AF65-F5344CB8AC3E}">
-        <p14:creationId xmlns:p14="http://schemas.microsoft.com/office/powerpoint/2010/main" val="3961747204"/>
+        <p14:creationId xmlns:p14="http://schemas.microsoft.com/office/powerpoint/2010/main" val="1178156979"/>
       </p:ext>
     </p:extLst>
   </p:cSld>
@@ -8329,4 +9635,265 @@
     </a:ext>
   </a:extLst>
 </a:theme>
+</file>
+
+<file path=ppt/theme/theme2.xml><?xml version="1.0" encoding="utf-8"?>
+<a:theme xmlns:a="http://schemas.openxmlformats.org/drawingml/2006/main" name="Office Theme">
+  <a:themeElements>
+    <a:clrScheme name="Office">
+      <a:dk1>
+        <a:sysClr val="windowText" lastClr="000000"/>
+      </a:dk1>
+      <a:lt1>
+        <a:sysClr val="window" lastClr="FFFFFF"/>
+      </a:lt1>
+      <a:dk2>
+        <a:srgbClr val="44546A"/>
+      </a:dk2>
+      <a:lt2>
+        <a:srgbClr val="E7E6E6"/>
+      </a:lt2>
+      <a:accent1>
+        <a:srgbClr val="5B9BD5"/>
+      </a:accent1>
+      <a:accent2>
+        <a:srgbClr val="ED7D31"/>
+      </a:accent2>
+      <a:accent3>
+        <a:srgbClr val="A5A5A5"/>
+      </a:accent3>
+      <a:accent4>
+        <a:srgbClr val="FFC000"/>
+      </a:accent4>
+      <a:accent5>
+        <a:srgbClr val="4472C4"/>
+      </a:accent5>
+      <a:accent6>
+        <a:srgbClr val="70AD47"/>
+      </a:accent6>
+      <a:hlink>
+        <a:srgbClr val="0563C1"/>
+      </a:hlink>
+      <a:folHlink>
+        <a:srgbClr val="954F72"/>
+      </a:folHlink>
+    </a:clrScheme>
+    <a:fontScheme name="Office">
+      <a:majorFont>
+        <a:latin typeface="Calibri Light" panose="020F0302020204030204"/>
+        <a:ea typeface=""/>
+        <a:cs typeface=""/>
+        <a:font script="Jpan" typeface="游ゴシック Light"/>
+        <a:font script="Hang" typeface="맑은 고딕"/>
+        <a:font script="Hans" typeface="等线 Light"/>
+        <a:font script="Hant" typeface="新細明體"/>
+        <a:font script="Arab" typeface="Times New Roman"/>
+        <a:font script="Hebr" typeface="Times New Roman"/>
+        <a:font script="Thai" typeface="Angsana New"/>
+        <a:font script="Ethi" typeface="Nyala"/>
+        <a:font script="Beng" typeface="Vrinda"/>
+        <a:font script="Gujr" typeface="Shruti"/>
+        <a:font script="Khmr" typeface="MoolBoran"/>
+        <a:font script="Knda" typeface="Tunga"/>
+        <a:font script="Guru" typeface="Raavi"/>
+        <a:font script="Cans" typeface="Euphemia"/>
+        <a:font script="Cher" typeface="Plantagenet Cherokee"/>
+        <a:font script="Yiii" typeface="Microsoft Yi Baiti"/>
+        <a:font script="Tibt" typeface="Microsoft Himalaya"/>
+        <a:font script="Thaa" typeface="MV Boli"/>
+        <a:font script="Deva" typeface="Mangal"/>
+        <a:font script="Telu" typeface="Gautami"/>
+        <a:font script="Taml" typeface="Latha"/>
+        <a:font script="Syrc" typeface="Estrangelo Edessa"/>
+        <a:font script="Orya" typeface="Kalinga"/>
+        <a:font script="Mlym" typeface="Kartika"/>
+        <a:font script="Laoo" typeface="DokChampa"/>
+        <a:font script="Sinh" typeface="Iskoola Pota"/>
+        <a:font script="Mong" typeface="Mongolian Baiti"/>
+        <a:font script="Viet" typeface="Times New Roman"/>
+        <a:font script="Uigh" typeface="Microsoft Uighur"/>
+        <a:font script="Geor" typeface="Sylfaen"/>
+      </a:majorFont>
+      <a:minorFont>
+        <a:latin typeface="Calibri" panose="020F0502020204030204"/>
+        <a:ea typeface=""/>
+        <a:cs typeface=""/>
+        <a:font script="Jpan" typeface="游ゴシック"/>
+        <a:font script="Hang" typeface="맑은 고딕"/>
+        <a:font script="Hans" typeface="等线"/>
+        <a:font script="Hant" typeface="新細明體"/>
+        <a:font script="Arab" typeface="Arial"/>
+        <a:font script="Hebr" typeface="Arial"/>
+        <a:font script="Thai" typeface="Cordia New"/>
+        <a:font script="Ethi" typeface="Nyala"/>
+        <a:font script="Beng" typeface="Vrinda"/>
+        <a:font script="Gujr" typeface="Shruti"/>
+        <a:font script="Khmr" typeface="DaunPenh"/>
+        <a:font script="Knda" typeface="Tunga"/>
+        <a:font script="Guru" typeface="Raavi"/>
+        <a:font script="Cans" typeface="Euphemia"/>
+        <a:font script="Cher" typeface="Plantagenet Cherokee"/>
+        <a:font script="Yiii" typeface="Microsoft Yi Baiti"/>
+        <a:font script="Tibt" typeface="Microsoft Himalaya"/>
+        <a:font script="Thaa" typeface="MV Boli"/>
+        <a:font script="Deva" typeface="Mangal"/>
+        <a:font script="Telu" typeface="Gautami"/>
+        <a:font script="Taml" typeface="Latha"/>
+        <a:font script="Syrc" typeface="Estrangelo Edessa"/>
+        <a:font script="Orya" typeface="Kalinga"/>
+        <a:font script="Mlym" typeface="Kartika"/>
+        <a:font script="Laoo" typeface="DokChampa"/>
+        <a:font script="Sinh" typeface="Iskoola Pota"/>
+        <a:font script="Mong" typeface="Mongolian Baiti"/>
+        <a:font script="Viet" typeface="Arial"/>
+        <a:font script="Uigh" typeface="Microsoft Uighur"/>
+        <a:font script="Geor" typeface="Sylfaen"/>
+      </a:minorFont>
+    </a:fontScheme>
+    <a:fmtScheme name="Office">
+      <a:fillStyleLst>
+        <a:solidFill>
+          <a:schemeClr val="phClr"/>
+        </a:solidFill>
+        <a:gradFill rotWithShape="1">
+          <a:gsLst>
+            <a:gs pos="0">
+              <a:schemeClr val="phClr">
+                <a:lumMod val="110000"/>
+                <a:satMod val="105000"/>
+                <a:tint val="67000"/>
+              </a:schemeClr>
+            </a:gs>
+            <a:gs pos="50000">
+              <a:schemeClr val="phClr">
+                <a:lumMod val="105000"/>
+                <a:satMod val="103000"/>
+                <a:tint val="73000"/>
+              </a:schemeClr>
+            </a:gs>
+            <a:gs pos="100000">
+              <a:schemeClr val="phClr">
+                <a:lumMod val="105000"/>
+                <a:satMod val="109000"/>
+                <a:tint val="81000"/>
+              </a:schemeClr>
+            </a:gs>
+          </a:gsLst>
+          <a:lin ang="5400000" scaled="0"/>
+        </a:gradFill>
+        <a:gradFill rotWithShape="1">
+          <a:gsLst>
+            <a:gs pos="0">
+              <a:schemeClr val="phClr">
+                <a:satMod val="103000"/>
+                <a:lumMod val="102000"/>
+                <a:tint val="94000"/>
+              </a:schemeClr>
+            </a:gs>
+            <a:gs pos="50000">
+              <a:schemeClr val="phClr">
+                <a:satMod val="110000"/>
+                <a:lumMod val="100000"/>
+                <a:shade val="100000"/>
+              </a:schemeClr>
+            </a:gs>
+            <a:gs pos="100000">
+              <a:schemeClr val="phClr">
+                <a:lumMod val="99000"/>
+                <a:satMod val="120000"/>
+                <a:shade val="78000"/>
+              </a:schemeClr>
+            </a:gs>
+          </a:gsLst>
+          <a:lin ang="5400000" scaled="0"/>
+        </a:gradFill>
+      </a:fillStyleLst>
+      <a:lnStyleLst>
+        <a:ln w="6350" cap="flat" cmpd="sng" algn="ctr">
+          <a:solidFill>
+            <a:schemeClr val="phClr"/>
+          </a:solidFill>
+          <a:prstDash val="solid"/>
+          <a:miter lim="800000"/>
+        </a:ln>
+        <a:ln w="12700" cap="flat" cmpd="sng" algn="ctr">
+          <a:solidFill>
+            <a:schemeClr val="phClr"/>
+          </a:solidFill>
+          <a:prstDash val="solid"/>
+          <a:miter lim="800000"/>
+        </a:ln>
+        <a:ln w="19050" cap="flat" cmpd="sng" algn="ctr">
+          <a:solidFill>
+            <a:schemeClr val="phClr"/>
+          </a:solidFill>
+          <a:prstDash val="solid"/>
+          <a:miter lim="800000"/>
+        </a:ln>
+      </a:lnStyleLst>
+      <a:effectStyleLst>
+        <a:effectStyle>
+          <a:effectLst/>
+        </a:effectStyle>
+        <a:effectStyle>
+          <a:effectLst/>
+        </a:effectStyle>
+        <a:effectStyle>
+          <a:effectLst>
+            <a:outerShdw blurRad="57150" dist="19050" dir="5400000" algn="ctr" rotWithShape="0">
+              <a:srgbClr val="000000">
+                <a:alpha val="63000"/>
+              </a:srgbClr>
+            </a:outerShdw>
+          </a:effectLst>
+        </a:effectStyle>
+      </a:effectStyleLst>
+      <a:bgFillStyleLst>
+        <a:solidFill>
+          <a:schemeClr val="phClr"/>
+        </a:solidFill>
+        <a:solidFill>
+          <a:schemeClr val="phClr">
+            <a:tint val="95000"/>
+            <a:satMod val="170000"/>
+          </a:schemeClr>
+        </a:solidFill>
+        <a:gradFill rotWithShape="1">
+          <a:gsLst>
+            <a:gs pos="0">
+              <a:schemeClr val="phClr">
+                <a:tint val="93000"/>
+                <a:satMod val="150000"/>
+                <a:shade val="98000"/>
+                <a:lumMod val="102000"/>
+              </a:schemeClr>
+            </a:gs>
+            <a:gs pos="50000">
+              <a:schemeClr val="phClr">
+                <a:tint val="98000"/>
+                <a:satMod val="130000"/>
+                <a:shade val="90000"/>
+                <a:lumMod val="103000"/>
+              </a:schemeClr>
+            </a:gs>
+            <a:gs pos="100000">
+              <a:schemeClr val="phClr">
+                <a:shade val="63000"/>
+                <a:satMod val="120000"/>
+              </a:schemeClr>
+            </a:gs>
+          </a:gsLst>
+          <a:lin ang="5400000" scaled="0"/>
+        </a:gradFill>
+      </a:bgFillStyleLst>
+    </a:fmtScheme>
+  </a:themeElements>
+  <a:objectDefaults/>
+  <a:extraClrSchemeLst/>
+  <a:extLst>
+    <a:ext uri="{05A4C25C-085E-4340-85A3-A5531E510DB2}">
+      <thm15:themeFamily xmlns:thm15="http://schemas.microsoft.com/office/thememl/2012/main" name="Office Theme" id="{62F939B6-93AF-4DB8-9C6B-D6C7DFDC589F}" vid="{4A3C46E8-61CC-4603-A589-7422A47A8E4A}"/>
+    </a:ext>
+  </a:extLst>
+</a:theme>
 </file>